--- a/documents/iit_seminar_post.pptx
+++ b/documents/iit_seminar_post.pptx
@@ -3852,32 +3852,32 @@
       </p:grpSpPr>
       <p:grpSp>
         <p:nvGrpSpPr>
-          <p:cNvPr id="98" name="グループ化 97"/>
+          <p:cNvPr id="63" name="グループ化 62"/>
           <p:cNvGrpSpPr/>
           <p:nvPr/>
         </p:nvGrpSpPr>
         <p:grpSpPr>
           <a:xfrm>
-            <a:off x="1308565" y="21458785"/>
-            <a:ext cx="13583707" cy="20558821"/>
+            <a:off x="1222589" y="21246204"/>
+            <a:ext cx="13583707" cy="20748732"/>
             <a:chOff x="1073087" y="4077629"/>
-            <a:chExt cx="13583707" cy="15541364"/>
+            <a:chExt cx="13583707" cy="18592106"/>
           </a:xfrm>
         </p:grpSpPr>
         <p:sp>
           <p:nvSpPr>
-            <p:cNvPr id="99" name="角丸四角形 98"/>
+            <p:cNvPr id="64" name="角丸四角形 63"/>
             <p:cNvSpPr/>
             <p:nvPr/>
           </p:nvSpPr>
           <p:spPr>
             <a:xfrm>
-              <a:off x="1245041" y="5343160"/>
-              <a:ext cx="13411753" cy="14275833"/>
+              <a:off x="1245041" y="5343161"/>
+              <a:ext cx="13411753" cy="17326574"/>
             </a:xfrm>
             <a:prstGeom prst="roundRect">
               <a:avLst>
-                <a:gd name="adj" fmla="val 2891"/>
+                <a:gd name="adj" fmla="val 4655"/>
               </a:avLst>
             </a:prstGeom>
             <a:solidFill>
@@ -3914,21 +3914,21 @@
         </p:sp>
         <p:grpSp>
           <p:nvGrpSpPr>
-            <p:cNvPr id="100" name="グループ化 99"/>
+            <p:cNvPr id="65" name="グループ化 64"/>
             <p:cNvGrpSpPr/>
             <p:nvPr/>
           </p:nvGrpSpPr>
           <p:grpSpPr>
             <a:xfrm>
               <a:off x="1073087" y="4077629"/>
-              <a:ext cx="4083235" cy="971645"/>
+              <a:ext cx="4083235" cy="875668"/>
               <a:chOff x="550890" y="4295213"/>
-              <a:chExt cx="4083235" cy="971645"/>
+              <a:chExt cx="4083235" cy="875668"/>
             </a:xfrm>
           </p:grpSpPr>
           <p:sp>
             <p:nvSpPr>
-              <p:cNvPr id="101" name="Text Box 382"/>
+              <p:cNvPr id="66" name="Text Box 382"/>
               <p:cNvSpPr txBox="1">
                 <a:spLocks noChangeArrowheads="1"/>
               </p:cNvSpPr>
@@ -3937,7 +3937,7 @@
             <p:spPr bwMode="auto">
               <a:xfrm>
                 <a:off x="1679359" y="4343472"/>
-                <a:ext cx="2954766" cy="923386"/>
+                <a:ext cx="2954766" cy="827409"/>
               </a:xfrm>
               <a:prstGeom prst="rect">
                 <a:avLst/>
@@ -3958,20 +3958,12 @@
               <a:p>
                 <a:pPr defTabSz="2587020"/>
                 <a:r>
-                  <a:rPr lang="ja-JP" altLang="en-US" sz="5400" b="1" dirty="0" smtClean="0">
-                    <a:latin typeface="メイリオ" panose="020B0604030504040204" pitchFamily="50" charset="-128"/>
-                    <a:ea typeface="メイリオ" panose="020B0604030504040204" pitchFamily="50" charset="-128"/>
-                    <a:cs typeface="Arial" panose="020B0604020202020204" pitchFamily="34" charset="0"/>
-                  </a:rPr>
-                  <a:t>先行</a:t>
-                </a:r>
-                <a:r>
                   <a:rPr lang="ja-JP" altLang="en-US" sz="5400" b="1" dirty="0">
                     <a:latin typeface="メイリオ" panose="020B0604030504040204" pitchFamily="50" charset="-128"/>
                     <a:ea typeface="メイリオ" panose="020B0604030504040204" pitchFamily="50" charset="-128"/>
                     <a:cs typeface="Arial" panose="020B0604020202020204" pitchFamily="34" charset="0"/>
                   </a:rPr>
-                  <a:t>研究</a:t>
+                  <a:t>先行研究</a:t>
                 </a:r>
                 <a:endParaRPr lang="en-US" altLang="ja-JP" sz="5400" b="1" dirty="0">
                   <a:latin typeface="メイリオ" panose="020B0604030504040204" pitchFamily="50" charset="-128"/>
@@ -3983,7 +3975,7 @@
           </p:sp>
           <p:grpSp>
             <p:nvGrpSpPr>
-              <p:cNvPr id="102" name="グループ化 101"/>
+              <p:cNvPr id="69" name="グループ化 68"/>
               <p:cNvGrpSpPr/>
               <p:nvPr/>
             </p:nvGrpSpPr>
@@ -4006,7 +3998,7 @@
             </p:grpSpPr>
             <p:sp>
               <p:nvSpPr>
-                <p:cNvPr id="103" name="フローチャート: 結合子 102"/>
+                <p:cNvPr id="74" name="フローチャート: 結合子 73"/>
                 <p:cNvSpPr/>
                 <p:nvPr/>
               </p:nvSpPr>
@@ -4059,7 +4051,7 @@
             </p:sp>
             <p:sp>
               <p:nvSpPr>
-                <p:cNvPr id="104" name="フローチャート: 結合子 103"/>
+                <p:cNvPr id="75" name="フローチャート: 結合子 74"/>
                 <p:cNvSpPr>
                   <a:spLocks noChangeAspect="1"/>
                 </p:cNvSpPr>
@@ -4518,14 +4510,6 @@
               </a:rPr>
               <a:t>grid-based Multi-Agent pursuit a moving target method</a:t>
             </a:r>
-            <a:endParaRPr lang="en-US" altLang="ja-JP" sz="5400" b="1" dirty="0">
-              <a:solidFill>
-                <a:schemeClr val="tx2"/>
-              </a:solidFill>
-              <a:latin typeface="Times New Roman" panose="02020603050405020304" pitchFamily="18" charset="0"/>
-              <a:ea typeface="ＭＳ Ｐゴシック" pitchFamily="50" charset="-128"/>
-              <a:cs typeface="Times New Roman" panose="02020603050405020304" pitchFamily="18" charset="0"/>
-            </a:endParaRPr>
           </a:p>
         </p:txBody>
       </p:sp>
@@ -4568,17 +4552,17 @@
                 <a:latin typeface="メイリオ" panose="020B0604030504040204" pitchFamily="50" charset="-128"/>
                 <a:ea typeface="メイリオ" panose="020B0604030504040204" pitchFamily="50" charset="-128"/>
               </a:rPr>
-              <a:t>唐霄 博士</a:t>
-            </a:r>
-            <a:r>
-              <a:rPr lang="ja-JP" altLang="en-US" sz="4400" b="1" dirty="0">
+              <a:t>唐霄 博士前期課程</a:t>
+            </a:r>
+            <a:r>
+              <a:rPr lang="en-US" altLang="ja-JP" sz="4400" b="1" dirty="0">
                 <a:solidFill>
                   <a:srgbClr val="000000"/>
                 </a:solidFill>
                 <a:latin typeface="メイリオ" panose="020B0604030504040204" pitchFamily="50" charset="-128"/>
                 <a:ea typeface="メイリオ" panose="020B0604030504040204" pitchFamily="50" charset="-128"/>
               </a:rPr>
-              <a:t>前期</a:t>
+              <a:t>1</a:t>
             </a:r>
             <a:r>
               <a:rPr lang="ja-JP" altLang="en-US" sz="4400" b="1" dirty="0">
@@ -4588,37 +4572,7 @@
                 <a:latin typeface="メイリオ" panose="020B0604030504040204" pitchFamily="50" charset="-128"/>
                 <a:ea typeface="メイリオ" panose="020B0604030504040204" pitchFamily="50" charset="-128"/>
               </a:rPr>
-              <a:t>課程</a:t>
-            </a:r>
-            <a:r>
-              <a:rPr lang="en-US" altLang="ja-JP" sz="4400" b="1" dirty="0">
-                <a:solidFill>
-                  <a:srgbClr val="000000"/>
-                </a:solidFill>
-                <a:latin typeface="メイリオ" panose="020B0604030504040204" pitchFamily="50" charset="-128"/>
-                <a:ea typeface="メイリオ" panose="020B0604030504040204" pitchFamily="50" charset="-128"/>
-              </a:rPr>
-              <a:t>1</a:t>
-            </a:r>
-            <a:r>
-              <a:rPr lang="ja-JP" altLang="en-US" sz="4400" b="1" dirty="0">
-                <a:solidFill>
-                  <a:srgbClr val="000000"/>
-                </a:solidFill>
-                <a:latin typeface="メイリオ" panose="020B0604030504040204" pitchFamily="50" charset="-128"/>
-                <a:ea typeface="メイリオ" panose="020B0604030504040204" pitchFamily="50" charset="-128"/>
-              </a:rPr>
-              <a:t>年</a:t>
-            </a:r>
-            <a:r>
-              <a:rPr lang="ja-JP" altLang="en-US" sz="4400" b="1" dirty="0">
-                <a:solidFill>
-                  <a:srgbClr val="000000"/>
-                </a:solidFill>
-                <a:latin typeface="メイリオ" panose="020B0604030504040204" pitchFamily="50" charset="-128"/>
-                <a:ea typeface="メイリオ" panose="020B0604030504040204" pitchFamily="50" charset="-128"/>
-              </a:rPr>
-              <a:t> </a:t>
+              <a:t>年 </a:t>
             </a:r>
             <a:r>
               <a:rPr lang="en-US" altLang="ja-JP" sz="4400" b="1" dirty="0">
@@ -5289,7 +5243,7 @@
         </p:blipFill>
         <p:spPr bwMode="auto">
           <a:xfrm>
-            <a:off x="2615878" y="24594385"/>
+            <a:off x="2664998" y="24015788"/>
             <a:ext cx="11072272" cy="8902178"/>
           </a:xfrm>
           <a:prstGeom prst="rect">
@@ -5328,8 +5282,8 @@
         </p:nvSpPr>
         <p:spPr>
           <a:xfrm>
-            <a:off x="2615878" y="37430198"/>
-            <a:ext cx="8890415" cy="3662541"/>
+            <a:off x="2241685" y="38214130"/>
+            <a:ext cx="11717465" cy="3170099"/>
           </a:xfrm>
           <a:prstGeom prst="rect">
             <a:avLst/>
@@ -5389,22 +5343,15 @@
                 <a:ea typeface="メイリオ" panose="020B0604030504040204" pitchFamily="50" charset="-128"/>
                 <a:cs typeface="Times New Roman" panose="02020603050405020304" pitchFamily="18" charset="0"/>
               </a:rPr>
-              <a:t>地図全体を幅優先探索のように、時間の複雑</a:t>
-            </a:r>
-            <a:endParaRPr lang="en-US" altLang="ja-JP" sz="3200" dirty="0" smtClean="0">
-              <a:latin typeface="メイリオ" panose="020B0604030504040204" pitchFamily="50" charset="-128"/>
-              <a:ea typeface="メイリオ" panose="020B0604030504040204" pitchFamily="50" charset="-128"/>
-              <a:cs typeface="Times New Roman" panose="02020603050405020304" pitchFamily="18" charset="0"/>
-            </a:endParaRPr>
-          </a:p>
-          <a:p>
+              <a:t>地図全体を幅優先探索のように、時間の</a:t>
+            </a:r>
             <a:r>
               <a:rPr lang="ja-JP" altLang="en-US" sz="3200" dirty="0" smtClean="0">
                 <a:latin typeface="メイリオ" panose="020B0604030504040204" pitchFamily="50" charset="-128"/>
                 <a:ea typeface="メイリオ" panose="020B0604030504040204" pitchFamily="50" charset="-128"/>
                 <a:cs typeface="Times New Roman" panose="02020603050405020304" pitchFamily="18" charset="0"/>
               </a:rPr>
-              <a:t>さ</a:t>
+              <a:t>複雑さ</a:t>
             </a:r>
             <a:r>
               <a:rPr lang="ja-JP" altLang="en-US" sz="3200" dirty="0">
@@ -5428,10 +5375,16 @@
                 <a:ea typeface="メイリオ" panose="020B0604030504040204" pitchFamily="50" charset="-128"/>
                 <a:cs typeface="Times New Roman" panose="02020603050405020304" pitchFamily="18" charset="0"/>
               </a:rPr>
-              <a:t>O(N)</a:t>
-            </a:r>
-          </a:p>
-          <a:p>
+              <a:t>O(N</a:t>
+            </a:r>
+            <a:r>
+              <a:rPr lang="en-US" altLang="ja-JP" sz="3200" dirty="0" smtClean="0">
+                <a:latin typeface="メイリオ" panose="020B0604030504040204" pitchFamily="50" charset="-128"/>
+                <a:ea typeface="メイリオ" panose="020B0604030504040204" pitchFamily="50" charset="-128"/>
+                <a:cs typeface="Times New Roman" panose="02020603050405020304" pitchFamily="18" charset="0"/>
+              </a:rPr>
+              <a:t>)</a:t>
+            </a:r>
             <a:endParaRPr lang="en-US" altLang="ja-JP" sz="3200" dirty="0">
               <a:latin typeface="メイリオ" panose="020B0604030504040204" pitchFamily="50" charset="-128"/>
               <a:ea typeface="メイリオ" panose="020B0604030504040204" pitchFamily="50" charset="-128"/>
@@ -5819,7 +5772,7 @@
             </a:xfrm>
             <a:prstGeom prst="roundRect">
               <a:avLst>
-                <a:gd name="adj" fmla="val 5732"/>
+                <a:gd name="adj" fmla="val 11661"/>
               </a:avLst>
             </a:prstGeom>
             <a:solidFill>
@@ -6320,10 +6273,10 @@
         </p:nvGrpSpPr>
         <p:grpSpPr>
           <a:xfrm>
-            <a:off x="15882259" y="35702182"/>
-            <a:ext cx="13583707" cy="6315424"/>
+            <a:off x="15882259" y="35955172"/>
+            <a:ext cx="13583707" cy="6039764"/>
             <a:chOff x="1073087" y="4077629"/>
-            <a:chExt cx="13583707" cy="6315424"/>
+            <a:chExt cx="13583707" cy="6039764"/>
           </a:xfrm>
         </p:grpSpPr>
         <p:sp>
@@ -6335,11 +6288,11 @@
           <p:spPr>
             <a:xfrm>
               <a:off x="1245041" y="5343160"/>
-              <a:ext cx="13411753" cy="5049893"/>
+              <a:ext cx="13411753" cy="4774233"/>
             </a:xfrm>
             <a:prstGeom prst="roundRect">
               <a:avLst>
-                <a:gd name="adj" fmla="val 5732"/>
+                <a:gd name="adj" fmla="val 10772"/>
               </a:avLst>
             </a:prstGeom>
             <a:solidFill>
@@ -6595,7 +6548,7 @@
         </p:blipFill>
         <p:spPr bwMode="auto">
           <a:xfrm>
-            <a:off x="16305674" y="8731556"/>
+            <a:off x="16465823" y="8731556"/>
             <a:ext cx="12682614" cy="11149607"/>
           </a:xfrm>
           <a:prstGeom prst="rect">
@@ -7338,7 +7291,7 @@
         </p:nvSpPr>
         <p:spPr>
           <a:xfrm>
-            <a:off x="1976788" y="23738279"/>
+            <a:off x="1976788" y="23276470"/>
             <a:ext cx="4585871" cy="707886"/>
           </a:xfrm>
           <a:prstGeom prst="rect">
@@ -7454,6 +7407,181 @@
               <a:t>手法の有効性を示した</a:t>
             </a:r>
             <a:endParaRPr lang="ja-JP" altLang="en-US" sz="4000" dirty="0"/>
+          </a:p>
+        </p:txBody>
+      </p:sp>
+      <p:sp>
+        <p:nvSpPr>
+          <p:cNvPr id="76" name="正方形/長方形 75"/>
+          <p:cNvSpPr/>
+          <p:nvPr/>
+        </p:nvSpPr>
+        <p:spPr>
+          <a:xfrm>
+            <a:off x="1869625" y="34106876"/>
+            <a:ext cx="2300630" cy="707886"/>
+          </a:xfrm>
+          <a:prstGeom prst="rect">
+            <a:avLst/>
+          </a:prstGeom>
+        </p:spPr>
+        <p:txBody>
+          <a:bodyPr wrap="none">
+            <a:spAutoFit/>
+          </a:bodyPr>
+          <a:lstStyle/>
+          <a:p>
+            <a:pPr marL="571500" indent="-571500">
+              <a:buFont typeface="Wingdings" panose="05000000000000000000" pitchFamily="2" charset="2"/>
+              <a:buChar char="l"/>
+            </a:pPr>
+            <a:r>
+              <a:rPr lang="ja-JP" altLang="en-US" sz="4000" dirty="0" smtClean="0">
+                <a:latin typeface="Times New Roman" panose="02020603050405020304" pitchFamily="18" charset="0"/>
+                <a:ea typeface="ＭＳ 明朝" panose="02020609040205080304" pitchFamily="17" charset="-128"/>
+                <a:cs typeface="Times New Roman" panose="02020603050405020304" pitchFamily="18" charset="0"/>
+              </a:rPr>
+              <a:t>問題点</a:t>
+            </a:r>
+            <a:endParaRPr lang="ja-JP" altLang="en-US" sz="4000" dirty="0"/>
+          </a:p>
+        </p:txBody>
+      </p:sp>
+      <p:pic>
+        <p:nvPicPr>
+          <p:cNvPr id="2" name="図 1"/>
+          <p:cNvPicPr>
+            <a:picLocks noChangeAspect="1"/>
+          </p:cNvPicPr>
+          <p:nvPr/>
+        </p:nvPicPr>
+        <p:blipFill>
+          <a:blip r:embed="rId10"/>
+          <a:stretch>
+            <a:fillRect/>
+          </a:stretch>
+        </p:blipFill>
+        <p:spPr>
+          <a:xfrm>
+            <a:off x="2664998" y="34910411"/>
+            <a:ext cx="2924175" cy="2933700"/>
+          </a:xfrm>
+          <a:prstGeom prst="rect">
+            <a:avLst/>
+          </a:prstGeom>
+        </p:spPr>
+      </p:pic>
+      <p:pic>
+        <p:nvPicPr>
+          <p:cNvPr id="3" name="図 2"/>
+          <p:cNvPicPr>
+            <a:picLocks noChangeAspect="1"/>
+          </p:cNvPicPr>
+          <p:nvPr/>
+        </p:nvPicPr>
+        <p:blipFill>
+          <a:blip r:embed="rId11"/>
+          <a:stretch>
+            <a:fillRect/>
+          </a:stretch>
+        </p:blipFill>
+        <p:spPr>
+          <a:xfrm>
+            <a:off x="6761186" y="34996136"/>
+            <a:ext cx="2838450" cy="2847975"/>
+          </a:xfrm>
+          <a:prstGeom prst="rect">
+            <a:avLst/>
+          </a:prstGeom>
+        </p:spPr>
+      </p:pic>
+      <p:pic>
+        <p:nvPicPr>
+          <p:cNvPr id="4" name="図 3"/>
+          <p:cNvPicPr>
+            <a:picLocks noChangeAspect="1"/>
+          </p:cNvPicPr>
+          <p:nvPr/>
+        </p:nvPicPr>
+        <p:blipFill>
+          <a:blip r:embed="rId12"/>
+          <a:stretch>
+            <a:fillRect/>
+          </a:stretch>
+        </p:blipFill>
+        <p:spPr>
+          <a:xfrm>
+            <a:off x="10676856" y="34990573"/>
+            <a:ext cx="2866164" cy="2853538"/>
+          </a:xfrm>
+          <a:prstGeom prst="rect">
+            <a:avLst/>
+          </a:prstGeom>
+        </p:spPr>
+      </p:pic>
+      <p:pic>
+        <p:nvPicPr>
+          <p:cNvPr id="77" name="図 76"/>
+          <p:cNvPicPr>
+            <a:picLocks noChangeAspect="1"/>
+          </p:cNvPicPr>
+          <p:nvPr/>
+        </p:nvPicPr>
+        <p:blipFill>
+          <a:blip r:embed="rId12"/>
+          <a:stretch>
+            <a:fillRect/>
+          </a:stretch>
+        </p:blipFill>
+        <p:spPr>
+          <a:xfrm>
+            <a:off x="17115601" y="21486988"/>
+            <a:ext cx="4100320" cy="4082257"/>
+          </a:xfrm>
+          <a:prstGeom prst="rect">
+            <a:avLst/>
+          </a:prstGeom>
+        </p:spPr>
+      </p:pic>
+      <p:sp>
+        <p:nvSpPr>
+          <p:cNvPr id="5" name="テキスト ボックス 4"/>
+          <p:cNvSpPr txBox="1"/>
+          <p:nvPr/>
+        </p:nvSpPr>
+        <p:spPr>
+          <a:xfrm>
+            <a:off x="21780415" y="21474510"/>
+            <a:ext cx="5559146" cy="1077218"/>
+          </a:xfrm>
+          <a:prstGeom prst="rect">
+            <a:avLst/>
+          </a:prstGeom>
+          <a:noFill/>
+        </p:spPr>
+        <p:txBody>
+          <a:bodyPr wrap="square" rtlCol="0">
+            <a:spAutoFit/>
+          </a:bodyPr>
+          <a:lstStyle/>
+          <a:p>
+            <a:r>
+              <a:rPr kumimoji="1" lang="en-US" altLang="ja-JP" sz="3200" dirty="0" smtClean="0"/>
+              <a:t>P2</a:t>
+            </a:r>
+            <a:r>
+              <a:rPr kumimoji="1" lang="ja-JP" altLang="en-US" sz="3200" dirty="0" smtClean="0"/>
+              <a:t>を</a:t>
+            </a:r>
+            <a:r>
+              <a:rPr kumimoji="1" lang="en-US" altLang="ja-JP" sz="3200" dirty="0" smtClean="0"/>
+              <a:t>A star</a:t>
+            </a:r>
+            <a:r>
+              <a:rPr lang="ja-JP" altLang="en-US" sz="3200" dirty="0" smtClean="0"/>
+              <a:t>アルゴリズムで移動する</a:t>
+            </a:r>
+            <a:endParaRPr kumimoji="1" lang="ja-JP" altLang="en-US" sz="3200" dirty="0"/>
           </a:p>
         </p:txBody>
       </p:sp>

--- a/documents/iit_seminar_post.pptx
+++ b/documents/iit_seminar_post.pptx
@@ -210,7 +210,7 @@
             <a:fld id="{727405AF-720C-4B79-8C74-6C6B900453ED}" type="datetimeFigureOut">
               <a:rPr kumimoji="1" lang="ja-JP" altLang="en-US" smtClean="0"/>
               <a:pPr/>
-              <a:t>2017/2/1</a:t>
+              <a:t>2017/2/3</a:t>
             </a:fld>
             <a:endParaRPr kumimoji="1" lang="ja-JP" altLang="en-US"/>
           </a:p>
@@ -276,70 +276,69 @@
           <a:p>
             <a:pPr lvl="0"/>
             <a:r>
-              <a:rPr kumimoji="1" lang="ja-JP" altLang="en-US" smtClean="0"/>
+              <a:rPr kumimoji="1" lang="ja-JP" altLang="en-US"/>
               <a:t>マスタ テキストの書式設定</a:t>
             </a:r>
           </a:p>
           <a:p>
             <a:pPr lvl="1"/>
             <a:r>
-              <a:rPr kumimoji="1" lang="ja-JP" altLang="en-US" smtClean="0"/>
+              <a:rPr kumimoji="1" lang="ja-JP" altLang="en-US"/>
               <a:t>第 </a:t>
             </a:r>
             <a:r>
-              <a:rPr kumimoji="1" lang="en-US" altLang="ja-JP" smtClean="0"/>
+              <a:rPr kumimoji="1" lang="en-US" altLang="ja-JP"/>
               <a:t>2 </a:t>
             </a:r>
             <a:r>
-              <a:rPr kumimoji="1" lang="ja-JP" altLang="en-US" smtClean="0"/>
+              <a:rPr kumimoji="1" lang="ja-JP" altLang="en-US"/>
               <a:t>レベル</a:t>
             </a:r>
           </a:p>
           <a:p>
             <a:pPr lvl="2"/>
             <a:r>
-              <a:rPr kumimoji="1" lang="ja-JP" altLang="en-US" smtClean="0"/>
+              <a:rPr kumimoji="1" lang="ja-JP" altLang="en-US"/>
               <a:t>第 </a:t>
             </a:r>
             <a:r>
-              <a:rPr kumimoji="1" lang="en-US" altLang="ja-JP" smtClean="0"/>
+              <a:rPr kumimoji="1" lang="en-US" altLang="ja-JP"/>
               <a:t>3 </a:t>
             </a:r>
             <a:r>
-              <a:rPr kumimoji="1" lang="ja-JP" altLang="en-US" smtClean="0"/>
+              <a:rPr kumimoji="1" lang="ja-JP" altLang="en-US"/>
               <a:t>レベル</a:t>
             </a:r>
           </a:p>
           <a:p>
             <a:pPr lvl="3"/>
             <a:r>
-              <a:rPr kumimoji="1" lang="ja-JP" altLang="en-US" smtClean="0"/>
+              <a:rPr kumimoji="1" lang="ja-JP" altLang="en-US"/>
               <a:t>第 </a:t>
             </a:r>
             <a:r>
-              <a:rPr kumimoji="1" lang="en-US" altLang="ja-JP" smtClean="0"/>
+              <a:rPr kumimoji="1" lang="en-US" altLang="ja-JP"/>
               <a:t>4 </a:t>
             </a:r>
             <a:r>
-              <a:rPr kumimoji="1" lang="ja-JP" altLang="en-US" smtClean="0"/>
+              <a:rPr kumimoji="1" lang="ja-JP" altLang="en-US"/>
               <a:t>レベル</a:t>
             </a:r>
           </a:p>
           <a:p>
             <a:pPr lvl="4"/>
             <a:r>
-              <a:rPr kumimoji="1" lang="ja-JP" altLang="en-US" smtClean="0"/>
+              <a:rPr kumimoji="1" lang="ja-JP" altLang="en-US"/>
               <a:t>第 </a:t>
             </a:r>
             <a:r>
-              <a:rPr kumimoji="1" lang="en-US" altLang="ja-JP" smtClean="0"/>
+              <a:rPr kumimoji="1" lang="en-US" altLang="ja-JP"/>
               <a:t>5 </a:t>
             </a:r>
             <a:r>
-              <a:rPr kumimoji="1" lang="ja-JP" altLang="en-US" smtClean="0"/>
+              <a:rPr kumimoji="1" lang="ja-JP" altLang="en-US"/>
               <a:t>レベル</a:t>
             </a:r>
-            <a:endParaRPr kumimoji="1" lang="ja-JP" altLang="en-US"/>
           </a:p>
         </p:txBody>
       </p:sp>
@@ -643,10 +642,9 @@
           <a:lstStyle/>
           <a:p>
             <a:r>
-              <a:rPr kumimoji="1" lang="ja-JP" altLang="en-US" smtClean="0"/>
+              <a:rPr kumimoji="1" lang="ja-JP" altLang="en-US"/>
               <a:t>マスタ タイトルの書式設定</a:t>
             </a:r>
-            <a:endParaRPr kumimoji="1" lang="ja-JP" altLang="en-US"/>
           </a:p>
         </p:txBody>
       </p:sp>
@@ -762,10 +760,9 @@
           </a:lstStyle>
           <a:p>
             <a:r>
-              <a:rPr kumimoji="1" lang="ja-JP" altLang="en-US" smtClean="0"/>
+              <a:rPr kumimoji="1" lang="ja-JP" altLang="en-US"/>
               <a:t>マスタ サブタイトルの書式設定</a:t>
             </a:r>
-            <a:endParaRPr kumimoji="1" lang="ja-JP" altLang="en-US"/>
           </a:p>
         </p:txBody>
       </p:sp>
@@ -787,7 +784,7 @@
             <a:fld id="{A4072246-277B-466E-8589-483003FFAC07}" type="datetimeFigureOut">
               <a:rPr kumimoji="1" lang="ja-JP" altLang="en-US" smtClean="0"/>
               <a:pPr/>
-              <a:t>2017/2/1</a:t>
+              <a:t>2017/2/3</a:t>
             </a:fld>
             <a:endParaRPr kumimoji="1" lang="ja-JP" altLang="en-US"/>
           </a:p>
@@ -877,10 +874,9 @@
           <a:lstStyle/>
           <a:p>
             <a:r>
-              <a:rPr kumimoji="1" lang="ja-JP" altLang="en-US" smtClean="0"/>
+              <a:rPr kumimoji="1" lang="ja-JP" altLang="en-US"/>
               <a:t>マスタ タイトルの書式設定</a:t>
             </a:r>
-            <a:endParaRPr kumimoji="1" lang="ja-JP" altLang="en-US"/>
           </a:p>
         </p:txBody>
       </p:sp>
@@ -901,70 +897,69 @@
           <a:p>
             <a:pPr lvl="0"/>
             <a:r>
-              <a:rPr kumimoji="1" lang="ja-JP" altLang="en-US" smtClean="0"/>
+              <a:rPr kumimoji="1" lang="ja-JP" altLang="en-US"/>
               <a:t>マスタ テキストの書式設定</a:t>
             </a:r>
           </a:p>
           <a:p>
             <a:pPr lvl="1"/>
             <a:r>
-              <a:rPr kumimoji="1" lang="ja-JP" altLang="en-US" smtClean="0"/>
+              <a:rPr kumimoji="1" lang="ja-JP" altLang="en-US"/>
               <a:t>第 </a:t>
             </a:r>
             <a:r>
-              <a:rPr kumimoji="1" lang="en-US" altLang="ja-JP" smtClean="0"/>
+              <a:rPr kumimoji="1" lang="en-US" altLang="ja-JP"/>
               <a:t>2 </a:t>
             </a:r>
             <a:r>
-              <a:rPr kumimoji="1" lang="ja-JP" altLang="en-US" smtClean="0"/>
+              <a:rPr kumimoji="1" lang="ja-JP" altLang="en-US"/>
               <a:t>レベル</a:t>
             </a:r>
           </a:p>
           <a:p>
             <a:pPr lvl="2"/>
             <a:r>
-              <a:rPr kumimoji="1" lang="ja-JP" altLang="en-US" smtClean="0"/>
+              <a:rPr kumimoji="1" lang="ja-JP" altLang="en-US"/>
               <a:t>第 </a:t>
             </a:r>
             <a:r>
-              <a:rPr kumimoji="1" lang="en-US" altLang="ja-JP" smtClean="0"/>
+              <a:rPr kumimoji="1" lang="en-US" altLang="ja-JP"/>
               <a:t>3 </a:t>
             </a:r>
             <a:r>
-              <a:rPr kumimoji="1" lang="ja-JP" altLang="en-US" smtClean="0"/>
+              <a:rPr kumimoji="1" lang="ja-JP" altLang="en-US"/>
               <a:t>レベル</a:t>
             </a:r>
           </a:p>
           <a:p>
             <a:pPr lvl="3"/>
             <a:r>
-              <a:rPr kumimoji="1" lang="ja-JP" altLang="en-US" smtClean="0"/>
+              <a:rPr kumimoji="1" lang="ja-JP" altLang="en-US"/>
               <a:t>第 </a:t>
             </a:r>
             <a:r>
-              <a:rPr kumimoji="1" lang="en-US" altLang="ja-JP" smtClean="0"/>
+              <a:rPr kumimoji="1" lang="en-US" altLang="ja-JP"/>
               <a:t>4 </a:t>
             </a:r>
             <a:r>
-              <a:rPr kumimoji="1" lang="ja-JP" altLang="en-US" smtClean="0"/>
+              <a:rPr kumimoji="1" lang="ja-JP" altLang="en-US"/>
               <a:t>レベル</a:t>
             </a:r>
           </a:p>
           <a:p>
             <a:pPr lvl="4"/>
             <a:r>
-              <a:rPr kumimoji="1" lang="ja-JP" altLang="en-US" smtClean="0"/>
+              <a:rPr kumimoji="1" lang="ja-JP" altLang="en-US"/>
               <a:t>第 </a:t>
             </a:r>
             <a:r>
-              <a:rPr kumimoji="1" lang="en-US" altLang="ja-JP" smtClean="0"/>
+              <a:rPr kumimoji="1" lang="en-US" altLang="ja-JP"/>
               <a:t>5 </a:t>
             </a:r>
             <a:r>
-              <a:rPr kumimoji="1" lang="ja-JP" altLang="en-US" smtClean="0"/>
+              <a:rPr kumimoji="1" lang="ja-JP" altLang="en-US"/>
               <a:t>レベル</a:t>
             </a:r>
-            <a:endParaRPr kumimoji="1" lang="ja-JP" altLang="en-US"/>
           </a:p>
         </p:txBody>
       </p:sp>
@@ -986,7 +981,7 @@
             <a:fld id="{A4072246-277B-466E-8589-483003FFAC07}" type="datetimeFigureOut">
               <a:rPr kumimoji="1" lang="ja-JP" altLang="en-US" smtClean="0"/>
               <a:pPr/>
-              <a:t>2017/2/1</a:t>
+              <a:t>2017/2/3</a:t>
             </a:fld>
             <a:endParaRPr kumimoji="1" lang="ja-JP" altLang="en-US"/>
           </a:p>
@@ -1081,10 +1076,9 @@
           <a:lstStyle/>
           <a:p>
             <a:r>
-              <a:rPr kumimoji="1" lang="ja-JP" altLang="en-US" smtClean="0"/>
+              <a:rPr kumimoji="1" lang="ja-JP" altLang="en-US"/>
               <a:t>マスタ タイトルの書式設定</a:t>
             </a:r>
-            <a:endParaRPr kumimoji="1" lang="ja-JP" altLang="en-US"/>
           </a:p>
         </p:txBody>
       </p:sp>
@@ -1110,70 +1104,69 @@
           <a:p>
             <a:pPr lvl="0"/>
             <a:r>
-              <a:rPr kumimoji="1" lang="ja-JP" altLang="en-US" smtClean="0"/>
+              <a:rPr kumimoji="1" lang="ja-JP" altLang="en-US"/>
               <a:t>マスタ テキストの書式設定</a:t>
             </a:r>
           </a:p>
           <a:p>
             <a:pPr lvl="1"/>
             <a:r>
-              <a:rPr kumimoji="1" lang="ja-JP" altLang="en-US" smtClean="0"/>
+              <a:rPr kumimoji="1" lang="ja-JP" altLang="en-US"/>
               <a:t>第 </a:t>
             </a:r>
             <a:r>
-              <a:rPr kumimoji="1" lang="en-US" altLang="ja-JP" smtClean="0"/>
+              <a:rPr kumimoji="1" lang="en-US" altLang="ja-JP"/>
               <a:t>2 </a:t>
             </a:r>
             <a:r>
-              <a:rPr kumimoji="1" lang="ja-JP" altLang="en-US" smtClean="0"/>
+              <a:rPr kumimoji="1" lang="ja-JP" altLang="en-US"/>
               <a:t>レベル</a:t>
             </a:r>
           </a:p>
           <a:p>
             <a:pPr lvl="2"/>
             <a:r>
-              <a:rPr kumimoji="1" lang="ja-JP" altLang="en-US" smtClean="0"/>
+              <a:rPr kumimoji="1" lang="ja-JP" altLang="en-US"/>
               <a:t>第 </a:t>
             </a:r>
             <a:r>
-              <a:rPr kumimoji="1" lang="en-US" altLang="ja-JP" smtClean="0"/>
+              <a:rPr kumimoji="1" lang="en-US" altLang="ja-JP"/>
               <a:t>3 </a:t>
             </a:r>
             <a:r>
-              <a:rPr kumimoji="1" lang="ja-JP" altLang="en-US" smtClean="0"/>
+              <a:rPr kumimoji="1" lang="ja-JP" altLang="en-US"/>
               <a:t>レベル</a:t>
             </a:r>
           </a:p>
           <a:p>
             <a:pPr lvl="3"/>
             <a:r>
-              <a:rPr kumimoji="1" lang="ja-JP" altLang="en-US" smtClean="0"/>
+              <a:rPr kumimoji="1" lang="ja-JP" altLang="en-US"/>
               <a:t>第 </a:t>
             </a:r>
             <a:r>
-              <a:rPr kumimoji="1" lang="en-US" altLang="ja-JP" smtClean="0"/>
+              <a:rPr kumimoji="1" lang="en-US" altLang="ja-JP"/>
               <a:t>4 </a:t>
             </a:r>
             <a:r>
-              <a:rPr kumimoji="1" lang="ja-JP" altLang="en-US" smtClean="0"/>
+              <a:rPr kumimoji="1" lang="ja-JP" altLang="en-US"/>
               <a:t>レベル</a:t>
             </a:r>
           </a:p>
           <a:p>
             <a:pPr lvl="4"/>
             <a:r>
-              <a:rPr kumimoji="1" lang="ja-JP" altLang="en-US" smtClean="0"/>
+              <a:rPr kumimoji="1" lang="ja-JP" altLang="en-US"/>
               <a:t>第 </a:t>
             </a:r>
             <a:r>
-              <a:rPr kumimoji="1" lang="en-US" altLang="ja-JP" smtClean="0"/>
+              <a:rPr kumimoji="1" lang="en-US" altLang="ja-JP"/>
               <a:t>5 </a:t>
             </a:r>
             <a:r>
-              <a:rPr kumimoji="1" lang="ja-JP" altLang="en-US" smtClean="0"/>
+              <a:rPr kumimoji="1" lang="ja-JP" altLang="en-US"/>
               <a:t>レベル</a:t>
             </a:r>
-            <a:endParaRPr kumimoji="1" lang="ja-JP" altLang="en-US"/>
           </a:p>
         </p:txBody>
       </p:sp>
@@ -1195,7 +1188,7 @@
             <a:fld id="{A4072246-277B-466E-8589-483003FFAC07}" type="datetimeFigureOut">
               <a:rPr kumimoji="1" lang="ja-JP" altLang="en-US" smtClean="0"/>
               <a:pPr/>
-              <a:t>2017/2/1</a:t>
+              <a:t>2017/2/3</a:t>
             </a:fld>
             <a:endParaRPr kumimoji="1" lang="ja-JP" altLang="en-US"/>
           </a:p>
@@ -1285,10 +1278,9 @@
           <a:lstStyle/>
           <a:p>
             <a:r>
-              <a:rPr kumimoji="1" lang="ja-JP" altLang="en-US" smtClean="0"/>
+              <a:rPr kumimoji="1" lang="ja-JP" altLang="en-US"/>
               <a:t>マスタ タイトルの書式設定</a:t>
             </a:r>
-            <a:endParaRPr kumimoji="1" lang="ja-JP" altLang="en-US"/>
           </a:p>
         </p:txBody>
       </p:sp>
@@ -1309,70 +1301,69 @@
           <a:p>
             <a:pPr lvl="0"/>
             <a:r>
-              <a:rPr kumimoji="1" lang="ja-JP" altLang="en-US" smtClean="0"/>
+              <a:rPr kumimoji="1" lang="ja-JP" altLang="en-US"/>
               <a:t>マスタ テキストの書式設定</a:t>
             </a:r>
           </a:p>
           <a:p>
             <a:pPr lvl="1"/>
             <a:r>
-              <a:rPr kumimoji="1" lang="ja-JP" altLang="en-US" smtClean="0"/>
+              <a:rPr kumimoji="1" lang="ja-JP" altLang="en-US"/>
               <a:t>第 </a:t>
             </a:r>
             <a:r>
-              <a:rPr kumimoji="1" lang="en-US" altLang="ja-JP" smtClean="0"/>
+              <a:rPr kumimoji="1" lang="en-US" altLang="ja-JP"/>
               <a:t>2 </a:t>
             </a:r>
             <a:r>
-              <a:rPr kumimoji="1" lang="ja-JP" altLang="en-US" smtClean="0"/>
+              <a:rPr kumimoji="1" lang="ja-JP" altLang="en-US"/>
               <a:t>レベル</a:t>
             </a:r>
           </a:p>
           <a:p>
             <a:pPr lvl="2"/>
             <a:r>
-              <a:rPr kumimoji="1" lang="ja-JP" altLang="en-US" smtClean="0"/>
+              <a:rPr kumimoji="1" lang="ja-JP" altLang="en-US"/>
               <a:t>第 </a:t>
             </a:r>
             <a:r>
-              <a:rPr kumimoji="1" lang="en-US" altLang="ja-JP" smtClean="0"/>
+              <a:rPr kumimoji="1" lang="en-US" altLang="ja-JP"/>
               <a:t>3 </a:t>
             </a:r>
             <a:r>
-              <a:rPr kumimoji="1" lang="ja-JP" altLang="en-US" smtClean="0"/>
+              <a:rPr kumimoji="1" lang="ja-JP" altLang="en-US"/>
               <a:t>レベル</a:t>
             </a:r>
           </a:p>
           <a:p>
             <a:pPr lvl="3"/>
             <a:r>
-              <a:rPr kumimoji="1" lang="ja-JP" altLang="en-US" smtClean="0"/>
+              <a:rPr kumimoji="1" lang="ja-JP" altLang="en-US"/>
               <a:t>第 </a:t>
             </a:r>
             <a:r>
-              <a:rPr kumimoji="1" lang="en-US" altLang="ja-JP" smtClean="0"/>
+              <a:rPr kumimoji="1" lang="en-US" altLang="ja-JP"/>
               <a:t>4 </a:t>
             </a:r>
             <a:r>
-              <a:rPr kumimoji="1" lang="ja-JP" altLang="en-US" smtClean="0"/>
+              <a:rPr kumimoji="1" lang="ja-JP" altLang="en-US"/>
               <a:t>レベル</a:t>
             </a:r>
           </a:p>
           <a:p>
             <a:pPr lvl="4"/>
             <a:r>
-              <a:rPr kumimoji="1" lang="ja-JP" altLang="en-US" smtClean="0"/>
+              <a:rPr kumimoji="1" lang="ja-JP" altLang="en-US"/>
               <a:t>第 </a:t>
             </a:r>
             <a:r>
-              <a:rPr kumimoji="1" lang="en-US" altLang="ja-JP" smtClean="0"/>
+              <a:rPr kumimoji="1" lang="en-US" altLang="ja-JP"/>
               <a:t>5 </a:t>
             </a:r>
             <a:r>
-              <a:rPr kumimoji="1" lang="ja-JP" altLang="en-US" smtClean="0"/>
+              <a:rPr kumimoji="1" lang="ja-JP" altLang="en-US"/>
               <a:t>レベル</a:t>
             </a:r>
-            <a:endParaRPr kumimoji="1" lang="ja-JP" altLang="en-US"/>
           </a:p>
         </p:txBody>
       </p:sp>
@@ -1394,7 +1385,7 @@
             <a:fld id="{A4072246-277B-466E-8589-483003FFAC07}" type="datetimeFigureOut">
               <a:rPr kumimoji="1" lang="ja-JP" altLang="en-US" smtClean="0"/>
               <a:pPr/>
-              <a:t>2017/2/1</a:t>
+              <a:t>2017/2/3</a:t>
             </a:fld>
             <a:endParaRPr kumimoji="1" lang="ja-JP" altLang="en-US"/>
           </a:p>
@@ -1493,10 +1484,9 @@
           </a:lstStyle>
           <a:p>
             <a:r>
-              <a:rPr kumimoji="1" lang="ja-JP" altLang="en-US" smtClean="0"/>
+              <a:rPr kumimoji="1" lang="ja-JP" altLang="en-US"/>
               <a:t>マスタ タイトルの書式設定</a:t>
             </a:r>
-            <a:endParaRPr kumimoji="1" lang="ja-JP" altLang="en-US"/>
           </a:p>
         </p:txBody>
       </p:sp>
@@ -1613,7 +1603,7 @@
           <a:p>
             <a:pPr lvl="0"/>
             <a:r>
-              <a:rPr kumimoji="1" lang="ja-JP" altLang="en-US" smtClean="0"/>
+              <a:rPr kumimoji="1" lang="ja-JP" altLang="en-US"/>
               <a:t>マスタ テキストの書式設定</a:t>
             </a:r>
           </a:p>
@@ -1637,7 +1627,7 @@
             <a:fld id="{A4072246-277B-466E-8589-483003FFAC07}" type="datetimeFigureOut">
               <a:rPr kumimoji="1" lang="ja-JP" altLang="en-US" smtClean="0"/>
               <a:pPr/>
-              <a:t>2017/2/1</a:t>
+              <a:t>2017/2/3</a:t>
             </a:fld>
             <a:endParaRPr kumimoji="1" lang="ja-JP" altLang="en-US"/>
           </a:p>
@@ -1727,10 +1717,9 @@
           <a:lstStyle/>
           <a:p>
             <a:r>
-              <a:rPr kumimoji="1" lang="ja-JP" altLang="en-US" smtClean="0"/>
+              <a:rPr kumimoji="1" lang="ja-JP" altLang="en-US"/>
               <a:t>マスタ タイトルの書式設定</a:t>
             </a:r>
-            <a:endParaRPr kumimoji="1" lang="ja-JP" altLang="en-US"/>
           </a:p>
         </p:txBody>
       </p:sp>
@@ -1784,70 +1773,69 @@
           <a:p>
             <a:pPr lvl="0"/>
             <a:r>
-              <a:rPr kumimoji="1" lang="ja-JP" altLang="en-US" smtClean="0"/>
+              <a:rPr kumimoji="1" lang="ja-JP" altLang="en-US"/>
               <a:t>マスタ テキストの書式設定</a:t>
             </a:r>
           </a:p>
           <a:p>
             <a:pPr lvl="1"/>
             <a:r>
-              <a:rPr kumimoji="1" lang="ja-JP" altLang="en-US" smtClean="0"/>
+              <a:rPr kumimoji="1" lang="ja-JP" altLang="en-US"/>
               <a:t>第 </a:t>
             </a:r>
             <a:r>
-              <a:rPr kumimoji="1" lang="en-US" altLang="ja-JP" smtClean="0"/>
+              <a:rPr kumimoji="1" lang="en-US" altLang="ja-JP"/>
               <a:t>2 </a:t>
             </a:r>
             <a:r>
-              <a:rPr kumimoji="1" lang="ja-JP" altLang="en-US" smtClean="0"/>
+              <a:rPr kumimoji="1" lang="ja-JP" altLang="en-US"/>
               <a:t>レベル</a:t>
             </a:r>
           </a:p>
           <a:p>
             <a:pPr lvl="2"/>
             <a:r>
-              <a:rPr kumimoji="1" lang="ja-JP" altLang="en-US" smtClean="0"/>
+              <a:rPr kumimoji="1" lang="ja-JP" altLang="en-US"/>
               <a:t>第 </a:t>
             </a:r>
             <a:r>
-              <a:rPr kumimoji="1" lang="en-US" altLang="ja-JP" smtClean="0"/>
+              <a:rPr kumimoji="1" lang="en-US" altLang="ja-JP"/>
               <a:t>3 </a:t>
             </a:r>
             <a:r>
-              <a:rPr kumimoji="1" lang="ja-JP" altLang="en-US" smtClean="0"/>
+              <a:rPr kumimoji="1" lang="ja-JP" altLang="en-US"/>
               <a:t>レベル</a:t>
             </a:r>
           </a:p>
           <a:p>
             <a:pPr lvl="3"/>
             <a:r>
-              <a:rPr kumimoji="1" lang="ja-JP" altLang="en-US" smtClean="0"/>
+              <a:rPr kumimoji="1" lang="ja-JP" altLang="en-US"/>
               <a:t>第 </a:t>
             </a:r>
             <a:r>
-              <a:rPr kumimoji="1" lang="en-US" altLang="ja-JP" smtClean="0"/>
+              <a:rPr kumimoji="1" lang="en-US" altLang="ja-JP"/>
               <a:t>4 </a:t>
             </a:r>
             <a:r>
-              <a:rPr kumimoji="1" lang="ja-JP" altLang="en-US" smtClean="0"/>
+              <a:rPr kumimoji="1" lang="ja-JP" altLang="en-US"/>
               <a:t>レベル</a:t>
             </a:r>
           </a:p>
           <a:p>
             <a:pPr lvl="4"/>
             <a:r>
-              <a:rPr kumimoji="1" lang="ja-JP" altLang="en-US" smtClean="0"/>
+              <a:rPr kumimoji="1" lang="ja-JP" altLang="en-US"/>
               <a:t>第 </a:t>
             </a:r>
             <a:r>
-              <a:rPr kumimoji="1" lang="en-US" altLang="ja-JP" smtClean="0"/>
+              <a:rPr kumimoji="1" lang="en-US" altLang="ja-JP"/>
               <a:t>5 </a:t>
             </a:r>
             <a:r>
-              <a:rPr kumimoji="1" lang="ja-JP" altLang="en-US" smtClean="0"/>
+              <a:rPr kumimoji="1" lang="ja-JP" altLang="en-US"/>
               <a:t>レベル</a:t>
             </a:r>
-            <a:endParaRPr kumimoji="1" lang="ja-JP" altLang="en-US"/>
           </a:p>
         </p:txBody>
       </p:sp>
@@ -1901,70 +1889,69 @@
           <a:p>
             <a:pPr lvl="0"/>
             <a:r>
-              <a:rPr kumimoji="1" lang="ja-JP" altLang="en-US" smtClean="0"/>
+              <a:rPr kumimoji="1" lang="ja-JP" altLang="en-US"/>
               <a:t>マスタ テキストの書式設定</a:t>
             </a:r>
           </a:p>
           <a:p>
             <a:pPr lvl="1"/>
             <a:r>
-              <a:rPr kumimoji="1" lang="ja-JP" altLang="en-US" smtClean="0"/>
+              <a:rPr kumimoji="1" lang="ja-JP" altLang="en-US"/>
               <a:t>第 </a:t>
             </a:r>
             <a:r>
-              <a:rPr kumimoji="1" lang="en-US" altLang="ja-JP" smtClean="0"/>
+              <a:rPr kumimoji="1" lang="en-US" altLang="ja-JP"/>
               <a:t>2 </a:t>
             </a:r>
             <a:r>
-              <a:rPr kumimoji="1" lang="ja-JP" altLang="en-US" smtClean="0"/>
+              <a:rPr kumimoji="1" lang="ja-JP" altLang="en-US"/>
               <a:t>レベル</a:t>
             </a:r>
           </a:p>
           <a:p>
             <a:pPr lvl="2"/>
             <a:r>
-              <a:rPr kumimoji="1" lang="ja-JP" altLang="en-US" smtClean="0"/>
+              <a:rPr kumimoji="1" lang="ja-JP" altLang="en-US"/>
               <a:t>第 </a:t>
             </a:r>
             <a:r>
-              <a:rPr kumimoji="1" lang="en-US" altLang="ja-JP" smtClean="0"/>
+              <a:rPr kumimoji="1" lang="en-US" altLang="ja-JP"/>
               <a:t>3 </a:t>
             </a:r>
             <a:r>
-              <a:rPr kumimoji="1" lang="ja-JP" altLang="en-US" smtClean="0"/>
+              <a:rPr kumimoji="1" lang="ja-JP" altLang="en-US"/>
               <a:t>レベル</a:t>
             </a:r>
           </a:p>
           <a:p>
             <a:pPr lvl="3"/>
             <a:r>
-              <a:rPr kumimoji="1" lang="ja-JP" altLang="en-US" smtClean="0"/>
+              <a:rPr kumimoji="1" lang="ja-JP" altLang="en-US"/>
               <a:t>第 </a:t>
             </a:r>
             <a:r>
-              <a:rPr kumimoji="1" lang="en-US" altLang="ja-JP" smtClean="0"/>
+              <a:rPr kumimoji="1" lang="en-US" altLang="ja-JP"/>
               <a:t>4 </a:t>
             </a:r>
             <a:r>
-              <a:rPr kumimoji="1" lang="ja-JP" altLang="en-US" smtClean="0"/>
+              <a:rPr kumimoji="1" lang="ja-JP" altLang="en-US"/>
               <a:t>レベル</a:t>
             </a:r>
           </a:p>
           <a:p>
             <a:pPr lvl="4"/>
             <a:r>
-              <a:rPr kumimoji="1" lang="ja-JP" altLang="en-US" smtClean="0"/>
+              <a:rPr kumimoji="1" lang="ja-JP" altLang="en-US"/>
               <a:t>第 </a:t>
             </a:r>
             <a:r>
-              <a:rPr kumimoji="1" lang="en-US" altLang="ja-JP" smtClean="0"/>
+              <a:rPr kumimoji="1" lang="en-US" altLang="ja-JP"/>
               <a:t>5 </a:t>
             </a:r>
             <a:r>
-              <a:rPr kumimoji="1" lang="ja-JP" altLang="en-US" smtClean="0"/>
+              <a:rPr kumimoji="1" lang="ja-JP" altLang="en-US"/>
               <a:t>レベル</a:t>
             </a:r>
-            <a:endParaRPr kumimoji="1" lang="ja-JP" altLang="en-US"/>
           </a:p>
         </p:txBody>
       </p:sp>
@@ -1986,7 +1973,7 @@
             <a:fld id="{A4072246-277B-466E-8589-483003FFAC07}" type="datetimeFigureOut">
               <a:rPr kumimoji="1" lang="ja-JP" altLang="en-US" smtClean="0"/>
               <a:pPr/>
-              <a:t>2017/2/1</a:t>
+              <a:t>2017/2/3</a:t>
             </a:fld>
             <a:endParaRPr kumimoji="1" lang="ja-JP" altLang="en-US"/>
           </a:p>
@@ -2085,10 +2072,9 @@
           </a:lstStyle>
           <a:p>
             <a:r>
-              <a:rPr kumimoji="1" lang="ja-JP" altLang="en-US" smtClean="0"/>
+              <a:rPr kumimoji="1" lang="ja-JP" altLang="en-US"/>
               <a:t>マスタ タイトルの書式設定</a:t>
             </a:r>
-            <a:endParaRPr kumimoji="1" lang="ja-JP" altLang="en-US"/>
           </a:p>
         </p:txBody>
       </p:sp>
@@ -2151,7 +2137,7 @@
           <a:p>
             <a:pPr lvl="0"/>
             <a:r>
-              <a:rPr kumimoji="1" lang="ja-JP" altLang="en-US" smtClean="0"/>
+              <a:rPr kumimoji="1" lang="ja-JP" altLang="en-US"/>
               <a:t>マスタ テキストの書式設定</a:t>
             </a:r>
           </a:p>
@@ -2207,70 +2193,69 @@
           <a:p>
             <a:pPr lvl="0"/>
             <a:r>
-              <a:rPr kumimoji="1" lang="ja-JP" altLang="en-US" smtClean="0"/>
+              <a:rPr kumimoji="1" lang="ja-JP" altLang="en-US"/>
               <a:t>マスタ テキストの書式設定</a:t>
             </a:r>
           </a:p>
           <a:p>
             <a:pPr lvl="1"/>
             <a:r>
-              <a:rPr kumimoji="1" lang="ja-JP" altLang="en-US" smtClean="0"/>
+              <a:rPr kumimoji="1" lang="ja-JP" altLang="en-US"/>
               <a:t>第 </a:t>
             </a:r>
             <a:r>
-              <a:rPr kumimoji="1" lang="en-US" altLang="ja-JP" smtClean="0"/>
+              <a:rPr kumimoji="1" lang="en-US" altLang="ja-JP"/>
               <a:t>2 </a:t>
             </a:r>
             <a:r>
-              <a:rPr kumimoji="1" lang="ja-JP" altLang="en-US" smtClean="0"/>
+              <a:rPr kumimoji="1" lang="ja-JP" altLang="en-US"/>
               <a:t>レベル</a:t>
             </a:r>
           </a:p>
           <a:p>
             <a:pPr lvl="2"/>
             <a:r>
-              <a:rPr kumimoji="1" lang="ja-JP" altLang="en-US" smtClean="0"/>
+              <a:rPr kumimoji="1" lang="ja-JP" altLang="en-US"/>
               <a:t>第 </a:t>
             </a:r>
             <a:r>
-              <a:rPr kumimoji="1" lang="en-US" altLang="ja-JP" smtClean="0"/>
+              <a:rPr kumimoji="1" lang="en-US" altLang="ja-JP"/>
               <a:t>3 </a:t>
             </a:r>
             <a:r>
-              <a:rPr kumimoji="1" lang="ja-JP" altLang="en-US" smtClean="0"/>
+              <a:rPr kumimoji="1" lang="ja-JP" altLang="en-US"/>
               <a:t>レベル</a:t>
             </a:r>
           </a:p>
           <a:p>
             <a:pPr lvl="3"/>
             <a:r>
-              <a:rPr kumimoji="1" lang="ja-JP" altLang="en-US" smtClean="0"/>
+              <a:rPr kumimoji="1" lang="ja-JP" altLang="en-US"/>
               <a:t>第 </a:t>
             </a:r>
             <a:r>
-              <a:rPr kumimoji="1" lang="en-US" altLang="ja-JP" smtClean="0"/>
+              <a:rPr kumimoji="1" lang="en-US" altLang="ja-JP"/>
               <a:t>4 </a:t>
             </a:r>
             <a:r>
-              <a:rPr kumimoji="1" lang="ja-JP" altLang="en-US" smtClean="0"/>
+              <a:rPr kumimoji="1" lang="ja-JP" altLang="en-US"/>
               <a:t>レベル</a:t>
             </a:r>
           </a:p>
           <a:p>
             <a:pPr lvl="4"/>
             <a:r>
-              <a:rPr kumimoji="1" lang="ja-JP" altLang="en-US" smtClean="0"/>
+              <a:rPr kumimoji="1" lang="ja-JP" altLang="en-US"/>
               <a:t>第 </a:t>
             </a:r>
             <a:r>
-              <a:rPr kumimoji="1" lang="en-US" altLang="ja-JP" smtClean="0"/>
+              <a:rPr kumimoji="1" lang="en-US" altLang="ja-JP"/>
               <a:t>5 </a:t>
             </a:r>
             <a:r>
-              <a:rPr kumimoji="1" lang="ja-JP" altLang="en-US" smtClean="0"/>
+              <a:rPr kumimoji="1" lang="ja-JP" altLang="en-US"/>
               <a:t>レベル</a:t>
             </a:r>
-            <a:endParaRPr kumimoji="1" lang="ja-JP" altLang="en-US"/>
           </a:p>
         </p:txBody>
       </p:sp>
@@ -2333,7 +2318,7 @@
           <a:p>
             <a:pPr lvl="0"/>
             <a:r>
-              <a:rPr kumimoji="1" lang="ja-JP" altLang="en-US" smtClean="0"/>
+              <a:rPr kumimoji="1" lang="ja-JP" altLang="en-US"/>
               <a:t>マスタ テキストの書式設定</a:t>
             </a:r>
           </a:p>
@@ -2389,70 +2374,69 @@
           <a:p>
             <a:pPr lvl="0"/>
             <a:r>
-              <a:rPr kumimoji="1" lang="ja-JP" altLang="en-US" smtClean="0"/>
+              <a:rPr kumimoji="1" lang="ja-JP" altLang="en-US"/>
               <a:t>マスタ テキストの書式設定</a:t>
             </a:r>
           </a:p>
           <a:p>
             <a:pPr lvl="1"/>
             <a:r>
-              <a:rPr kumimoji="1" lang="ja-JP" altLang="en-US" smtClean="0"/>
+              <a:rPr kumimoji="1" lang="ja-JP" altLang="en-US"/>
               <a:t>第 </a:t>
             </a:r>
             <a:r>
-              <a:rPr kumimoji="1" lang="en-US" altLang="ja-JP" smtClean="0"/>
+              <a:rPr kumimoji="1" lang="en-US" altLang="ja-JP"/>
               <a:t>2 </a:t>
             </a:r>
             <a:r>
-              <a:rPr kumimoji="1" lang="ja-JP" altLang="en-US" smtClean="0"/>
+              <a:rPr kumimoji="1" lang="ja-JP" altLang="en-US"/>
               <a:t>レベル</a:t>
             </a:r>
           </a:p>
           <a:p>
             <a:pPr lvl="2"/>
             <a:r>
-              <a:rPr kumimoji="1" lang="ja-JP" altLang="en-US" smtClean="0"/>
+              <a:rPr kumimoji="1" lang="ja-JP" altLang="en-US"/>
               <a:t>第 </a:t>
             </a:r>
             <a:r>
-              <a:rPr kumimoji="1" lang="en-US" altLang="ja-JP" smtClean="0"/>
+              <a:rPr kumimoji="1" lang="en-US" altLang="ja-JP"/>
               <a:t>3 </a:t>
             </a:r>
             <a:r>
-              <a:rPr kumimoji="1" lang="ja-JP" altLang="en-US" smtClean="0"/>
+              <a:rPr kumimoji="1" lang="ja-JP" altLang="en-US"/>
               <a:t>レベル</a:t>
             </a:r>
           </a:p>
           <a:p>
             <a:pPr lvl="3"/>
             <a:r>
-              <a:rPr kumimoji="1" lang="ja-JP" altLang="en-US" smtClean="0"/>
+              <a:rPr kumimoji="1" lang="ja-JP" altLang="en-US"/>
               <a:t>第 </a:t>
             </a:r>
             <a:r>
-              <a:rPr kumimoji="1" lang="en-US" altLang="ja-JP" smtClean="0"/>
+              <a:rPr kumimoji="1" lang="en-US" altLang="ja-JP"/>
               <a:t>4 </a:t>
             </a:r>
             <a:r>
-              <a:rPr kumimoji="1" lang="ja-JP" altLang="en-US" smtClean="0"/>
+              <a:rPr kumimoji="1" lang="ja-JP" altLang="en-US"/>
               <a:t>レベル</a:t>
             </a:r>
           </a:p>
           <a:p>
             <a:pPr lvl="4"/>
             <a:r>
-              <a:rPr kumimoji="1" lang="ja-JP" altLang="en-US" smtClean="0"/>
+              <a:rPr kumimoji="1" lang="ja-JP" altLang="en-US"/>
               <a:t>第 </a:t>
             </a:r>
             <a:r>
-              <a:rPr kumimoji="1" lang="en-US" altLang="ja-JP" smtClean="0"/>
+              <a:rPr kumimoji="1" lang="en-US" altLang="ja-JP"/>
               <a:t>5 </a:t>
             </a:r>
             <a:r>
-              <a:rPr kumimoji="1" lang="ja-JP" altLang="en-US" smtClean="0"/>
+              <a:rPr kumimoji="1" lang="ja-JP" altLang="en-US"/>
               <a:t>レベル</a:t>
             </a:r>
-            <a:endParaRPr kumimoji="1" lang="ja-JP" altLang="en-US"/>
           </a:p>
         </p:txBody>
       </p:sp>
@@ -2474,7 +2458,7 @@
             <a:fld id="{A4072246-277B-466E-8589-483003FFAC07}" type="datetimeFigureOut">
               <a:rPr kumimoji="1" lang="ja-JP" altLang="en-US" smtClean="0"/>
               <a:pPr/>
-              <a:t>2017/2/1</a:t>
+              <a:t>2017/2/3</a:t>
             </a:fld>
             <a:endParaRPr kumimoji="1" lang="ja-JP" altLang="en-US"/>
           </a:p>
@@ -2564,10 +2548,9 @@
           <a:lstStyle/>
           <a:p>
             <a:r>
-              <a:rPr kumimoji="1" lang="ja-JP" altLang="en-US" smtClean="0"/>
+              <a:rPr kumimoji="1" lang="ja-JP" altLang="en-US"/>
               <a:t>マスタ タイトルの書式設定</a:t>
             </a:r>
-            <a:endParaRPr kumimoji="1" lang="ja-JP" altLang="en-US"/>
           </a:p>
         </p:txBody>
       </p:sp>
@@ -2589,7 +2572,7 @@
             <a:fld id="{A4072246-277B-466E-8589-483003FFAC07}" type="datetimeFigureOut">
               <a:rPr kumimoji="1" lang="ja-JP" altLang="en-US" smtClean="0"/>
               <a:pPr/>
-              <a:t>2017/2/1</a:t>
+              <a:t>2017/2/3</a:t>
             </a:fld>
             <a:endParaRPr kumimoji="1" lang="ja-JP" altLang="en-US"/>
           </a:p>
@@ -2681,7 +2664,7 @@
             <a:fld id="{A4072246-277B-466E-8589-483003FFAC07}" type="datetimeFigureOut">
               <a:rPr kumimoji="1" lang="ja-JP" altLang="en-US" smtClean="0"/>
               <a:pPr/>
-              <a:t>2017/2/1</a:t>
+              <a:t>2017/2/3</a:t>
             </a:fld>
             <a:endParaRPr kumimoji="1" lang="ja-JP" altLang="en-US"/>
           </a:p>
@@ -2780,10 +2763,9 @@
           </a:lstStyle>
           <a:p>
             <a:r>
-              <a:rPr kumimoji="1" lang="ja-JP" altLang="en-US" smtClean="0"/>
+              <a:rPr kumimoji="1" lang="ja-JP" altLang="en-US"/>
               <a:t>マスタ タイトルの書式設定</a:t>
             </a:r>
-            <a:endParaRPr kumimoji="1" lang="ja-JP" altLang="en-US"/>
           </a:p>
         </p:txBody>
       </p:sp>
@@ -2837,70 +2819,69 @@
           <a:p>
             <a:pPr lvl="0"/>
             <a:r>
-              <a:rPr kumimoji="1" lang="ja-JP" altLang="en-US" smtClean="0"/>
+              <a:rPr kumimoji="1" lang="ja-JP" altLang="en-US"/>
               <a:t>マスタ テキストの書式設定</a:t>
             </a:r>
           </a:p>
           <a:p>
             <a:pPr lvl="1"/>
             <a:r>
-              <a:rPr kumimoji="1" lang="ja-JP" altLang="en-US" smtClean="0"/>
+              <a:rPr kumimoji="1" lang="ja-JP" altLang="en-US"/>
               <a:t>第 </a:t>
             </a:r>
             <a:r>
-              <a:rPr kumimoji="1" lang="en-US" altLang="ja-JP" smtClean="0"/>
+              <a:rPr kumimoji="1" lang="en-US" altLang="ja-JP"/>
               <a:t>2 </a:t>
             </a:r>
             <a:r>
-              <a:rPr kumimoji="1" lang="ja-JP" altLang="en-US" smtClean="0"/>
+              <a:rPr kumimoji="1" lang="ja-JP" altLang="en-US"/>
               <a:t>レベル</a:t>
             </a:r>
           </a:p>
           <a:p>
             <a:pPr lvl="2"/>
             <a:r>
-              <a:rPr kumimoji="1" lang="ja-JP" altLang="en-US" smtClean="0"/>
+              <a:rPr kumimoji="1" lang="ja-JP" altLang="en-US"/>
               <a:t>第 </a:t>
             </a:r>
             <a:r>
-              <a:rPr kumimoji="1" lang="en-US" altLang="ja-JP" smtClean="0"/>
+              <a:rPr kumimoji="1" lang="en-US" altLang="ja-JP"/>
               <a:t>3 </a:t>
             </a:r>
             <a:r>
-              <a:rPr kumimoji="1" lang="ja-JP" altLang="en-US" smtClean="0"/>
+              <a:rPr kumimoji="1" lang="ja-JP" altLang="en-US"/>
               <a:t>レベル</a:t>
             </a:r>
           </a:p>
           <a:p>
             <a:pPr lvl="3"/>
             <a:r>
-              <a:rPr kumimoji="1" lang="ja-JP" altLang="en-US" smtClean="0"/>
+              <a:rPr kumimoji="1" lang="ja-JP" altLang="en-US"/>
               <a:t>第 </a:t>
             </a:r>
             <a:r>
-              <a:rPr kumimoji="1" lang="en-US" altLang="ja-JP" smtClean="0"/>
+              <a:rPr kumimoji="1" lang="en-US" altLang="ja-JP"/>
               <a:t>4 </a:t>
             </a:r>
             <a:r>
-              <a:rPr kumimoji="1" lang="ja-JP" altLang="en-US" smtClean="0"/>
+              <a:rPr kumimoji="1" lang="ja-JP" altLang="en-US"/>
               <a:t>レベル</a:t>
             </a:r>
           </a:p>
           <a:p>
             <a:pPr lvl="4"/>
             <a:r>
-              <a:rPr kumimoji="1" lang="ja-JP" altLang="en-US" smtClean="0"/>
+              <a:rPr kumimoji="1" lang="ja-JP" altLang="en-US"/>
               <a:t>第 </a:t>
             </a:r>
             <a:r>
-              <a:rPr kumimoji="1" lang="en-US" altLang="ja-JP" smtClean="0"/>
+              <a:rPr kumimoji="1" lang="en-US" altLang="ja-JP"/>
               <a:t>5 </a:t>
             </a:r>
             <a:r>
-              <a:rPr kumimoji="1" lang="ja-JP" altLang="en-US" smtClean="0"/>
+              <a:rPr kumimoji="1" lang="ja-JP" altLang="en-US"/>
               <a:t>レベル</a:t>
             </a:r>
-            <a:endParaRPr kumimoji="1" lang="ja-JP" altLang="en-US"/>
           </a:p>
         </p:txBody>
       </p:sp>
@@ -2963,7 +2944,7 @@
           <a:p>
             <a:pPr lvl="0"/>
             <a:r>
-              <a:rPr kumimoji="1" lang="ja-JP" altLang="en-US" smtClean="0"/>
+              <a:rPr kumimoji="1" lang="ja-JP" altLang="en-US"/>
               <a:t>マスタ テキストの書式設定</a:t>
             </a:r>
           </a:p>
@@ -2987,7 +2968,7 @@
             <a:fld id="{A4072246-277B-466E-8589-483003FFAC07}" type="datetimeFigureOut">
               <a:rPr kumimoji="1" lang="ja-JP" altLang="en-US" smtClean="0"/>
               <a:pPr/>
-              <a:t>2017/2/1</a:t>
+              <a:t>2017/2/3</a:t>
             </a:fld>
             <a:endParaRPr kumimoji="1" lang="ja-JP" altLang="en-US"/>
           </a:p>
@@ -3086,10 +3067,9 @@
           </a:lstStyle>
           <a:p>
             <a:r>
-              <a:rPr kumimoji="1" lang="ja-JP" altLang="en-US" smtClean="0"/>
+              <a:rPr kumimoji="1" lang="ja-JP" altLang="en-US"/>
               <a:t>マスタ タイトルの書式設定</a:t>
             </a:r>
-            <a:endParaRPr kumimoji="1" lang="ja-JP" altLang="en-US"/>
           </a:p>
         </p:txBody>
       </p:sp>
@@ -3213,7 +3193,7 @@
           <a:p>
             <a:pPr lvl="0"/>
             <a:r>
-              <a:rPr kumimoji="1" lang="ja-JP" altLang="en-US" smtClean="0"/>
+              <a:rPr kumimoji="1" lang="ja-JP" altLang="en-US"/>
               <a:t>マスタ テキストの書式設定</a:t>
             </a:r>
           </a:p>
@@ -3237,7 +3217,7 @@
             <a:fld id="{A4072246-277B-466E-8589-483003FFAC07}" type="datetimeFigureOut">
               <a:rPr kumimoji="1" lang="ja-JP" altLang="en-US" smtClean="0"/>
               <a:pPr/>
-              <a:t>2017/2/1</a:t>
+              <a:t>2017/2/3</a:t>
             </a:fld>
             <a:endParaRPr kumimoji="1" lang="ja-JP" altLang="en-US"/>
           </a:p>
@@ -3342,10 +3322,9 @@
           <a:lstStyle/>
           <a:p>
             <a:r>
-              <a:rPr kumimoji="1" lang="ja-JP" altLang="en-US" smtClean="0"/>
+              <a:rPr kumimoji="1" lang="ja-JP" altLang="en-US"/>
               <a:t>マスタ タイトルの書式設定</a:t>
             </a:r>
-            <a:endParaRPr kumimoji="1" lang="ja-JP" altLang="en-US"/>
           </a:p>
         </p:txBody>
       </p:sp>
@@ -3376,70 +3355,69 @@
           <a:p>
             <a:pPr lvl="0"/>
             <a:r>
-              <a:rPr kumimoji="1" lang="ja-JP" altLang="en-US" smtClean="0"/>
+              <a:rPr kumimoji="1" lang="ja-JP" altLang="en-US"/>
               <a:t>マスタ テキストの書式設定</a:t>
             </a:r>
           </a:p>
           <a:p>
             <a:pPr lvl="1"/>
             <a:r>
-              <a:rPr kumimoji="1" lang="ja-JP" altLang="en-US" smtClean="0"/>
+              <a:rPr kumimoji="1" lang="ja-JP" altLang="en-US"/>
               <a:t>第 </a:t>
             </a:r>
             <a:r>
-              <a:rPr kumimoji="1" lang="en-US" altLang="ja-JP" smtClean="0"/>
+              <a:rPr kumimoji="1" lang="en-US" altLang="ja-JP"/>
               <a:t>2 </a:t>
             </a:r>
             <a:r>
-              <a:rPr kumimoji="1" lang="ja-JP" altLang="en-US" smtClean="0"/>
+              <a:rPr kumimoji="1" lang="ja-JP" altLang="en-US"/>
               <a:t>レベル</a:t>
             </a:r>
           </a:p>
           <a:p>
             <a:pPr lvl="2"/>
             <a:r>
-              <a:rPr kumimoji="1" lang="ja-JP" altLang="en-US" smtClean="0"/>
+              <a:rPr kumimoji="1" lang="ja-JP" altLang="en-US"/>
               <a:t>第 </a:t>
             </a:r>
             <a:r>
-              <a:rPr kumimoji="1" lang="en-US" altLang="ja-JP" smtClean="0"/>
+              <a:rPr kumimoji="1" lang="en-US" altLang="ja-JP"/>
               <a:t>3 </a:t>
             </a:r>
             <a:r>
-              <a:rPr kumimoji="1" lang="ja-JP" altLang="en-US" smtClean="0"/>
+              <a:rPr kumimoji="1" lang="ja-JP" altLang="en-US"/>
               <a:t>レベル</a:t>
             </a:r>
           </a:p>
           <a:p>
             <a:pPr lvl="3"/>
             <a:r>
-              <a:rPr kumimoji="1" lang="ja-JP" altLang="en-US" smtClean="0"/>
+              <a:rPr kumimoji="1" lang="ja-JP" altLang="en-US"/>
               <a:t>第 </a:t>
             </a:r>
             <a:r>
-              <a:rPr kumimoji="1" lang="en-US" altLang="ja-JP" smtClean="0"/>
+              <a:rPr kumimoji="1" lang="en-US" altLang="ja-JP"/>
               <a:t>4 </a:t>
             </a:r>
             <a:r>
-              <a:rPr kumimoji="1" lang="ja-JP" altLang="en-US" smtClean="0"/>
+              <a:rPr kumimoji="1" lang="ja-JP" altLang="en-US"/>
               <a:t>レベル</a:t>
             </a:r>
           </a:p>
           <a:p>
             <a:pPr lvl="4"/>
             <a:r>
-              <a:rPr kumimoji="1" lang="ja-JP" altLang="en-US" smtClean="0"/>
+              <a:rPr kumimoji="1" lang="ja-JP" altLang="en-US"/>
               <a:t>第 </a:t>
             </a:r>
             <a:r>
-              <a:rPr kumimoji="1" lang="en-US" altLang="ja-JP" smtClean="0"/>
+              <a:rPr kumimoji="1" lang="en-US" altLang="ja-JP"/>
               <a:t>5 </a:t>
             </a:r>
             <a:r>
-              <a:rPr kumimoji="1" lang="ja-JP" altLang="en-US" smtClean="0"/>
+              <a:rPr kumimoji="1" lang="ja-JP" altLang="en-US"/>
               <a:t>レベル</a:t>
             </a:r>
-            <a:endParaRPr kumimoji="1" lang="ja-JP" altLang="en-US"/>
           </a:p>
         </p:txBody>
       </p:sp>
@@ -3479,7 +3457,7 @@
             <a:fld id="{A4072246-277B-466E-8589-483003FFAC07}" type="datetimeFigureOut">
               <a:rPr kumimoji="1" lang="ja-JP" altLang="en-US" smtClean="0"/>
               <a:pPr/>
-              <a:t>2017/2/1</a:t>
+              <a:t>2017/2/3</a:t>
             </a:fld>
             <a:endParaRPr kumimoji="1" lang="ja-JP" altLang="en-US"/>
           </a:p>
@@ -4118,7 +4096,7 @@
         </p:nvGrpSpPr>
         <p:grpSpPr>
           <a:xfrm>
-            <a:off x="1073087" y="6025542"/>
+            <a:off x="1222589" y="6135662"/>
             <a:ext cx="13583707" cy="7601856"/>
             <a:chOff x="1073087" y="4077629"/>
             <a:chExt cx="13583707" cy="7601856"/>
@@ -4218,18 +4196,13 @@
               <a:p>
                 <a:pPr defTabSz="2587020"/>
                 <a:r>
-                  <a:rPr lang="en-US" altLang="ja-JP" sz="5400" b="1" dirty="0" smtClean="0">
+                  <a:rPr lang="en-US" altLang="ja-JP" sz="5400" b="1" dirty="0">
                     <a:latin typeface="メイリオ" panose="020B0604030504040204" pitchFamily="50" charset="-128"/>
                     <a:ea typeface="メイリオ" panose="020B0604030504040204" pitchFamily="50" charset="-128"/>
                     <a:cs typeface="Arial" panose="020B0604020202020204" pitchFamily="34" charset="0"/>
                   </a:rPr>
                   <a:t>Abstract</a:t>
                 </a:r>
-                <a:endParaRPr lang="en-US" altLang="ja-JP" sz="5400" b="1" dirty="0">
-                  <a:latin typeface="メイリオ" panose="020B0604030504040204" pitchFamily="50" charset="-128"/>
-                  <a:ea typeface="メイリオ" panose="020B0604030504040204" pitchFamily="50" charset="-128"/>
-                  <a:cs typeface="Arial" panose="020B0604020202020204" pitchFamily="34" charset="0"/>
-                </a:endParaRPr>
               </a:p>
             </p:txBody>
           </p:sp>
@@ -4387,7 +4360,7 @@
         </p:blipFill>
         <p:spPr bwMode="auto">
           <a:xfrm>
-            <a:off x="3824375" y="1307406"/>
+            <a:off x="3824375" y="1385719"/>
             <a:ext cx="4132332" cy="1512487"/>
           </a:xfrm>
           <a:prstGeom prst="rect">
@@ -4435,27 +4408,13 @@
           <a:p>
             <a:pPr algn="ctr"/>
             <a:r>
-              <a:rPr lang="ja-JP" altLang="ja-JP" sz="6600" b="1" dirty="0" smtClean="0">
-                <a:latin typeface="メイリオ" panose="020B0604030504040204" pitchFamily="50" charset="-128"/>
-                <a:ea typeface="メイリオ" panose="020B0604030504040204" pitchFamily="50" charset="-128"/>
-              </a:rPr>
-              <a:t>リアルタイムグリッド</a:t>
-            </a:r>
-            <a:r>
               <a:rPr lang="ja-JP" altLang="ja-JP" sz="6600" b="1" dirty="0">
                 <a:latin typeface="メイリオ" panose="020B0604030504040204" pitchFamily="50" charset="-128"/>
                 <a:ea typeface="メイリオ" panose="020B0604030504040204" pitchFamily="50" charset="-128"/>
               </a:rPr>
-              <a:t>環境に</a:t>
-            </a:r>
-            <a:r>
-              <a:rPr lang="ja-JP" altLang="ja-JP" sz="6600" b="1" dirty="0" smtClean="0">
-                <a:latin typeface="メイリオ" panose="020B0604030504040204" pitchFamily="50" charset="-128"/>
-                <a:ea typeface="メイリオ" panose="020B0604030504040204" pitchFamily="50" charset="-128"/>
-              </a:rPr>
-              <a:t>おける</a:t>
-            </a:r>
-            <a:endParaRPr lang="en-US" altLang="ja-JP" sz="6600" b="1" dirty="0" smtClean="0">
+              <a:t>リアルタイムグリッド環境における</a:t>
+            </a:r>
+            <a:endParaRPr lang="en-US" altLang="ja-JP" sz="6600" b="1" dirty="0">
               <a:latin typeface="メイリオ" panose="020B0604030504040204" pitchFamily="50" charset="-128"/>
               <a:ea typeface="メイリオ" panose="020B0604030504040204" pitchFamily="50" charset="-128"/>
             </a:endParaRPr>
@@ -4463,25 +4422,11 @@
           <a:p>
             <a:pPr algn="ctr"/>
             <a:r>
-              <a:rPr lang="ja-JP" altLang="ja-JP" sz="6600" b="1" dirty="0" smtClean="0">
-                <a:latin typeface="メイリオ" panose="020B0604030504040204" pitchFamily="50" charset="-128"/>
-                <a:ea typeface="メイリオ" panose="020B0604030504040204" pitchFamily="50" charset="-128"/>
-              </a:rPr>
-              <a:t>マルチエージェント</a:t>
-            </a:r>
-            <a:r>
               <a:rPr lang="ja-JP" altLang="ja-JP" sz="6600" b="1" dirty="0">
                 <a:latin typeface="メイリオ" panose="020B0604030504040204" pitchFamily="50" charset="-128"/>
                 <a:ea typeface="メイリオ" panose="020B0604030504040204" pitchFamily="50" charset="-128"/>
               </a:rPr>
-              <a:t>の</a:t>
-            </a:r>
-            <a:r>
-              <a:rPr lang="ja-JP" altLang="ja-JP" sz="6600" b="1" dirty="0" smtClean="0">
-                <a:latin typeface="メイリオ" panose="020B0604030504040204" pitchFamily="50" charset="-128"/>
-                <a:ea typeface="メイリオ" panose="020B0604030504040204" pitchFamily="50" charset="-128"/>
-              </a:rPr>
-              <a:t>単一移動対象捕獲の探索法</a:t>
+              <a:t>マルチエージェントの単一移動対象捕獲の探索法</a:t>
             </a:r>
           </a:p>
           <a:p>
@@ -4489,7 +4434,7 @@
               <a:defRPr/>
             </a:pPr>
             <a:r>
-              <a:rPr lang="en-US" altLang="ja-JP" sz="5400" b="1" dirty="0" smtClean="0">
+              <a:rPr lang="en-US" altLang="ja-JP" sz="5400" b="1" dirty="0">
                 <a:solidFill>
                   <a:schemeClr val="tx2"/>
                 </a:solidFill>
@@ -4497,18 +4442,7 @@
                 <a:ea typeface="ＭＳ Ｐゴシック" pitchFamily="50" charset="-128"/>
                 <a:cs typeface="Times New Roman" panose="02020603050405020304" pitchFamily="18" charset="0"/>
               </a:rPr>
-              <a:t>Real-time </a:t>
-            </a:r>
-            <a:r>
-              <a:rPr lang="en-US" altLang="ja-JP" sz="5400" b="1" dirty="0">
-                <a:solidFill>
-                  <a:schemeClr val="tx2"/>
-                </a:solidFill>
-                <a:latin typeface="Times New Roman" panose="02020603050405020304" pitchFamily="18" charset="0"/>
-                <a:ea typeface="ＭＳ Ｐゴシック" pitchFamily="50" charset="-128"/>
-                <a:cs typeface="Times New Roman" panose="02020603050405020304" pitchFamily="18" charset="0"/>
-              </a:rPr>
-              <a:t>grid-based Multi-Agent pursuit a moving target method</a:t>
+              <a:t>Real-time grid-based Multi-Agent pursuit a moving target method</a:t>
             </a:r>
           </a:p>
         </p:txBody>
@@ -4559,124 +4493,106 @@
                 <a:solidFill>
                   <a:srgbClr val="000000"/>
                 </a:solidFill>
+                <a:latin typeface="Times New Roman" panose="02020603050405020304" pitchFamily="18" charset="0"/>
+                <a:ea typeface="メイリオ" panose="020B0604030504040204" pitchFamily="50" charset="-128"/>
+                <a:cs typeface="Times New Roman" panose="02020603050405020304" pitchFamily="18" charset="0"/>
+              </a:rPr>
+              <a:t>1</a:t>
+            </a:r>
+            <a:r>
+              <a:rPr lang="ja-JP" altLang="en-US" sz="4400" b="1" dirty="0">
+                <a:solidFill>
+                  <a:srgbClr val="000000"/>
+                </a:solidFill>
+                <a:latin typeface="Times New Roman" panose="02020603050405020304" pitchFamily="18" charset="0"/>
+                <a:ea typeface="メイリオ" panose="020B0604030504040204" pitchFamily="50" charset="-128"/>
+                <a:cs typeface="Times New Roman" panose="02020603050405020304" pitchFamily="18" charset="0"/>
+              </a:rPr>
+              <a:t>年 </a:t>
+            </a:r>
+            <a:r>
+              <a:rPr lang="en-US" altLang="ja-JP" sz="4400" b="1" dirty="0">
+                <a:solidFill>
+                  <a:srgbClr val="000000"/>
+                </a:solidFill>
+                <a:latin typeface="Times New Roman" panose="02020603050405020304" pitchFamily="18" charset="0"/>
+                <a:ea typeface="メイリオ" panose="020B0604030504040204" pitchFamily="50" charset="-128"/>
+                <a:cs typeface="Times New Roman" panose="02020603050405020304" pitchFamily="18" charset="0"/>
+              </a:rPr>
+              <a:t>201620848</a:t>
+            </a:r>
+            <a:r>
+              <a:rPr lang="ja-JP" altLang="en-US" sz="4400" b="1" dirty="0">
+                <a:solidFill>
+                  <a:srgbClr val="000000"/>
+                </a:solidFill>
                 <a:latin typeface="メイリオ" panose="020B0604030504040204" pitchFamily="50" charset="-128"/>
                 <a:ea typeface="メイリオ" panose="020B0604030504040204" pitchFamily="50" charset="-128"/>
               </a:rPr>
-              <a:t>1</a:t>
-            </a:r>
-            <a:r>
-              <a:rPr lang="ja-JP" altLang="en-US" sz="4400" b="1" dirty="0">
+              <a:t>　</a:t>
+            </a:r>
+            <a:r>
+              <a:rPr lang="en-US" altLang="ja-JP" sz="4400" b="1" dirty="0">
                 <a:solidFill>
                   <a:srgbClr val="000000"/>
                 </a:solidFill>
                 <a:latin typeface="メイリオ" panose="020B0604030504040204" pitchFamily="50" charset="-128"/>
                 <a:ea typeface="メイリオ" panose="020B0604030504040204" pitchFamily="50" charset="-128"/>
               </a:rPr>
-              <a:t>年 </a:t>
-            </a:r>
-            <a:r>
-              <a:rPr lang="en-US" altLang="ja-JP" sz="4400" b="1" dirty="0">
+              <a:t>(</a:t>
+            </a:r>
+            <a:r>
+              <a:rPr lang="ja-JP" altLang="en-US" sz="4400" b="1" dirty="0">
                 <a:solidFill>
                   <a:srgbClr val="000000"/>
                 </a:solidFill>
                 <a:latin typeface="メイリオ" panose="020B0604030504040204" pitchFamily="50" charset="-128"/>
                 <a:ea typeface="メイリオ" panose="020B0604030504040204" pitchFamily="50" charset="-128"/>
-                <a:cs typeface="Times New Roman" panose="02020603050405020304" pitchFamily="18" charset="0"/>
-              </a:rPr>
-              <a:t>201620848</a:t>
-            </a:r>
-            <a:r>
-              <a:rPr lang="ja-JP" altLang="en-US" sz="4400" b="1" dirty="0">
+              </a:rPr>
+              <a:t>指導教員：延原 肇</a:t>
+            </a:r>
+            <a:r>
+              <a:rPr lang="en-US" altLang="ja-JP" sz="4400" b="1" dirty="0">
                 <a:solidFill>
                   <a:srgbClr val="000000"/>
                 </a:solidFill>
                 <a:latin typeface="メイリオ" panose="020B0604030504040204" pitchFamily="50" charset="-128"/>
                 <a:ea typeface="メイリオ" panose="020B0604030504040204" pitchFamily="50" charset="-128"/>
               </a:rPr>
-              <a:t>　</a:t>
-            </a:r>
-            <a:r>
-              <a:rPr lang="en-US" altLang="ja-JP" sz="4400" b="1" dirty="0" smtClean="0">
+              <a:t>, </a:t>
+            </a:r>
+            <a:r>
+              <a:rPr lang="ja-JP" altLang="en-US" sz="4400" b="1" dirty="0">
                 <a:solidFill>
                   <a:srgbClr val="000000"/>
                 </a:solidFill>
                 <a:latin typeface="メイリオ" panose="020B0604030504040204" pitchFamily="50" charset="-128"/>
                 <a:ea typeface="メイリオ" panose="020B0604030504040204" pitchFamily="50" charset="-128"/>
               </a:rPr>
-              <a:t>(</a:t>
-            </a:r>
-            <a:r>
-              <a:rPr lang="ja-JP" altLang="en-US" sz="4400" b="1" dirty="0">
+              <a:t>中内</a:t>
+            </a:r>
+            <a:r>
+              <a:rPr lang="en-US" altLang="ja-JP" sz="4400" b="1" dirty="0">
                 <a:solidFill>
                   <a:srgbClr val="000000"/>
                 </a:solidFill>
                 <a:latin typeface="メイリオ" panose="020B0604030504040204" pitchFamily="50" charset="-128"/>
                 <a:ea typeface="メイリオ" panose="020B0604030504040204" pitchFamily="50" charset="-128"/>
               </a:rPr>
-              <a:t>指導</a:t>
-            </a:r>
-            <a:r>
-              <a:rPr lang="ja-JP" altLang="en-US" sz="4400" b="1" dirty="0" smtClean="0">
+              <a:t> 靖, </a:t>
+            </a:r>
+            <a:r>
+              <a:rPr lang="ja-JP" altLang="ja-JP" sz="4400" b="1" dirty="0">
                 <a:solidFill>
                   <a:srgbClr val="000000"/>
                 </a:solidFill>
                 <a:latin typeface="メイリオ" panose="020B0604030504040204" pitchFamily="50" charset="-128"/>
                 <a:ea typeface="メイリオ" panose="020B0604030504040204" pitchFamily="50" charset="-128"/>
               </a:rPr>
-              <a:t>教員：延原 肇</a:t>
-            </a:r>
-            <a:r>
-              <a:rPr lang="ja-JP" altLang="en-US" sz="4400" b="1" dirty="0">
-                <a:solidFill>
-                  <a:srgbClr val="000000"/>
-                </a:solidFill>
-                <a:latin typeface="メイリオ" panose="020B0604030504040204" pitchFamily="50" charset="-128"/>
-                <a:ea typeface="メイリオ" panose="020B0604030504040204" pitchFamily="50" charset="-128"/>
-              </a:rPr>
-              <a:t>、</a:t>
-            </a:r>
-            <a:r>
-              <a:rPr lang="en-US" altLang="ja-JP" sz="4400" b="1" dirty="0" smtClean="0">
-                <a:solidFill>
-                  <a:srgbClr val="000000"/>
-                </a:solidFill>
-                <a:latin typeface="メイリオ" panose="020B0604030504040204" pitchFamily="50" charset="-128"/>
-                <a:ea typeface="メイリオ" panose="020B0604030504040204" pitchFamily="50" charset="-128"/>
-              </a:rPr>
-              <a:t>中内 靖</a:t>
-            </a:r>
-            <a:r>
-              <a:rPr lang="ja-JP" altLang="en-US" sz="4400" b="1" dirty="0" err="1" smtClean="0">
-                <a:solidFill>
-                  <a:srgbClr val="000000"/>
-                </a:solidFill>
-                <a:latin typeface="メイリオ" panose="020B0604030504040204" pitchFamily="50" charset="-128"/>
-                <a:ea typeface="メイリオ" panose="020B0604030504040204" pitchFamily="50" charset="-128"/>
-              </a:rPr>
-              <a:t>、</a:t>
-            </a:r>
-            <a:r>
-              <a:rPr lang="ja-JP" altLang="ja-JP" sz="4400" b="1" dirty="0" smtClean="0">
-                <a:solidFill>
-                  <a:srgbClr val="000000"/>
-                </a:solidFill>
-                <a:latin typeface="メイリオ" panose="020B0604030504040204" pitchFamily="50" charset="-128"/>
-                <a:ea typeface="メイリオ" panose="020B0604030504040204" pitchFamily="50" charset="-128"/>
-              </a:rPr>
-              <a:t>星野 </a:t>
-            </a:r>
-            <a:r>
-              <a:rPr lang="ja-JP" altLang="ja-JP" sz="4400" b="1" dirty="0">
-                <a:solidFill>
-                  <a:srgbClr val="000000"/>
-                </a:solidFill>
-                <a:latin typeface="メイリオ" panose="020B0604030504040204" pitchFamily="50" charset="-128"/>
-                <a:ea typeface="メイリオ" panose="020B0604030504040204" pitchFamily="50" charset="-128"/>
-              </a:rPr>
-              <a:t>准一</a:t>
-            </a:r>
-            <a:r>
-              <a:rPr lang="en-US" altLang="ja-JP" sz="4400" b="1" dirty="0" smtClean="0">
+              <a:t>星野 准一</a:t>
+            </a:r>
+            <a:r>
+              <a:rPr lang="en-US" altLang="ja-JP" sz="4400" b="1" dirty="0">
                 <a:solidFill>
                   <a:srgbClr val="000000"/>
                 </a:solidFill>
@@ -4759,7 +4675,7 @@
         </p:blipFill>
         <p:spPr bwMode="auto">
           <a:xfrm>
-            <a:off x="3295878" y="2777561"/>
+            <a:off x="3295878" y="2826198"/>
             <a:ext cx="5004484" cy="836764"/>
           </a:xfrm>
           <a:prstGeom prst="rect">
@@ -4858,8 +4774,8 @@
         </p:nvSpPr>
         <p:spPr bwMode="auto">
           <a:xfrm>
-            <a:off x="1607805" y="7496065"/>
-            <a:ext cx="12985227" cy="7017306"/>
+            <a:off x="1607804" y="8504589"/>
+            <a:ext cx="12985227" cy="3939540"/>
           </a:xfrm>
           <a:prstGeom prst="rect">
             <a:avLst/>
@@ -5051,7 +4967,7 @@
               <a:tabLst/>
             </a:pPr>
             <a:r>
-              <a:rPr kumimoji="0" lang="ja-JP" altLang="en-US" sz="4000" b="0" i="0" u="none" strike="noStrike" cap="none" normalizeH="0" baseline="0" dirty="0" smtClean="0">
+              <a:rPr kumimoji="0" lang="ja-JP" altLang="en-US" sz="4000" b="0" i="0" u="none" strike="noStrike" cap="none" normalizeH="0" baseline="0" dirty="0">
                 <a:ln>
                   <a:noFill/>
                 </a:ln>
@@ -5066,7 +4982,7 @@
               <a:t>　</a:t>
             </a:r>
             <a:r>
-              <a:rPr kumimoji="0" lang="ja-JP" altLang="ja-JP" sz="4000" b="0" i="0" u="none" strike="noStrike" cap="none" normalizeH="0" baseline="0" dirty="0" smtClean="0">
+              <a:rPr kumimoji="0" lang="ja-JP" altLang="ja-JP" sz="4000" b="0" i="0" u="none" strike="noStrike" cap="none" normalizeH="0" baseline="0" dirty="0">
                 <a:ln>
                   <a:noFill/>
                 </a:ln>
@@ -5078,10 +4994,10 @@
                 <a:ea typeface="ＭＳ 明朝" panose="02020609040205080304" pitchFamily="17" charset="-128"/>
                 <a:cs typeface="Arial" panose="020B0604020202020204" pitchFamily="34" charset="0"/>
               </a:rPr>
-              <a:t>ゲームやロボティクスにおける経路探索の一つの定式化された問題として、リアルタイムグリッド環境における単一移動目標を捕獲するマルチエージェントの問題がある。本研究では、マルチエージェント</a:t>
-            </a:r>
-            <a:r>
-              <a:rPr kumimoji="0" lang="ja-JP" altLang="en-US" sz="4000" dirty="0" smtClean="0">
+              <a:t>本研究では、マルチエージェント</a:t>
+            </a:r>
+            <a:r>
+              <a:rPr kumimoji="0" lang="ja-JP" altLang="en-US" sz="4000" dirty="0">
                 <a:solidFill>
                   <a:srgbClr val="222222"/>
                 </a:solidFill>
@@ -5092,7 +5008,7 @@
               <a:t>の</a:t>
             </a:r>
             <a:r>
-              <a:rPr kumimoji="0" lang="en-US" altLang="ja-JP" sz="4000" dirty="0" smtClean="0">
+              <a:rPr kumimoji="0" lang="en-US" altLang="ja-JP" sz="4000" dirty="0">
                 <a:solidFill>
                   <a:srgbClr val="222222"/>
                 </a:solidFill>
@@ -5103,7 +5019,7 @@
               <a:t>Cover-heuristic</a:t>
             </a:r>
             <a:r>
-              <a:rPr kumimoji="0" lang="ja-JP" altLang="ja-JP" sz="4000" b="0" i="0" u="none" strike="noStrike" cap="none" normalizeH="0" baseline="0" dirty="0" smtClean="0">
+              <a:rPr kumimoji="0" lang="ja-JP" altLang="ja-JP" sz="4000" b="0" i="0" u="none" strike="noStrike" cap="none" normalizeH="0" baseline="0" dirty="0">
                 <a:ln>
                   <a:noFill/>
                 </a:ln>
@@ -5118,7 +5034,7 @@
               <a:t>の考え方</a:t>
             </a:r>
             <a:r>
-              <a:rPr kumimoji="0" lang="ja-JP" altLang="en-US" sz="4000" dirty="0" smtClean="0">
+              <a:rPr kumimoji="0" lang="ja-JP" altLang="en-US" sz="4000" dirty="0">
                 <a:solidFill>
                   <a:srgbClr val="222222"/>
                 </a:solidFill>
@@ -5129,7 +5045,7 @@
               <a:t>に関する計算量が多いことと</a:t>
             </a:r>
             <a:r>
-              <a:rPr kumimoji="0" lang="en-US" altLang="ja-JP" sz="4000" dirty="0" smtClean="0">
+              <a:rPr kumimoji="0" lang="en-US" altLang="ja-JP" sz="4000" dirty="0">
                 <a:solidFill>
                   <a:srgbClr val="222222"/>
                 </a:solidFill>
@@ -5140,7 +5056,7 @@
               <a:t>Tie-Breaking</a:t>
             </a:r>
             <a:r>
-              <a:rPr kumimoji="0" lang="ja-JP" altLang="en-US" sz="4000" dirty="0" smtClean="0">
+              <a:rPr kumimoji="0" lang="ja-JP" altLang="en-US" sz="4000" dirty="0">
                 <a:solidFill>
                   <a:srgbClr val="222222"/>
                 </a:solidFill>
@@ -5151,7 +5067,7 @@
               <a:t>の問題を解決</a:t>
             </a:r>
             <a:r>
-              <a:rPr kumimoji="0" lang="ja-JP" altLang="ja-JP" sz="4000" b="0" i="0" u="none" strike="noStrike" cap="none" normalizeH="0" baseline="0" dirty="0" smtClean="0">
+              <a:rPr kumimoji="0" lang="ja-JP" altLang="ja-JP" sz="4000" b="0" i="0" u="none" strike="noStrike" cap="none" normalizeH="0" baseline="0" dirty="0">
                 <a:ln>
                   <a:noFill/>
                 </a:ln>
@@ -5166,7 +5082,7 @@
               <a:t>することにより、性能向上を目指す。Pythonによる実装を行い、提案手法が従来手法に比べて有効であること</a:t>
             </a:r>
             <a:r>
-              <a:rPr kumimoji="0" lang="ja-JP" altLang="en-US" sz="4000" b="0" i="0" u="none" strike="noStrike" cap="none" normalizeH="0" baseline="0" dirty="0" smtClean="0">
+              <a:rPr kumimoji="0" lang="ja-JP" altLang="en-US" sz="4000" b="0" i="0" u="none" strike="noStrike" cap="none" normalizeH="0" baseline="0" dirty="0">
                 <a:ln>
                   <a:noFill/>
                 </a:ln>
@@ -5181,7 +5097,7 @@
               <a:t>とリアルタイムの環境の実用性</a:t>
             </a:r>
             <a:r>
-              <a:rPr kumimoji="0" lang="ja-JP" altLang="ja-JP" sz="4000" b="0" i="0" u="none" strike="noStrike" cap="none" normalizeH="0" baseline="0" dirty="0" smtClean="0">
+              <a:rPr kumimoji="0" lang="ja-JP" altLang="ja-JP" sz="4000" b="0" i="0" u="none" strike="noStrike" cap="none" normalizeH="0" baseline="0" dirty="0">
                 <a:ln>
                   <a:noFill/>
                 </a:ln>
@@ -5206,7 +5122,7 @@
               </a:rPr>
               <a:t>。</a:t>
             </a:r>
-            <a:endParaRPr kumimoji="0" lang="ja-JP" altLang="ja-JP" sz="7200" b="0" i="0" u="none" strike="noStrike" cap="none" normalizeH="0" baseline="0" dirty="0" smtClean="0">
+            <a:endParaRPr kumimoji="0" lang="ja-JP" altLang="ja-JP" sz="7200" b="0" i="0" u="none" strike="noStrike" cap="none" normalizeH="0" baseline="0" dirty="0">
               <a:ln>
                 <a:noFill/>
               </a:ln>
@@ -5282,8 +5198,8 @@
         </p:nvSpPr>
         <p:spPr>
           <a:xfrm>
-            <a:off x="2241685" y="38214130"/>
-            <a:ext cx="11717465" cy="3170099"/>
+            <a:off x="2097974" y="38767768"/>
+            <a:ext cx="11717465" cy="1862048"/>
           </a:xfrm>
           <a:prstGeom prst="rect">
             <a:avLst/>
@@ -5296,180 +5212,48 @@
           <a:lstStyle/>
           <a:p>
             <a:pPr marL="514350" indent="-514350">
+              <a:lnSpc>
+                <a:spcPct val="150000"/>
+              </a:lnSpc>
               <a:buAutoNum type="arabicPeriod"/>
             </a:pPr>
             <a:r>
-              <a:rPr lang="ja-JP" altLang="ja-JP" sz="3600" dirty="0" smtClean="0">
+              <a:rPr lang="ja-JP" altLang="ja-JP" sz="4000" dirty="0">
                 <a:latin typeface="メイリオ" panose="020B0604030504040204" pitchFamily="50" charset="-128"/>
                 <a:ea typeface="メイリオ" panose="020B0604030504040204" pitchFamily="50" charset="-128"/>
                 <a:cs typeface="Times New Roman" panose="02020603050405020304" pitchFamily="18" charset="0"/>
               </a:rPr>
-              <a:t>計算量</a:t>
-            </a:r>
-            <a:r>
-              <a:rPr lang="ja-JP" altLang="ja-JP" sz="3600" dirty="0">
-                <a:latin typeface="メイリオ" panose="020B0604030504040204" pitchFamily="50" charset="-128"/>
-                <a:ea typeface="メイリオ" panose="020B0604030504040204" pitchFamily="50" charset="-128"/>
-                <a:cs typeface="Times New Roman" panose="02020603050405020304" pitchFamily="18" charset="0"/>
-              </a:rPr>
-              <a:t>が多い</a:t>
-            </a:r>
-            <a:r>
-              <a:rPr lang="ja-JP" altLang="ja-JP" sz="3600" dirty="0" smtClean="0">
-                <a:latin typeface="メイリオ" panose="020B0604030504040204" pitchFamily="50" charset="-128"/>
-                <a:ea typeface="メイリオ" panose="020B0604030504040204" pitchFamily="50" charset="-128"/>
-                <a:cs typeface="Times New Roman" panose="02020603050405020304" pitchFamily="18" charset="0"/>
-              </a:rPr>
-              <a:t>こと</a:t>
-            </a:r>
-            <a:endParaRPr lang="en-US" altLang="ja-JP" sz="3600" dirty="0" smtClean="0">
+              <a:t>計算量が多いこと</a:t>
+            </a:r>
+            <a:endParaRPr lang="en-US" altLang="ja-JP" sz="4000" dirty="0">
               <a:latin typeface="メイリオ" panose="020B0604030504040204" pitchFamily="50" charset="-128"/>
               <a:ea typeface="メイリオ" panose="020B0604030504040204" pitchFamily="50" charset="-128"/>
               <a:cs typeface="Times New Roman" panose="02020603050405020304" pitchFamily="18" charset="0"/>
             </a:endParaRPr>
           </a:p>
           <a:p>
-            <a:r>
-              <a:rPr lang="en-US" altLang="ja-JP" sz="3200" dirty="0" smtClean="0">
+            <a:pPr marL="514350" indent="-514350">
+              <a:lnSpc>
+                <a:spcPct val="150000"/>
+              </a:lnSpc>
+              <a:buAutoNum type="arabicPeriod"/>
+            </a:pPr>
+            <a:r>
+              <a:rPr lang="en-US" altLang="ja-JP" sz="4000" dirty="0">
                 <a:latin typeface="メイリオ" panose="020B0604030504040204" pitchFamily="50" charset="-128"/>
                 <a:ea typeface="メイリオ" panose="020B0604030504040204" pitchFamily="50" charset="-128"/>
                 <a:cs typeface="Times New Roman" panose="02020603050405020304" pitchFamily="18" charset="0"/>
               </a:rPr>
-              <a:t>- </a:t>
-            </a:r>
-            <a:r>
-              <a:rPr lang="ja-JP" altLang="en-US" sz="3200" dirty="0" smtClean="0">
+              <a:t>Tie-Breaking</a:t>
+            </a:r>
+            <a:r>
+              <a:rPr lang="ja-JP" altLang="ja-JP" sz="4000" dirty="0">
                 <a:latin typeface="メイリオ" panose="020B0604030504040204" pitchFamily="50" charset="-128"/>
                 <a:ea typeface="メイリオ" panose="020B0604030504040204" pitchFamily="50" charset="-128"/>
-                <a:cs typeface="Times New Roman" panose="02020603050405020304" pitchFamily="18" charset="0"/>
-              </a:rPr>
-              <a:t>地図全体を幅優先探索のように、時間の</a:t>
-            </a:r>
-            <a:r>
-              <a:rPr lang="ja-JP" altLang="en-US" sz="3200" dirty="0" smtClean="0">
-                <a:latin typeface="メイリオ" panose="020B0604030504040204" pitchFamily="50" charset="-128"/>
-                <a:ea typeface="メイリオ" panose="020B0604030504040204" pitchFamily="50" charset="-128"/>
-                <a:cs typeface="Times New Roman" panose="02020603050405020304" pitchFamily="18" charset="0"/>
-              </a:rPr>
-              <a:t>複雑さ</a:t>
-            </a:r>
-            <a:r>
-              <a:rPr lang="ja-JP" altLang="en-US" sz="3200" dirty="0">
-                <a:latin typeface="メイリオ" panose="020B0604030504040204" pitchFamily="50" charset="-128"/>
-                <a:ea typeface="メイリオ" panose="020B0604030504040204" pitchFamily="50" charset="-128"/>
-                <a:cs typeface="Times New Roman" panose="02020603050405020304" pitchFamily="18" charset="0"/>
-              </a:rPr>
-              <a:t>が</a:t>
-            </a:r>
-            <a:r>
-              <a:rPr lang="ja-JP" altLang="en-US" sz="3200" dirty="0" smtClean="0">
-                <a:latin typeface="メイリオ" panose="020B0604030504040204" pitchFamily="50" charset="-128"/>
-                <a:ea typeface="メイリオ" panose="020B0604030504040204" pitchFamily="50" charset="-128"/>
-                <a:cs typeface="Times New Roman" panose="02020603050405020304" pitchFamily="18" charset="0"/>
-              </a:rPr>
-              <a:t>線形的、</a:t>
-            </a:r>
-            <a:r>
-              <a:rPr lang="en-US" altLang="ja-JP" sz="3200" dirty="0" smtClean="0">
-                <a:latin typeface="メイリオ" panose="020B0604030504040204" pitchFamily="50" charset="-128"/>
-                <a:ea typeface="メイリオ" panose="020B0604030504040204" pitchFamily="50" charset="-128"/>
-                <a:cs typeface="Times New Roman" panose="02020603050405020304" pitchFamily="18" charset="0"/>
-              </a:rPr>
-              <a:t>O(N</a:t>
-            </a:r>
-            <a:r>
-              <a:rPr lang="en-US" altLang="ja-JP" sz="3200" dirty="0" smtClean="0">
-                <a:latin typeface="メイリオ" panose="020B0604030504040204" pitchFamily="50" charset="-128"/>
-                <a:ea typeface="メイリオ" panose="020B0604030504040204" pitchFamily="50" charset="-128"/>
-                <a:cs typeface="Times New Roman" panose="02020603050405020304" pitchFamily="18" charset="0"/>
-              </a:rPr>
-              <a:t>)</a:t>
-            </a:r>
-            <a:endParaRPr lang="en-US" altLang="ja-JP" sz="3200" dirty="0">
-              <a:latin typeface="メイリオ" panose="020B0604030504040204" pitchFamily="50" charset="-128"/>
-              <a:ea typeface="メイリオ" panose="020B0604030504040204" pitchFamily="50" charset="-128"/>
-              <a:cs typeface="Times New Roman" panose="02020603050405020304" pitchFamily="18" charset="0"/>
-            </a:endParaRPr>
-          </a:p>
-          <a:p>
-            <a:r>
-              <a:rPr lang="en-US" altLang="ja-JP" sz="3200" dirty="0" smtClean="0">
-                <a:latin typeface="メイリオ" panose="020B0604030504040204" pitchFamily="50" charset="-128"/>
-                <a:ea typeface="メイリオ" panose="020B0604030504040204" pitchFamily="50" charset="-128"/>
-                <a:cs typeface="Times New Roman" panose="02020603050405020304" pitchFamily="18" charset="0"/>
-              </a:rPr>
-              <a:t>2. </a:t>
-            </a:r>
-            <a:r>
-              <a:rPr lang="en-US" altLang="ja-JP" sz="3600" dirty="0" smtClean="0">
-                <a:latin typeface="メイリオ" panose="020B0604030504040204" pitchFamily="50" charset="-128"/>
-                <a:ea typeface="メイリオ" panose="020B0604030504040204" pitchFamily="50" charset="-128"/>
-                <a:cs typeface="Times New Roman" panose="02020603050405020304" pitchFamily="18" charset="0"/>
-              </a:rPr>
-              <a:t>Tie-Breaking</a:t>
-            </a:r>
-            <a:r>
-              <a:rPr lang="ja-JP" altLang="ja-JP" sz="3600" dirty="0" smtClean="0">
-                <a:latin typeface="メイリオ" panose="020B0604030504040204" pitchFamily="50" charset="-128"/>
-                <a:ea typeface="メイリオ" panose="020B0604030504040204" pitchFamily="50" charset="-128"/>
               </a:rPr>
               <a:t>問題</a:t>
             </a:r>
-            <a:endParaRPr lang="en-US" altLang="ja-JP" sz="3600" dirty="0" smtClean="0">
-              <a:latin typeface="メイリオ" panose="020B0604030504040204" pitchFamily="50" charset="-128"/>
-              <a:ea typeface="メイリオ" panose="020B0604030504040204" pitchFamily="50" charset="-128"/>
-            </a:endParaRPr>
-          </a:p>
-          <a:p>
-            <a:r>
-              <a:rPr lang="en-US" altLang="ja-JP" sz="3200" dirty="0" smtClean="0">
-                <a:latin typeface="メイリオ" panose="020B0604030504040204" pitchFamily="50" charset="-128"/>
-                <a:ea typeface="メイリオ" panose="020B0604030504040204" pitchFamily="50" charset="-128"/>
-                <a:cs typeface="Times New Roman" panose="02020603050405020304" pitchFamily="18" charset="0"/>
-              </a:rPr>
-              <a:t>-</a:t>
-            </a:r>
-            <a:r>
-              <a:rPr lang="ja-JP" altLang="en-US" sz="3200" dirty="0">
-                <a:latin typeface="メイリオ" panose="020B0604030504040204" pitchFamily="50" charset="-128"/>
-                <a:ea typeface="メイリオ" panose="020B0604030504040204" pitchFamily="50" charset="-128"/>
-                <a:cs typeface="Times New Roman" panose="02020603050405020304" pitchFamily="18" charset="0"/>
-              </a:rPr>
-              <a:t> </a:t>
-            </a:r>
-            <a:r>
-              <a:rPr lang="ja-JP" altLang="ja-JP" sz="3200" dirty="0" smtClean="0">
-                <a:latin typeface="メイリオ" panose="020B0604030504040204" pitchFamily="50" charset="-128"/>
-                <a:ea typeface="メイリオ" panose="020B0604030504040204" pitchFamily="50" charset="-128"/>
-                <a:cs typeface="Times New Roman" panose="02020603050405020304" pitchFamily="18" charset="0"/>
-              </a:rPr>
-              <a:t>到達</a:t>
-            </a:r>
-            <a:r>
-              <a:rPr lang="ja-JP" altLang="ja-JP" sz="3200" dirty="0">
-                <a:latin typeface="メイリオ" panose="020B0604030504040204" pitchFamily="50" charset="-128"/>
-                <a:ea typeface="メイリオ" panose="020B0604030504040204" pitchFamily="50" charset="-128"/>
-                <a:cs typeface="Times New Roman" panose="02020603050405020304" pitchFamily="18" charset="0"/>
-              </a:rPr>
-              <a:t>可能領域の</a:t>
-            </a:r>
-            <a:r>
-              <a:rPr lang="en-US" altLang="ja-JP" sz="3200" dirty="0">
-                <a:latin typeface="メイリオ" panose="020B0604030504040204" pitchFamily="50" charset="-128"/>
-                <a:ea typeface="メイリオ" panose="020B0604030504040204" pitchFamily="50" charset="-128"/>
-                <a:cs typeface="Times New Roman" panose="02020603050405020304" pitchFamily="18" charset="0"/>
-              </a:rPr>
-              <a:t>TCS</a:t>
-            </a:r>
-            <a:r>
-              <a:rPr lang="ja-JP" altLang="ja-JP" sz="3200" dirty="0">
-                <a:latin typeface="メイリオ" panose="020B0604030504040204" pitchFamily="50" charset="-128"/>
-                <a:ea typeface="メイリオ" panose="020B0604030504040204" pitchFamily="50" charset="-128"/>
-                <a:cs typeface="Times New Roman" panose="02020603050405020304" pitchFamily="18" charset="0"/>
-              </a:rPr>
-              <a:t>がすべて等しいパーサが存在する場合に発生する</a:t>
-            </a:r>
-            <a:endParaRPr lang="ja-JP" altLang="en-US" sz="3200" dirty="0">
+            <a:endParaRPr lang="ja-JP" altLang="en-US" sz="3600" dirty="0">
               <a:latin typeface="メイリオ" panose="020B0604030504040204" pitchFamily="50" charset="-128"/>
               <a:ea typeface="メイリオ" panose="020B0604030504040204" pitchFamily="50" charset="-128"/>
               <a:cs typeface="Times New Roman" panose="02020603050405020304" pitchFamily="18" charset="0"/>
@@ -5585,20 +5369,12 @@
               <a:p>
                 <a:pPr defTabSz="2587020"/>
                 <a:r>
-                  <a:rPr lang="ja-JP" altLang="en-US" sz="5400" b="1" dirty="0" smtClean="0">
-                    <a:latin typeface="メイリオ" panose="020B0604030504040204" pitchFamily="50" charset="-128"/>
-                    <a:ea typeface="メイリオ" panose="020B0604030504040204" pitchFamily="50" charset="-128"/>
-                    <a:cs typeface="Arial" panose="020B0604020202020204" pitchFamily="34" charset="0"/>
-                  </a:rPr>
-                  <a:t>評価</a:t>
-                </a:r>
-                <a:r>
                   <a:rPr lang="ja-JP" altLang="en-US" sz="5400" b="1" dirty="0">
                     <a:latin typeface="メイリオ" panose="020B0604030504040204" pitchFamily="50" charset="-128"/>
                     <a:ea typeface="メイリオ" panose="020B0604030504040204" pitchFamily="50" charset="-128"/>
                     <a:cs typeface="Arial" panose="020B0604020202020204" pitchFamily="34" charset="0"/>
                   </a:rPr>
-                  <a:t>実験</a:t>
+                  <a:t>評価実験</a:t>
                 </a:r>
                 <a:endParaRPr lang="en-US" altLang="ja-JP" sz="5400" b="1" dirty="0">
                   <a:latin typeface="メイリオ" panose="020B0604030504040204" pitchFamily="50" charset="-128"/>
@@ -5853,7 +5629,7 @@
               <a:p>
                 <a:pPr defTabSz="2587020"/>
                 <a:r>
-                  <a:rPr lang="ja-JP" altLang="en-US" sz="5400" b="1" dirty="0" smtClean="0">
+                  <a:rPr lang="ja-JP" altLang="en-US" sz="5400" b="1" dirty="0">
                     <a:latin typeface="メイリオ" panose="020B0604030504040204" pitchFamily="50" charset="-128"/>
                     <a:ea typeface="メイリオ" panose="020B0604030504040204" pitchFamily="50" charset="-128"/>
                     <a:cs typeface="Arial" panose="020B0604020202020204" pitchFamily="34" charset="0"/>
@@ -6373,7 +6149,7 @@
               <a:p>
                 <a:pPr defTabSz="2587020"/>
                 <a:r>
-                  <a:rPr lang="ja-JP" altLang="en-US" sz="5400" b="1" dirty="0" smtClean="0">
+                  <a:rPr lang="ja-JP" altLang="en-US" sz="5400" b="1" dirty="0">
                     <a:latin typeface="メイリオ" panose="020B0604030504040204" pitchFamily="50" charset="-128"/>
                     <a:ea typeface="メイリオ" panose="020B0604030504040204" pitchFamily="50" charset="-128"/>
                     <a:cs typeface="Arial" panose="020B0604020202020204" pitchFamily="34" charset="0"/>
@@ -6588,13 +6364,13 @@
           <p:nvPr>
             <p:extLst>
               <p:ext uri="{D42A27DB-BD31-4B8C-83A1-F6EECF244321}">
-                <p14:modId xmlns:p14="http://schemas.microsoft.com/office/powerpoint/2010/main" val="4040870268"/>
+                <p14:modId xmlns:p14="http://schemas.microsoft.com/office/powerpoint/2010/main" val="2623568404"/>
               </p:ext>
             </p:extLst>
           </p:nvPr>
         </p:nvGraphicFramePr>
         <p:xfrm>
-          <a:off x="16548609" y="30444339"/>
+          <a:off x="16568166" y="31543871"/>
           <a:ext cx="5937550" cy="3497136"/>
         </p:xfrm>
         <a:graphic>
@@ -6604,10 +6380,34 @@
                 <a:tableStyleId>{00A15C55-8517-42AA-B614-E9B94910E393}</a:tableStyleId>
               </a:tblPr>
               <a:tblGrid>
-                <a:gridCol w="1562513"/>
-                <a:gridCol w="1556083"/>
-                <a:gridCol w="1481494"/>
-                <a:gridCol w="1337460"/>
+                <a:gridCol w="1562513">
+                  <a:extLst>
+                    <a:ext uri="{9D8B030D-6E8A-4147-A177-3AD203B41FA5}">
+                      <a16:colId xmlns:a16="http://schemas.microsoft.com/office/drawing/2014/main" val="20000"/>
+                    </a:ext>
+                  </a:extLst>
+                </a:gridCol>
+                <a:gridCol w="1556083">
+                  <a:extLst>
+                    <a:ext uri="{9D8B030D-6E8A-4147-A177-3AD203B41FA5}">
+                      <a16:colId xmlns:a16="http://schemas.microsoft.com/office/drawing/2014/main" val="20001"/>
+                    </a:ext>
+                  </a:extLst>
+                </a:gridCol>
+                <a:gridCol w="1481494">
+                  <a:extLst>
+                    <a:ext uri="{9D8B030D-6E8A-4147-A177-3AD203B41FA5}">
+                      <a16:colId xmlns:a16="http://schemas.microsoft.com/office/drawing/2014/main" val="20002"/>
+                    </a:ext>
+                  </a:extLst>
+                </a:gridCol>
+                <a:gridCol w="1337460">
+                  <a:extLst>
+                    <a:ext uri="{9D8B030D-6E8A-4147-A177-3AD203B41FA5}">
+                      <a16:colId xmlns:a16="http://schemas.microsoft.com/office/drawing/2014/main" val="20003"/>
+                    </a:ext>
+                  </a:extLst>
+                </a:gridCol>
               </a:tblGrid>
               <a:tr h="774154">
                 <a:tc>
@@ -6647,19 +6447,19 @@
                         </a:spcAft>
                       </a:pPr>
                       <a:r>
-                        <a:rPr lang="en-US" sz="1800" b="0" dirty="0" smtClean="0">
+                        <a:rPr lang="en-US" sz="1800" b="0" dirty="0">
                           <a:effectLst/>
                         </a:rPr>
                         <a:t>CH</a:t>
                       </a:r>
                       <a:r>
-                        <a:rPr lang="ja-JP" sz="1800" b="0" dirty="0" smtClean="0">
+                        <a:rPr lang="ja-JP" sz="1800" b="0" dirty="0">
                           <a:effectLst/>
                         </a:rPr>
                         <a:t>法</a:t>
                       </a:r>
                       <a:r>
-                        <a:rPr lang="en-US" sz="1800" b="0" dirty="0" smtClean="0">
+                        <a:rPr lang="en-US" sz="1800" b="0" dirty="0">
                           <a:effectLst/>
                         </a:rPr>
                         <a:t>(s)</a:t>
@@ -6738,6 +6538,11 @@
                   </a:txBody>
                   <a:tcPr marL="138890" marR="138890" marT="0" marB="0" anchor="ctr"/>
                 </a:tc>
+                <a:extLst>
+                  <a:ext uri="{0D108BD9-81ED-4DB2-BD59-A6C34878D82A}">
+                    <a16:rowId xmlns:a16="http://schemas.microsoft.com/office/drawing/2014/main" val="10000"/>
+                  </a:ext>
+                </a:extLst>
               </a:tr>
               <a:tr h="926868">
                 <a:tc>
@@ -6777,7 +6582,7 @@
                         </a:spcAft>
                       </a:pPr>
                       <a:r>
-                        <a:rPr lang="en-US" sz="2100" b="0" dirty="0" smtClean="0">
+                        <a:rPr lang="en-US" sz="2100" b="0" dirty="0">
                           <a:effectLst/>
                         </a:rPr>
                         <a:t>0.000513</a:t>
@@ -6850,6 +6655,11 @@
                   </a:txBody>
                   <a:tcPr marL="138890" marR="138890" marT="0" marB="0" anchor="ctr"/>
                 </a:tc>
+                <a:extLst>
+                  <a:ext uri="{0D108BD9-81ED-4DB2-BD59-A6C34878D82A}">
+                    <a16:rowId xmlns:a16="http://schemas.microsoft.com/office/drawing/2014/main" val="10001"/>
+                  </a:ext>
+                </a:extLst>
               </a:tr>
               <a:tr h="926868">
                 <a:tc>
@@ -6889,7 +6699,7 @@
                         </a:spcAft>
                       </a:pPr>
                       <a:r>
-                        <a:rPr lang="en-US" sz="2100" b="0" dirty="0" smtClean="0">
+                        <a:rPr lang="en-US" sz="2100" b="0" dirty="0">
                           <a:effectLst/>
                         </a:rPr>
                         <a:t>0.000331</a:t>
@@ -6962,6 +6772,11 @@
                   </a:txBody>
                   <a:tcPr marL="138890" marR="138890" marT="0" marB="0" anchor="ctr"/>
                 </a:tc>
+                <a:extLst>
+                  <a:ext uri="{0D108BD9-81ED-4DB2-BD59-A6C34878D82A}">
+                    <a16:rowId xmlns:a16="http://schemas.microsoft.com/office/drawing/2014/main" val="10002"/>
+                  </a:ext>
+                </a:extLst>
               </a:tr>
               <a:tr h="869246">
                 <a:tc>
@@ -7017,7 +6832,7 @@
                         </a:spcAft>
                       </a:pPr>
                       <a:r>
-                        <a:rPr lang="en-US" sz="2100" b="0" dirty="0" smtClean="0">
+                        <a:rPr lang="en-US" sz="2100" b="0" dirty="0">
                           <a:effectLst/>
                         </a:rPr>
                         <a:t>0.004877</a:t>
@@ -7090,6 +6905,11 @@
                   </a:txBody>
                   <a:tcPr marL="138890" marR="138890" marT="0" marB="0" anchor="ctr"/>
                 </a:tc>
+                <a:extLst>
+                  <a:ext uri="{0D108BD9-81ED-4DB2-BD59-A6C34878D82A}">
+                    <a16:rowId xmlns:a16="http://schemas.microsoft.com/office/drawing/2014/main" val="10003"/>
+                  </a:ext>
+                </a:extLst>
               </a:tr>
             </a:tbl>
           </a:graphicData>
@@ -7111,7 +6931,7 @@
         </p:blipFill>
         <p:spPr>
           <a:xfrm>
-            <a:off x="22500459" y="29920745"/>
+            <a:off x="22583574" y="30990336"/>
             <a:ext cx="6647978" cy="4417960"/>
           </a:xfrm>
           <a:prstGeom prst="rect">
@@ -7127,8 +6947,8 @@
         </p:nvSpPr>
         <p:spPr>
           <a:xfrm>
-            <a:off x="17829302" y="29934655"/>
-            <a:ext cx="3602688" cy="400110"/>
+            <a:off x="18020307" y="31146057"/>
+            <a:ext cx="3602688" cy="369332"/>
           </a:xfrm>
           <a:prstGeom prst="rect">
             <a:avLst/>
@@ -7141,21 +6961,21 @@
           <a:lstStyle/>
           <a:p>
             <a:r>
-              <a:rPr lang="en-US" altLang="ja-JP" sz="2000" b="1" dirty="0">
+              <a:rPr lang="en-US" altLang="ja-JP" sz="1800" b="1" dirty="0">
                 <a:latin typeface="メイリオ" panose="020B0604030504040204" pitchFamily="50" charset="-128"/>
                 <a:ea typeface="メイリオ" panose="020B0604030504040204" pitchFamily="50" charset="-128"/>
               </a:rPr>
               <a:t>CH</a:t>
             </a:r>
             <a:r>
-              <a:rPr lang="ja-JP" altLang="ja-JP" sz="2000" b="1" dirty="0">
+              <a:rPr lang="ja-JP" altLang="ja-JP" sz="1800" b="1" dirty="0">
                 <a:latin typeface="メイリオ" panose="020B0604030504040204" pitchFamily="50" charset="-128"/>
                 <a:ea typeface="メイリオ" panose="020B0604030504040204" pitchFamily="50" charset="-128"/>
                 <a:cs typeface="Times New Roman" panose="02020603050405020304" pitchFamily="18" charset="0"/>
               </a:rPr>
               <a:t>法と提案手法の比較実験</a:t>
             </a:r>
-            <a:endParaRPr lang="ja-JP" altLang="en-US" sz="2000" b="1" dirty="0">
+            <a:endParaRPr lang="ja-JP" altLang="en-US" sz="1800" b="1" dirty="0">
               <a:latin typeface="メイリオ" panose="020B0604030504040204" pitchFamily="50" charset="-128"/>
               <a:ea typeface="メイリオ" panose="020B0604030504040204" pitchFamily="50" charset="-128"/>
             </a:endParaRPr>
@@ -7188,7 +7008,7 @@
               <a:buChar char="l"/>
             </a:pPr>
             <a:r>
-              <a:rPr lang="ja-JP" altLang="en-US" sz="4000" dirty="0" smtClean="0">
+              <a:rPr lang="ja-JP" altLang="en-US" sz="4000" dirty="0">
                 <a:latin typeface="Times New Roman" panose="02020603050405020304" pitchFamily="18" charset="0"/>
                 <a:ea typeface="ＭＳ 明朝" panose="02020609040205080304" pitchFamily="17" charset="-128"/>
                 <a:cs typeface="Times New Roman" panose="02020603050405020304" pitchFamily="18" charset="0"/>
@@ -7196,20 +7016,12 @@
               <a:t>計算量が多い </a:t>
             </a:r>
             <a:r>
-              <a:rPr lang="en-US" altLang="ja-JP" sz="4000" dirty="0" smtClean="0">
+              <a:rPr lang="en-US" altLang="ja-JP" sz="4000" dirty="0">
                 <a:latin typeface="Times New Roman" panose="02020603050405020304" pitchFamily="18" charset="0"/>
                 <a:ea typeface="ＭＳ 明朝" panose="02020609040205080304" pitchFamily="17" charset="-128"/>
                 <a:cs typeface="Times New Roman" panose="02020603050405020304" pitchFamily="18" charset="0"/>
               </a:rPr>
               <a:t>- </a:t>
-            </a:r>
-            <a:r>
-              <a:rPr lang="ja-JP" altLang="ja-JP" sz="4000" dirty="0" smtClean="0">
-                <a:latin typeface="Times New Roman" panose="02020603050405020304" pitchFamily="18" charset="0"/>
-                <a:ea typeface="ＭＳ 明朝" panose="02020609040205080304" pitchFamily="17" charset="-128"/>
-                <a:cs typeface="Times New Roman" panose="02020603050405020304" pitchFamily="18" charset="0"/>
-              </a:rPr>
-              <a:t>高速</a:t>
             </a:r>
             <a:r>
               <a:rPr lang="ja-JP" altLang="ja-JP" sz="4000" dirty="0">
@@ -7217,7 +7029,7 @@
                 <a:ea typeface="ＭＳ 明朝" panose="02020609040205080304" pitchFamily="17" charset="-128"/>
                 <a:cs typeface="Times New Roman" panose="02020603050405020304" pitchFamily="18" charset="0"/>
               </a:rPr>
-              <a:t>な</a:t>
+              <a:t>高速な</a:t>
             </a:r>
             <a:r>
               <a:rPr lang="en-US" altLang="ja-JP" sz="4000" dirty="0">
@@ -7264,7 +7076,7 @@
               <a:buChar char="l"/>
             </a:pPr>
             <a:r>
-              <a:rPr lang="en-US" altLang="ja-JP" sz="4000" dirty="0" smtClean="0">
+              <a:rPr lang="en-US" altLang="ja-JP" sz="4000" dirty="0">
                 <a:latin typeface="Times New Roman" panose="02020603050405020304" pitchFamily="18" charset="0"/>
                 <a:ea typeface="ＭＳ 明朝" panose="02020609040205080304" pitchFamily="17" charset="-128"/>
                 <a:cs typeface="Times New Roman" panose="02020603050405020304" pitchFamily="18" charset="0"/>
@@ -7272,7 +7084,7 @@
               <a:t>Tie-Breaking </a:t>
             </a:r>
             <a:r>
-              <a:rPr lang="ja-JP" altLang="en-US" sz="4000" dirty="0" smtClean="0">
+              <a:rPr lang="ja-JP" altLang="en-US" sz="4000" dirty="0">
                 <a:latin typeface="Times New Roman" panose="02020603050405020304" pitchFamily="18" charset="0"/>
                 <a:ea typeface="ＭＳ 明朝" panose="02020609040205080304" pitchFamily="17" charset="-128"/>
                 <a:cs typeface="Times New Roman" panose="02020603050405020304" pitchFamily="18" charset="0"/>
@@ -7309,7 +7121,7 @@
               <a:buChar char="l"/>
             </a:pPr>
             <a:r>
-              <a:rPr lang="en-US" altLang="ja-JP" sz="4000" dirty="0" smtClean="0">
+              <a:rPr lang="en-US" altLang="ja-JP" sz="4000" dirty="0">
                 <a:latin typeface="Times New Roman" panose="02020603050405020304" pitchFamily="18" charset="0"/>
                 <a:ea typeface="ＭＳ 明朝" panose="02020609040205080304" pitchFamily="17" charset="-128"/>
                 <a:cs typeface="Times New Roman" panose="02020603050405020304" pitchFamily="18" charset="0"/>
@@ -7317,94 +7129,12 @@
               <a:t>Cover-heuristic </a:t>
             </a:r>
             <a:r>
-              <a:rPr lang="ja-JP" altLang="en-US" sz="4000" dirty="0" smtClean="0">
+              <a:rPr lang="ja-JP" altLang="en-US" sz="4000" dirty="0">
                 <a:latin typeface="Times New Roman" panose="02020603050405020304" pitchFamily="18" charset="0"/>
                 <a:ea typeface="ＭＳ 明朝" panose="02020609040205080304" pitchFamily="17" charset="-128"/>
                 <a:cs typeface="Times New Roman" panose="02020603050405020304" pitchFamily="18" charset="0"/>
               </a:rPr>
               <a:t>法</a:t>
-            </a:r>
-            <a:endParaRPr lang="ja-JP" altLang="en-US" sz="4000" dirty="0"/>
-          </a:p>
-        </p:txBody>
-      </p:sp>
-      <p:sp>
-        <p:nvSpPr>
-          <p:cNvPr id="134" name="正方形/長方形 133"/>
-          <p:cNvSpPr/>
-          <p:nvPr/>
-        </p:nvSpPr>
-        <p:spPr>
-          <a:xfrm>
-            <a:off x="16392937" y="28995096"/>
-            <a:ext cx="12447638" cy="707886"/>
-          </a:xfrm>
-          <a:prstGeom prst="rect">
-            <a:avLst/>
-          </a:prstGeom>
-        </p:spPr>
-        <p:txBody>
-          <a:bodyPr wrap="none">
-            <a:spAutoFit/>
-          </a:bodyPr>
-          <a:lstStyle/>
-          <a:p>
-            <a:pPr marL="571500" indent="-571500">
-              <a:buFont typeface="Wingdings" panose="05000000000000000000" pitchFamily="2" charset="2"/>
-              <a:buChar char="l"/>
-            </a:pPr>
-            <a:r>
-              <a:rPr lang="ja-JP" altLang="en-US" sz="4000" dirty="0" smtClean="0">
-                <a:latin typeface="Times New Roman" panose="02020603050405020304" pitchFamily="18" charset="0"/>
-                <a:ea typeface="ＭＳ 明朝" panose="02020609040205080304" pitchFamily="17" charset="-128"/>
-                <a:cs typeface="Times New Roman" panose="02020603050405020304" pitchFamily="18" charset="0"/>
-              </a:rPr>
-              <a:t>実験環境：</a:t>
-            </a:r>
-            <a:r>
-              <a:rPr lang="en-US" altLang="ja-JP" sz="4000" dirty="0" smtClean="0">
-                <a:latin typeface="Times New Roman" panose="02020603050405020304" pitchFamily="18" charset="0"/>
-                <a:ea typeface="ＭＳ 明朝" panose="02020609040205080304" pitchFamily="17" charset="-128"/>
-                <a:cs typeface="Times New Roman" panose="02020603050405020304" pitchFamily="18" charset="0"/>
-              </a:rPr>
-              <a:t>Ubuntu 16.04 Inter Core i7-4790 Python 2.7</a:t>
-            </a:r>
-            <a:endParaRPr lang="ja-JP" altLang="en-US" sz="4000" dirty="0"/>
-          </a:p>
-        </p:txBody>
-      </p:sp>
-      <p:sp>
-        <p:nvSpPr>
-          <p:cNvPr id="135" name="正方形/長方形 134"/>
-          <p:cNvSpPr/>
-          <p:nvPr/>
-        </p:nvSpPr>
-        <p:spPr>
-          <a:xfrm>
-            <a:off x="16392937" y="34556468"/>
-            <a:ext cx="6683240" cy="707886"/>
-          </a:xfrm>
-          <a:prstGeom prst="rect">
-            <a:avLst/>
-          </a:prstGeom>
-        </p:spPr>
-        <p:txBody>
-          <a:bodyPr wrap="none">
-            <a:spAutoFit/>
-          </a:bodyPr>
-          <a:lstStyle/>
-          <a:p>
-            <a:pPr marL="571500" indent="-571500">
-              <a:buFont typeface="Wingdings" panose="05000000000000000000" pitchFamily="2" charset="2"/>
-              <a:buChar char="l"/>
-            </a:pPr>
-            <a:r>
-              <a:rPr lang="ja-JP" altLang="en-US" sz="4000" dirty="0"/>
-              <a:t>提案</a:t>
-            </a:r>
-            <a:r>
-              <a:rPr lang="ja-JP" altLang="en-US" sz="4000" dirty="0" smtClean="0"/>
-              <a:t>手法の有効性を示した</a:t>
             </a:r>
             <a:endParaRPr lang="ja-JP" altLang="en-US" sz="4000" dirty="0"/>
           </a:p>
@@ -7436,7 +7166,7 @@
               <a:buChar char="l"/>
             </a:pPr>
             <a:r>
-              <a:rPr lang="ja-JP" altLang="en-US" sz="4000" dirty="0" smtClean="0">
+              <a:rPr lang="ja-JP" altLang="en-US" sz="4000" dirty="0">
                 <a:latin typeface="Times New Roman" panose="02020603050405020304" pitchFamily="18" charset="0"/>
                 <a:ea typeface="ＭＳ 明朝" panose="02020609040205080304" pitchFamily="17" charset="-128"/>
                 <a:cs typeface="Times New Roman" panose="02020603050405020304" pitchFamily="18" charset="0"/>
@@ -7545,14 +7275,524 @@
       </p:pic>
       <p:sp>
         <p:nvSpPr>
-          <p:cNvPr id="5" name="テキスト ボックス 4"/>
+          <p:cNvPr id="10" name="矩形 9"/>
+          <p:cNvSpPr/>
+          <p:nvPr/>
+        </p:nvSpPr>
+        <p:spPr>
+          <a:xfrm>
+            <a:off x="1793086" y="16787079"/>
+            <a:ext cx="12799945" cy="2554545"/>
+          </a:xfrm>
+          <a:prstGeom prst="rect">
+            <a:avLst/>
+          </a:prstGeom>
+        </p:spPr>
+        <p:txBody>
+          <a:bodyPr wrap="square">
+            <a:spAutoFit/>
+          </a:bodyPr>
+          <a:lstStyle/>
+          <a:p>
+            <a:r>
+              <a:rPr kumimoji="0" lang="ja-JP" altLang="en-US" sz="4000" dirty="0">
+                <a:solidFill>
+                  <a:srgbClr val="222222"/>
+                </a:solidFill>
+                <a:latin typeface="ＭＳ 明朝" panose="02020609040205080304" pitchFamily="17" charset="-128"/>
+                <a:ea typeface="ＭＳ 明朝" panose="02020609040205080304" pitchFamily="17" charset="-128"/>
+                <a:cs typeface="Arial" panose="020B0604020202020204" pitchFamily="34" charset="0"/>
+              </a:rPr>
+              <a:t>　</a:t>
+            </a:r>
+            <a:r>
+              <a:rPr kumimoji="0" lang="ja-JP" altLang="ja-JP" sz="4000" dirty="0">
+                <a:solidFill>
+                  <a:srgbClr val="222222"/>
+                </a:solidFill>
+                <a:latin typeface="ＭＳ 明朝" panose="02020609040205080304" pitchFamily="17" charset="-128"/>
+                <a:ea typeface="ＭＳ 明朝" panose="02020609040205080304" pitchFamily="17" charset="-128"/>
+                <a:cs typeface="Arial" panose="020B0604020202020204" pitchFamily="34" charset="0"/>
+              </a:rPr>
+              <a:t>ゲームやロボティクスにおける経路探索の一つの定式化された問題として、リアルタイムグリッド環境における単一移動目標を捕獲するマルチエージェントの問題がある。</a:t>
+            </a:r>
+            <a:endParaRPr lang="en-US" sz="4000" dirty="0"/>
+          </a:p>
+        </p:txBody>
+      </p:sp>
+      <p:sp>
+        <p:nvSpPr>
+          <p:cNvPr id="78" name="正方形/長方形 133"/>
+          <p:cNvSpPr/>
+          <p:nvPr/>
+        </p:nvSpPr>
+        <p:spPr>
+          <a:xfrm>
+            <a:off x="16465823" y="28978956"/>
+            <a:ext cx="12447638" cy="1938992"/>
+          </a:xfrm>
+          <a:prstGeom prst="rect">
+            <a:avLst/>
+          </a:prstGeom>
+        </p:spPr>
+        <p:txBody>
+          <a:bodyPr wrap="none">
+            <a:spAutoFit/>
+          </a:bodyPr>
+          <a:lstStyle/>
+          <a:p>
+            <a:pPr marL="571500" indent="-571500">
+              <a:lnSpc>
+                <a:spcPct val="150000"/>
+              </a:lnSpc>
+              <a:buFont typeface="Wingdings" panose="05000000000000000000" pitchFamily="2" charset="2"/>
+              <a:buChar char="l"/>
+            </a:pPr>
+            <a:r>
+              <a:rPr lang="en-US" altLang="ja-JP" sz="4000" dirty="0">
+                <a:latin typeface="Times New Roman" panose="02020603050405020304" pitchFamily="18" charset="0"/>
+                <a:ea typeface="ＭＳ 明朝" panose="02020609040205080304" pitchFamily="17" charset="-128"/>
+                <a:cs typeface="Times New Roman" panose="02020603050405020304" pitchFamily="18" charset="0"/>
+              </a:rPr>
+              <a:t>CH</a:t>
+            </a:r>
+            <a:r>
+              <a:rPr lang="ja-JP" altLang="en-US" sz="4000" dirty="0">
+                <a:latin typeface="Times New Roman" panose="02020603050405020304" pitchFamily="18" charset="0"/>
+                <a:ea typeface="ＭＳ 明朝" panose="02020609040205080304" pitchFamily="17" charset="-128"/>
+                <a:cs typeface="Times New Roman" panose="02020603050405020304" pitchFamily="18" charset="0"/>
+              </a:rPr>
+              <a:t>と提案手法の比較実験・提案手法と</a:t>
+            </a:r>
+            <a:r>
+              <a:rPr lang="en-US" altLang="ja-JP" sz="4000" dirty="0">
+                <a:latin typeface="Times New Roman" panose="02020603050405020304" pitchFamily="18" charset="0"/>
+                <a:ea typeface="ＭＳ 明朝" panose="02020609040205080304" pitchFamily="17" charset="-128"/>
+                <a:cs typeface="Times New Roman" panose="02020603050405020304" pitchFamily="18" charset="0"/>
+              </a:rPr>
+              <a:t>A star</a:t>
+            </a:r>
+            <a:r>
+              <a:rPr lang="ja-JP" altLang="en-US" sz="4000" dirty="0">
+                <a:latin typeface="Times New Roman" panose="02020603050405020304" pitchFamily="18" charset="0"/>
+                <a:ea typeface="ＭＳ 明朝" panose="02020609040205080304" pitchFamily="17" charset="-128"/>
+                <a:cs typeface="Times New Roman" panose="02020603050405020304" pitchFamily="18" charset="0"/>
+              </a:rPr>
+              <a:t>の比較</a:t>
+            </a:r>
+            <a:endParaRPr lang="en-US" altLang="ja-JP" sz="4000" dirty="0">
+              <a:latin typeface="Times New Roman" panose="02020603050405020304" pitchFamily="18" charset="0"/>
+              <a:ea typeface="ＭＳ 明朝" panose="02020609040205080304" pitchFamily="17" charset="-128"/>
+              <a:cs typeface="Times New Roman" panose="02020603050405020304" pitchFamily="18" charset="0"/>
+            </a:endParaRPr>
+          </a:p>
+          <a:p>
+            <a:pPr marL="571500" indent="-571500">
+              <a:lnSpc>
+                <a:spcPct val="150000"/>
+              </a:lnSpc>
+              <a:buFont typeface="Wingdings" panose="05000000000000000000" pitchFamily="2" charset="2"/>
+              <a:buChar char="l"/>
+            </a:pPr>
+            <a:r>
+              <a:rPr lang="ja-JP" altLang="en-US" sz="4000" dirty="0">
+                <a:latin typeface="Times New Roman" panose="02020603050405020304" pitchFamily="18" charset="0"/>
+                <a:ea typeface="ＭＳ 明朝" panose="02020609040205080304" pitchFamily="17" charset="-128"/>
+                <a:cs typeface="Times New Roman" panose="02020603050405020304" pitchFamily="18" charset="0"/>
+              </a:rPr>
+              <a:t>実験環境：</a:t>
+            </a:r>
+            <a:r>
+              <a:rPr lang="en-US" altLang="ja-JP" sz="4000" dirty="0">
+                <a:latin typeface="Times New Roman" panose="02020603050405020304" pitchFamily="18" charset="0"/>
+                <a:ea typeface="ＭＳ 明朝" panose="02020609040205080304" pitchFamily="17" charset="-128"/>
+                <a:cs typeface="Times New Roman" panose="02020603050405020304" pitchFamily="18" charset="0"/>
+              </a:rPr>
+              <a:t>Ubuntu 16.04 Inter Core i7-4790 Python 2.7</a:t>
+            </a:r>
+            <a:endParaRPr lang="ja-JP" altLang="en-US" sz="4000" dirty="0"/>
+          </a:p>
+        </p:txBody>
+      </p:sp>
+      <p:sp>
+        <p:nvSpPr>
+          <p:cNvPr id="79" name="正方形/長方形 133"/>
+          <p:cNvSpPr/>
+          <p:nvPr/>
+        </p:nvSpPr>
+        <p:spPr>
+          <a:xfrm>
+            <a:off x="16465823" y="37844111"/>
+            <a:ext cx="10083210" cy="3785652"/>
+          </a:xfrm>
+          <a:prstGeom prst="rect">
+            <a:avLst/>
+          </a:prstGeom>
+        </p:spPr>
+        <p:txBody>
+          <a:bodyPr wrap="none">
+            <a:spAutoFit/>
+          </a:bodyPr>
+          <a:lstStyle/>
+          <a:p>
+            <a:pPr marL="571500" indent="-571500">
+              <a:lnSpc>
+                <a:spcPct val="150000"/>
+              </a:lnSpc>
+              <a:buFont typeface="Wingdings" panose="05000000000000000000" pitchFamily="2" charset="2"/>
+              <a:buChar char="l"/>
+            </a:pPr>
+            <a:r>
+              <a:rPr lang="ja-JP" altLang="en-US" sz="4000" dirty="0">
+                <a:latin typeface="Times New Roman" panose="02020603050405020304" pitchFamily="18" charset="0"/>
+                <a:ea typeface="ＭＳ 明朝" panose="02020609040205080304" pitchFamily="17" charset="-128"/>
+                <a:cs typeface="Times New Roman" panose="02020603050405020304" pitchFamily="18" charset="0"/>
+              </a:rPr>
+              <a:t>より高速の手法</a:t>
+            </a:r>
+            <a:endParaRPr lang="en-US" altLang="ja-JP" sz="4000" dirty="0">
+              <a:latin typeface="Times New Roman" panose="02020603050405020304" pitchFamily="18" charset="0"/>
+              <a:ea typeface="ＭＳ 明朝" panose="02020609040205080304" pitchFamily="17" charset="-128"/>
+              <a:cs typeface="Times New Roman" panose="02020603050405020304" pitchFamily="18" charset="0"/>
+            </a:endParaRPr>
+          </a:p>
+          <a:p>
+            <a:pPr marL="571500" indent="-571500">
+              <a:lnSpc>
+                <a:spcPct val="150000"/>
+              </a:lnSpc>
+              <a:buFont typeface="Wingdings" panose="05000000000000000000" pitchFamily="2" charset="2"/>
+              <a:buChar char="l"/>
+            </a:pPr>
+            <a:r>
+              <a:rPr lang="en-US" altLang="ja-JP" sz="4000" dirty="0">
+                <a:latin typeface="Times New Roman" panose="02020603050405020304" pitchFamily="18" charset="0"/>
+                <a:ea typeface="ＭＳ 明朝" panose="02020609040205080304" pitchFamily="17" charset="-128"/>
+                <a:cs typeface="Times New Roman" panose="02020603050405020304" pitchFamily="18" charset="0"/>
+              </a:rPr>
+              <a:t>100x100</a:t>
+            </a:r>
+            <a:r>
+              <a:rPr lang="ja-JP" altLang="en-US" sz="4000" dirty="0">
+                <a:latin typeface="Times New Roman" panose="02020603050405020304" pitchFamily="18" charset="0"/>
+                <a:ea typeface="ＭＳ 明朝" panose="02020609040205080304" pitchFamily="17" charset="-128"/>
+                <a:cs typeface="Times New Roman" panose="02020603050405020304" pitchFamily="18" charset="0"/>
+              </a:rPr>
+              <a:t>以上のベンチマーク地図</a:t>
+            </a:r>
+            <a:endParaRPr lang="en-US" altLang="ja-JP" sz="4000" dirty="0">
+              <a:latin typeface="Times New Roman" panose="02020603050405020304" pitchFamily="18" charset="0"/>
+              <a:ea typeface="ＭＳ 明朝" panose="02020609040205080304" pitchFamily="17" charset="-128"/>
+              <a:cs typeface="Times New Roman" panose="02020603050405020304" pitchFamily="18" charset="0"/>
+            </a:endParaRPr>
+          </a:p>
+          <a:p>
+            <a:pPr marL="571500" indent="-571500">
+              <a:lnSpc>
+                <a:spcPct val="150000"/>
+              </a:lnSpc>
+              <a:buFont typeface="Wingdings" panose="05000000000000000000" pitchFamily="2" charset="2"/>
+              <a:buChar char="l"/>
+            </a:pPr>
+            <a:r>
+              <a:rPr lang="ja-JP" altLang="en-US" sz="4000" dirty="0">
+                <a:latin typeface="Times New Roman" panose="02020603050405020304" pitchFamily="18" charset="0"/>
+                <a:ea typeface="ＭＳ 明朝" panose="02020609040205080304" pitchFamily="17" charset="-128"/>
+                <a:cs typeface="Times New Roman" panose="02020603050405020304" pitchFamily="18" charset="0"/>
+              </a:rPr>
+              <a:t>抽象化 </a:t>
+            </a:r>
+            <a:r>
+              <a:rPr lang="en-US" altLang="ja-JP" sz="4000" dirty="0">
+                <a:latin typeface="Times New Roman" panose="02020603050405020304" pitchFamily="18" charset="0"/>
+                <a:ea typeface="ＭＳ 明朝" panose="02020609040205080304" pitchFamily="17" charset="-128"/>
+                <a:cs typeface="Times New Roman" panose="02020603050405020304" pitchFamily="18" charset="0"/>
+              </a:rPr>
+              <a:t>(Abstraction)</a:t>
+            </a:r>
+            <a:r>
+              <a:rPr lang="ja-JP" altLang="en-US" sz="4000" dirty="0">
+                <a:latin typeface="Times New Roman" panose="02020603050405020304" pitchFamily="18" charset="0"/>
+                <a:ea typeface="ＭＳ 明朝" panose="02020609040205080304" pitchFamily="17" charset="-128"/>
+                <a:cs typeface="Times New Roman" panose="02020603050405020304" pitchFamily="18" charset="0"/>
+              </a:rPr>
+              <a:t>と詳細化 </a:t>
+            </a:r>
+            <a:r>
+              <a:rPr lang="en-US" altLang="ja-JP" sz="4000" dirty="0">
+                <a:latin typeface="Times New Roman" panose="02020603050405020304" pitchFamily="18" charset="0"/>
+                <a:ea typeface="ＭＳ 明朝" panose="02020609040205080304" pitchFamily="17" charset="-128"/>
+                <a:cs typeface="Times New Roman" panose="02020603050405020304" pitchFamily="18" charset="0"/>
+              </a:rPr>
+              <a:t>(Refinement)</a:t>
+            </a:r>
+          </a:p>
+          <a:p>
+            <a:pPr marL="571500" indent="-571500">
+              <a:lnSpc>
+                <a:spcPct val="150000"/>
+              </a:lnSpc>
+              <a:buFont typeface="Wingdings" panose="05000000000000000000" pitchFamily="2" charset="2"/>
+              <a:buChar char="l"/>
+            </a:pPr>
+            <a:endParaRPr lang="ja-JP" altLang="en-US" sz="4000" dirty="0">
+              <a:latin typeface="Times New Roman" panose="02020603050405020304" pitchFamily="18" charset="0"/>
+              <a:ea typeface="ＭＳ 明朝" panose="02020609040205080304" pitchFamily="17" charset="-128"/>
+              <a:cs typeface="Times New Roman" panose="02020603050405020304" pitchFamily="18" charset="0"/>
+            </a:endParaRPr>
+          </a:p>
+        </p:txBody>
+      </p:sp>
+      <p:pic>
+        <p:nvPicPr>
+          <p:cNvPr id="80" name="図 76"/>
+          <p:cNvPicPr>
+            <a:picLocks noChangeAspect="1"/>
+          </p:cNvPicPr>
+          <p:nvPr/>
+        </p:nvPicPr>
+        <p:blipFill>
+          <a:blip r:embed="rId12"/>
+          <a:stretch>
+            <a:fillRect/>
+          </a:stretch>
+        </p:blipFill>
+        <p:spPr>
+          <a:xfrm>
+            <a:off x="23747328" y="21496474"/>
+            <a:ext cx="4100320" cy="4082257"/>
+          </a:xfrm>
+          <a:prstGeom prst="rect">
+            <a:avLst/>
+          </a:prstGeom>
+        </p:spPr>
+      </p:pic>
+      <p:sp>
+        <p:nvSpPr>
+          <p:cNvPr id="11" name="右箭头 10"/>
+          <p:cNvSpPr/>
+          <p:nvPr/>
+        </p:nvSpPr>
+        <p:spPr>
+          <a:xfrm>
+            <a:off x="21780415" y="23071647"/>
+            <a:ext cx="1496476" cy="944141"/>
+          </a:xfrm>
+          <a:prstGeom prst="rightArrow">
+            <a:avLst/>
+          </a:prstGeom>
+          <a:solidFill>
+            <a:schemeClr val="accent1">
+              <a:lumMod val="60000"/>
+              <a:lumOff val="40000"/>
+            </a:schemeClr>
+          </a:solidFill>
+          <a:ln>
+            <a:noFill/>
+          </a:ln>
+        </p:spPr>
+        <p:style>
+          <a:lnRef idx="2">
+            <a:schemeClr val="accent1">
+              <a:shade val="50000"/>
+            </a:schemeClr>
+          </a:lnRef>
+          <a:fillRef idx="1">
+            <a:schemeClr val="accent1"/>
+          </a:fillRef>
+          <a:effectRef idx="0">
+            <a:schemeClr val="accent1"/>
+          </a:effectRef>
+          <a:fontRef idx="minor">
+            <a:schemeClr val="lt1"/>
+          </a:fontRef>
+        </p:style>
+        <p:txBody>
+          <a:bodyPr rtlCol="0" anchor="ctr"/>
+          <a:lstStyle/>
+          <a:p>
+            <a:pPr algn="ctr"/>
+            <a:endParaRPr lang="en-US"/>
+          </a:p>
+        </p:txBody>
+      </p:sp>
+      <p:cxnSp>
+        <p:nvCxnSpPr>
+          <p:cNvPr id="23" name="肘形连接符 22"/>
+          <p:cNvCxnSpPr/>
+          <p:nvPr/>
+        </p:nvCxnSpPr>
+        <p:spPr>
+          <a:xfrm rot="5400000" flipH="1" flipV="1">
+            <a:off x="24303083" y="22217835"/>
+            <a:ext cx="2557987" cy="2446414"/>
+          </a:xfrm>
+          <a:prstGeom prst="bentConnector3">
+            <a:avLst>
+              <a:gd name="adj1" fmla="val 99584"/>
+            </a:avLst>
+          </a:prstGeom>
+          <a:ln w="76200">
+            <a:tailEnd type="triangle"/>
+          </a:ln>
+        </p:spPr>
+        <p:style>
+          <a:lnRef idx="1">
+            <a:schemeClr val="accent1"/>
+          </a:lnRef>
+          <a:fillRef idx="0">
+            <a:schemeClr val="accent1"/>
+          </a:fillRef>
+          <a:effectRef idx="0">
+            <a:schemeClr val="accent1"/>
+          </a:effectRef>
+          <a:fontRef idx="minor">
+            <a:schemeClr val="tx1"/>
+          </a:fontRef>
+        </p:style>
+      </p:cxnSp>
+      <p:cxnSp>
+        <p:nvCxnSpPr>
+          <p:cNvPr id="38" name="直接箭头连接符 37"/>
+          <p:cNvCxnSpPr/>
+          <p:nvPr/>
+        </p:nvCxnSpPr>
+        <p:spPr>
+          <a:xfrm flipV="1">
+            <a:off x="17732275" y="24004397"/>
+            <a:ext cx="0" cy="640225"/>
+          </a:xfrm>
+          <a:prstGeom prst="straightConnector1">
+            <a:avLst/>
+          </a:prstGeom>
+          <a:ln w="76200">
+            <a:tailEnd type="triangle"/>
+          </a:ln>
+        </p:spPr>
+        <p:style>
+          <a:lnRef idx="1">
+            <a:schemeClr val="accent1"/>
+          </a:lnRef>
+          <a:fillRef idx="0">
+            <a:schemeClr val="accent1"/>
+          </a:fillRef>
+          <a:effectRef idx="0">
+            <a:schemeClr val="accent1"/>
+          </a:effectRef>
+          <a:fontRef idx="minor">
+            <a:schemeClr val="tx1"/>
+          </a:fontRef>
+        </p:style>
+      </p:cxnSp>
+      <p:cxnSp>
+        <p:nvCxnSpPr>
+          <p:cNvPr id="44" name="直接箭头连接符 43"/>
+          <p:cNvCxnSpPr/>
+          <p:nvPr/>
+        </p:nvCxnSpPr>
+        <p:spPr>
+          <a:xfrm>
+            <a:off x="18020307" y="24904454"/>
+            <a:ext cx="765506" cy="0"/>
+          </a:xfrm>
+          <a:prstGeom prst="straightConnector1">
+            <a:avLst/>
+          </a:prstGeom>
+          <a:ln w="76200">
+            <a:tailEnd type="triangle"/>
+          </a:ln>
+        </p:spPr>
+        <p:style>
+          <a:lnRef idx="1">
+            <a:schemeClr val="accent1"/>
+          </a:lnRef>
+          <a:fillRef idx="0">
+            <a:schemeClr val="accent1"/>
+          </a:fillRef>
+          <a:effectRef idx="0">
+            <a:schemeClr val="accent1"/>
+          </a:effectRef>
+          <a:fontRef idx="minor">
+            <a:schemeClr val="tx1"/>
+          </a:fontRef>
+        </p:style>
+      </p:cxnSp>
+      <p:cxnSp>
+        <p:nvCxnSpPr>
+          <p:cNvPr id="47" name="直接箭头连接符 46"/>
+          <p:cNvCxnSpPr/>
+          <p:nvPr/>
+        </p:nvCxnSpPr>
+        <p:spPr>
+          <a:xfrm flipH="1">
+            <a:off x="16662370" y="24904454"/>
+            <a:ext cx="698183" cy="0"/>
+          </a:xfrm>
+          <a:prstGeom prst="straightConnector1">
+            <a:avLst/>
+          </a:prstGeom>
+          <a:ln w="76200">
+            <a:tailEnd type="triangle"/>
+          </a:ln>
+        </p:spPr>
+        <p:style>
+          <a:lnRef idx="1">
+            <a:schemeClr val="accent1"/>
+          </a:lnRef>
+          <a:fillRef idx="0">
+            <a:schemeClr val="accent1"/>
+          </a:fillRef>
+          <a:effectRef idx="0">
+            <a:schemeClr val="accent1"/>
+          </a:effectRef>
+          <a:fontRef idx="minor">
+            <a:schemeClr val="tx1"/>
+          </a:fontRef>
+        </p:style>
+      </p:cxnSp>
+      <p:cxnSp>
+        <p:nvCxnSpPr>
+          <p:cNvPr id="50" name="直接箭头连接符 49"/>
+          <p:cNvCxnSpPr/>
+          <p:nvPr/>
+        </p:nvCxnSpPr>
+        <p:spPr>
+          <a:xfrm>
+            <a:off x="17732275" y="25220686"/>
+            <a:ext cx="0" cy="720080"/>
+          </a:xfrm>
+          <a:prstGeom prst="straightConnector1">
+            <a:avLst/>
+          </a:prstGeom>
+          <a:ln w="76200">
+            <a:tailEnd type="triangle"/>
+          </a:ln>
+        </p:spPr>
+        <p:style>
+          <a:lnRef idx="1">
+            <a:schemeClr val="accent1"/>
+          </a:lnRef>
+          <a:fillRef idx="0">
+            <a:schemeClr val="accent1"/>
+          </a:fillRef>
+          <a:effectRef idx="0">
+            <a:schemeClr val="accent1"/>
+          </a:effectRef>
+          <a:fontRef idx="minor">
+            <a:schemeClr val="tx1"/>
+          </a:fontRef>
+        </p:style>
+      </p:cxnSp>
+      <p:sp>
+        <p:nvSpPr>
+          <p:cNvPr id="51" name="文本框 50"/>
           <p:cNvSpPr txBox="1"/>
           <p:nvPr/>
         </p:nvSpPr>
         <p:spPr>
           <a:xfrm>
-            <a:off x="21780415" y="21474510"/>
-            <a:ext cx="5559146" cy="1077218"/>
+            <a:off x="20939639" y="22336493"/>
+            <a:ext cx="2978231" cy="954107"/>
           </a:xfrm>
           <a:prstGeom prst="rect">
             <a:avLst/>
@@ -7565,23 +7805,27 @@
           </a:bodyPr>
           <a:lstStyle/>
           <a:p>
-            <a:r>
-              <a:rPr kumimoji="1" lang="en-US" altLang="ja-JP" sz="3200" dirty="0" smtClean="0"/>
-              <a:t>P2</a:t>
-            </a:r>
-            <a:r>
-              <a:rPr kumimoji="1" lang="ja-JP" altLang="en-US" sz="3200" dirty="0" smtClean="0"/>
-              <a:t>を</a:t>
-            </a:r>
-            <a:r>
-              <a:rPr kumimoji="1" lang="en-US" altLang="ja-JP" sz="3200" dirty="0" smtClean="0"/>
+            <a:pPr algn="ctr"/>
+            <a:r>
+              <a:rPr lang="en-US" sz="3200" b="1" dirty="0">
+                <a:solidFill>
+                  <a:srgbClr val="FF0000"/>
+                </a:solidFill>
+                <a:latin typeface="Times New Roman" panose="02020603050405020304" pitchFamily="18" charset="0"/>
+                <a:cs typeface="Times New Roman" panose="02020603050405020304" pitchFamily="18" charset="0"/>
+              </a:rPr>
               <a:t>A star</a:t>
             </a:r>
-            <a:r>
-              <a:rPr lang="ja-JP" altLang="en-US" sz="3200" dirty="0" smtClean="0"/>
-              <a:t>アルゴリズムで移動する</a:t>
-            </a:r>
-            <a:endParaRPr kumimoji="1" lang="ja-JP" altLang="en-US" sz="3200" dirty="0"/>
+          </a:p>
+          <a:p>
+            <a:pPr algn="ctr"/>
+            <a:r>
+              <a:rPr lang="en-US" sz="2400" dirty="0">
+                <a:latin typeface="Times New Roman" panose="02020603050405020304" pitchFamily="18" charset="0"/>
+                <a:cs typeface="Times New Roman" panose="02020603050405020304" pitchFamily="18" charset="0"/>
+              </a:rPr>
+              <a:t>Algorithm</a:t>
+            </a:r>
           </a:p>
         </p:txBody>
       </p:sp>
@@ -7590,13 +7834,6 @@
   <p:clrMapOvr>
     <a:masterClrMapping/>
   </p:clrMapOvr>
-  <p:timing>
-    <p:tnLst>
-      <p:par>
-        <p:cTn id="1" dur="indefinite" restart="never" nodeType="tmRoot"/>
-      </p:par>
-    </p:tnLst>
-  </p:timing>
 </p:sld>
 </file>
 
@@ -7663,7 +7900,7 @@
         </p:nvSpPr>
         <p:spPr bwMode="auto">
           <a:xfrm>
-            <a:off x="1980061" y="19316030"/>
+            <a:off x="500195" y="2643843"/>
             <a:ext cx="28299914" cy="14689632"/>
           </a:xfrm>
           <a:prstGeom prst="rect">
@@ -7702,7 +7939,7 @@
               <a:defRPr/>
             </a:pPr>
             <a:r>
-              <a:rPr lang="ja-JP" altLang="en-US" sz="4400" dirty="0" smtClean="0">
+              <a:rPr lang="ja-JP" altLang="en-US" sz="4400" dirty="0">
                 <a:solidFill>
                   <a:schemeClr val="tx1"/>
                 </a:solidFill>
@@ -7711,7 +7948,7 @@
               </a:rPr>
               <a:t>注意事項</a:t>
             </a:r>
-            <a:endParaRPr lang="en-US" altLang="ja-JP" sz="4400" dirty="0" smtClean="0">
+            <a:endParaRPr lang="en-US" altLang="ja-JP" sz="4400" dirty="0">
               <a:solidFill>
                 <a:schemeClr val="tx1"/>
               </a:solidFill>
@@ -7736,7 +7973,7 @@
               <a:defRPr/>
             </a:pPr>
             <a:r>
-              <a:rPr lang="ja-JP" altLang="en-US" sz="4400" dirty="0" smtClean="0">
+              <a:rPr lang="ja-JP" altLang="en-US" sz="4400" dirty="0">
                 <a:solidFill>
                   <a:schemeClr val="tx1"/>
                 </a:solidFill>
@@ -7746,7 +7983,7 @@
               <a:t>・</a:t>
             </a:r>
             <a:r>
-              <a:rPr lang="en-US" altLang="ja-JP" sz="4400" dirty="0" smtClean="0">
+              <a:rPr lang="en-US" altLang="ja-JP" sz="4400" dirty="0">
                 <a:solidFill>
                   <a:schemeClr val="tx1"/>
                 </a:solidFill>
@@ -7756,7 +7993,7 @@
               <a:t>A</a:t>
             </a:r>
             <a:r>
-              <a:rPr lang="ja-JP" altLang="en-US" sz="4400" dirty="0" smtClean="0">
+              <a:rPr lang="ja-JP" altLang="en-US" sz="4400" dirty="0">
                 <a:solidFill>
                   <a:schemeClr val="tx1"/>
                 </a:solidFill>
@@ -7765,7 +8002,7 @@
               </a:rPr>
               <a:t>０サイズです</a:t>
             </a:r>
-            <a:endParaRPr lang="en-US" altLang="ja-JP" sz="4400" dirty="0" smtClean="0">
+            <a:endParaRPr lang="en-US" altLang="ja-JP" sz="4400" dirty="0">
               <a:solidFill>
                 <a:schemeClr val="tx1"/>
               </a:solidFill>
@@ -7848,7 +8085,7 @@
               <a:t>MS</a:t>
             </a:r>
             <a:r>
-              <a:rPr lang="ja-JP" altLang="en-US" sz="4400" dirty="0" smtClean="0">
+              <a:rPr lang="ja-JP" altLang="en-US" sz="4400" dirty="0">
                 <a:solidFill>
                   <a:schemeClr val="tx1"/>
                 </a:solidFill>
@@ -7859,7 +8096,7 @@
               <a:t>ゴシック</a:t>
             </a:r>
             <a:r>
-              <a:rPr lang="ja-JP" altLang="en-US" sz="4400" dirty="0" smtClean="0">
+              <a:rPr lang="ja-JP" altLang="en-US" sz="4400" dirty="0">
                 <a:solidFill>
                   <a:schemeClr val="tx1"/>
                 </a:solidFill>
@@ -7869,7 +8106,7 @@
               <a:t>，</a:t>
             </a:r>
             <a:r>
-              <a:rPr lang="en-US" altLang="ja-JP" sz="4400" dirty="0" smtClean="0">
+              <a:rPr lang="en-US" altLang="ja-JP" sz="4400" dirty="0">
                 <a:solidFill>
                   <a:schemeClr val="tx1"/>
                 </a:solidFill>
@@ -7879,7 +8116,7 @@
               <a:t>MS</a:t>
             </a:r>
             <a:r>
-              <a:rPr lang="ja-JP" altLang="en-US" sz="4400" dirty="0" smtClean="0">
+              <a:rPr lang="ja-JP" altLang="en-US" sz="4400" dirty="0">
                 <a:solidFill>
                   <a:schemeClr val="tx1"/>
                 </a:solidFill>
@@ -7889,7 +8126,7 @@
               <a:t>明朝</a:t>
             </a:r>
             <a:r>
-              <a:rPr lang="ja-JP" altLang="en-US" sz="4400" dirty="0" smtClean="0">
+              <a:rPr lang="ja-JP" altLang="en-US" sz="4400" dirty="0">
                 <a:solidFill>
                   <a:schemeClr val="tx1"/>
                 </a:solidFill>
@@ -7897,10 +8134,10 @@
                 <a:latin typeface="ＭＳ ゴシック" pitchFamily="-110" charset="-128"/>
                 <a:ea typeface="ＭＳ ゴシック" pitchFamily="-110" charset="-128"/>
               </a:rPr>
-              <a:t>（</a:t>
-            </a:r>
-            <a:r>
-              <a:rPr lang="ja-JP" altLang="en-US" sz="4400" dirty="0">
+              <a:t>（等幅フォントを利用下さい）、英文：</a:t>
+            </a:r>
+            <a:r>
+              <a:rPr lang="en-US" altLang="ja-JP" sz="4400" dirty="0">
                 <a:solidFill>
                   <a:schemeClr val="tx1"/>
                 </a:solidFill>
@@ -7908,10 +8145,10 @@
                 <a:latin typeface="ＭＳ ゴシック" pitchFamily="-110" charset="-128"/>
                 <a:ea typeface="ＭＳ ゴシック" pitchFamily="-110" charset="-128"/>
               </a:rPr>
-              <a:t>等幅フォントを利用下さい）、英文：</a:t>
-            </a:r>
-            <a:r>
-              <a:rPr lang="en-US" altLang="ja-JP" sz="4400" dirty="0" smtClean="0">
+              <a:t>Arial</a:t>
+            </a:r>
+            <a:r>
+              <a:rPr lang="ja-JP" altLang="en-US" sz="4400" dirty="0" err="1">
                 <a:solidFill>
                   <a:schemeClr val="tx1"/>
                 </a:solidFill>
@@ -7919,10 +8156,10 @@
                 <a:latin typeface="ＭＳ ゴシック" pitchFamily="-110" charset="-128"/>
                 <a:ea typeface="ＭＳ ゴシック" pitchFamily="-110" charset="-128"/>
               </a:rPr>
-              <a:t>Arial</a:t>
-            </a:r>
-            <a:r>
-              <a:rPr lang="ja-JP" altLang="en-US" sz="4400" dirty="0" err="1" smtClean="0">
+              <a:t>，</a:t>
+            </a:r>
+            <a:r>
+              <a:rPr lang="en-US" altLang="ja-JP" sz="4400" dirty="0">
                 <a:solidFill>
                   <a:schemeClr val="tx1"/>
                 </a:solidFill>
@@ -7930,10 +8167,10 @@
                 <a:latin typeface="ＭＳ ゴシック" pitchFamily="-110" charset="-128"/>
                 <a:ea typeface="ＭＳ ゴシック" pitchFamily="-110" charset="-128"/>
               </a:rPr>
-              <a:t>，</a:t>
-            </a:r>
-            <a:r>
-              <a:rPr lang="en-US" altLang="ja-JP" sz="4400" dirty="0" smtClean="0">
+              <a:t>Times</a:t>
+            </a:r>
+            <a:r>
+              <a:rPr lang="ja-JP" altLang="en-US" sz="4400" dirty="0">
                 <a:solidFill>
                   <a:schemeClr val="tx1"/>
                 </a:solidFill>
@@ -7941,10 +8178,10 @@
                 <a:latin typeface="ＭＳ ゴシック" pitchFamily="-110" charset="-128"/>
                 <a:ea typeface="ＭＳ ゴシック" pitchFamily="-110" charset="-128"/>
               </a:rPr>
-              <a:t>Times</a:t>
-            </a:r>
-            <a:r>
-              <a:rPr lang="ja-JP" altLang="en-US" sz="4400" dirty="0" smtClean="0">
+              <a:t> </a:t>
+            </a:r>
+            <a:r>
+              <a:rPr lang="en-US" altLang="ja-JP" sz="4400" dirty="0">
                 <a:solidFill>
                   <a:schemeClr val="tx1"/>
                 </a:solidFill>
@@ -7952,10 +8189,10 @@
                 <a:latin typeface="ＭＳ ゴシック" pitchFamily="-110" charset="-128"/>
                 <a:ea typeface="ＭＳ ゴシック" pitchFamily="-110" charset="-128"/>
               </a:rPr>
-              <a:t> </a:t>
-            </a:r>
-            <a:r>
-              <a:rPr lang="en-US" altLang="ja-JP" sz="4400" dirty="0" smtClean="0">
+              <a:t>New</a:t>
+            </a:r>
+            <a:r>
+              <a:rPr lang="ja-JP" altLang="en-US" sz="4400" dirty="0">
                 <a:solidFill>
                   <a:schemeClr val="tx1"/>
                 </a:solidFill>
@@ -7963,10 +8200,10 @@
                 <a:latin typeface="ＭＳ ゴシック" pitchFamily="-110" charset="-128"/>
                 <a:ea typeface="ＭＳ ゴシック" pitchFamily="-110" charset="-128"/>
               </a:rPr>
-              <a:t>New</a:t>
-            </a:r>
-            <a:r>
-              <a:rPr lang="ja-JP" altLang="en-US" sz="4400" dirty="0" smtClean="0">
+              <a:t> </a:t>
+            </a:r>
+            <a:r>
+              <a:rPr lang="en-US" altLang="ja-JP" sz="4400" dirty="0">
                 <a:solidFill>
                   <a:schemeClr val="tx1"/>
                 </a:solidFill>
@@ -7974,31 +8211,20 @@
                 <a:latin typeface="ＭＳ ゴシック" pitchFamily="-110" charset="-128"/>
                 <a:ea typeface="ＭＳ ゴシック" pitchFamily="-110" charset="-128"/>
               </a:rPr>
-              <a:t> </a:t>
-            </a:r>
-            <a:r>
-              <a:rPr lang="en-US" altLang="ja-JP" sz="4400" dirty="0" smtClean="0">
+              <a:t>Roman</a:t>
+            </a:r>
+            <a:r>
+              <a:rPr lang="ja-JP" altLang="en-US" sz="4400" dirty="0" err="1">
                 <a:solidFill>
                   <a:schemeClr val="tx1"/>
                 </a:solidFill>
-                <a:effectLst/>
                 <a:latin typeface="ＭＳ ゴシック" pitchFamily="-110" charset="-128"/>
                 <a:ea typeface="ＭＳ ゴシック" pitchFamily="-110" charset="-128"/>
               </a:rPr>
-              <a:t>Roman</a:t>
-            </a:r>
-            <a:r>
-              <a:rPr lang="ja-JP" altLang="en-US" sz="4400" dirty="0" err="1" smtClean="0">
-                <a:solidFill>
-                  <a:schemeClr val="tx1"/>
-                </a:solidFill>
-                <a:latin typeface="ＭＳ ゴシック" pitchFamily="-110" charset="-128"/>
-                <a:ea typeface="ＭＳ ゴシック" pitchFamily="-110" charset="-128"/>
-              </a:rPr>
               <a:t>，</a:t>
             </a:r>
             <a:r>
-              <a:rPr lang="en-US" altLang="ja-JP" sz="4400" dirty="0" smtClean="0">
+              <a:rPr lang="en-US" altLang="ja-JP" sz="4400" dirty="0">
                 <a:solidFill>
                   <a:schemeClr val="tx1"/>
                 </a:solidFill>
@@ -8034,7 +8260,7 @@
               <a:defRPr/>
             </a:pPr>
             <a:r>
-              <a:rPr lang="ja-JP" altLang="en-US" sz="4400" dirty="0" smtClean="0">
+              <a:rPr lang="ja-JP" altLang="en-US" sz="4400" dirty="0">
                 <a:solidFill>
                   <a:schemeClr val="tx1"/>
                 </a:solidFill>
@@ -8044,7 +8270,7 @@
               </a:rPr>
               <a:t>・必要事項</a:t>
             </a:r>
-            <a:endParaRPr lang="en-US" altLang="ja-JP" sz="4400" dirty="0" smtClean="0">
+            <a:endParaRPr lang="en-US" altLang="ja-JP" sz="4400" dirty="0">
               <a:solidFill>
                 <a:schemeClr val="tx1"/>
               </a:solidFill>
@@ -8058,7 +8284,7 @@
               <a:defRPr/>
             </a:pPr>
             <a:r>
-              <a:rPr lang="ja-JP" altLang="en-US" sz="4400" dirty="0" smtClean="0">
+              <a:rPr lang="ja-JP" altLang="en-US" sz="4400" dirty="0">
                 <a:solidFill>
                   <a:schemeClr val="tx1"/>
                 </a:solidFill>
@@ -8068,7 +8294,7 @@
               </a:rPr>
               <a:t>　和文タイトル，英文タイトル，氏名，学年，学籍番号，指導教員，副指導教員，主指導教員に○をつける</a:t>
             </a:r>
-            <a:endParaRPr lang="en-US" altLang="ja-JP" sz="4400" dirty="0" smtClean="0">
+            <a:endParaRPr lang="en-US" altLang="ja-JP" sz="4400" dirty="0">
               <a:solidFill>
                 <a:schemeClr val="tx1"/>
               </a:solidFill>
@@ -8089,39 +8315,29 @@
                 <a:latin typeface="ＭＳ ゴシック" pitchFamily="-110" charset="-128"/>
                 <a:ea typeface="ＭＳ ゴシック" pitchFamily="-110" charset="-128"/>
               </a:rPr>
-              <a:t>　概要</a:t>
-            </a:r>
-            <a:r>
-              <a:rPr lang="ja-JP" altLang="en-US" sz="4400" dirty="0" smtClean="0">
+              <a:t>　概要を２００字もしくは１００</a:t>
+            </a:r>
+            <a:r>
+              <a:rPr lang="en-US" altLang="ja-JP" sz="4400" dirty="0">
                 <a:solidFill>
                   <a:schemeClr val="tx1"/>
                 </a:solidFill>
                 <a:latin typeface="ＭＳ ゴシック" pitchFamily="-110" charset="-128"/>
                 <a:ea typeface="ＭＳ ゴシック" pitchFamily="-110" charset="-128"/>
               </a:rPr>
-              <a:t>を２００字もしくは１００</a:t>
-            </a:r>
-            <a:r>
-              <a:rPr lang="en-US" altLang="ja-JP" sz="4400" dirty="0" smtClean="0">
+              <a:t>Word</a:t>
+            </a:r>
+            <a:r>
+              <a:rPr lang="ja-JP" altLang="en-US" sz="4400" dirty="0">
                 <a:solidFill>
                   <a:schemeClr val="tx1"/>
                 </a:solidFill>
                 <a:latin typeface="ＭＳ ゴシック" pitchFamily="-110" charset="-128"/>
                 <a:ea typeface="ＭＳ ゴシック" pitchFamily="-110" charset="-128"/>
               </a:rPr>
-              <a:t>Word</a:t>
-            </a:r>
-            <a:r>
-              <a:rPr lang="ja-JP" altLang="en-US" sz="4400" dirty="0" smtClean="0">
-                <a:solidFill>
-                  <a:schemeClr val="tx1"/>
-                </a:solidFill>
-                <a:latin typeface="ＭＳ ゴシック" pitchFamily="-110" charset="-128"/>
-                <a:ea typeface="ＭＳ ゴシック" pitchFamily="-110" charset="-128"/>
-              </a:rPr>
               <a:t>いれる</a:t>
             </a:r>
-            <a:endParaRPr lang="en-US" altLang="ja-JP" sz="4400" dirty="0" smtClean="0">
+            <a:endParaRPr lang="en-US" altLang="ja-JP" sz="4400" dirty="0">
               <a:solidFill>
                 <a:schemeClr val="tx1"/>
               </a:solidFill>
@@ -8146,7 +8362,7 @@
               <a:defRPr/>
             </a:pPr>
             <a:r>
-              <a:rPr lang="ja-JP" altLang="en-US" sz="4400" dirty="0" smtClean="0">
+              <a:rPr lang="ja-JP" altLang="en-US" sz="4400" dirty="0">
                 <a:solidFill>
                   <a:schemeClr val="tx1"/>
                 </a:solidFill>
@@ -8168,7 +8384,7 @@
               <a:defRPr/>
             </a:pPr>
             <a:r>
-              <a:rPr lang="ja-JP" altLang="en-US" sz="4400" dirty="0" smtClean="0">
+              <a:rPr lang="ja-JP" altLang="en-US" sz="4400" dirty="0">
                 <a:solidFill>
                   <a:schemeClr val="tx1"/>
                 </a:solidFill>
@@ -8178,7 +8394,7 @@
               <a:t>　本</a:t>
             </a:r>
             <a:r>
-              <a:rPr lang="en-US" altLang="ja-JP" sz="4400" dirty="0" err="1" smtClean="0">
+              <a:rPr lang="en-US" altLang="ja-JP" sz="4400" dirty="0" err="1">
                 <a:solidFill>
                   <a:schemeClr val="tx1"/>
                 </a:solidFill>
@@ -8188,7 +8404,7 @@
               <a:t>ppt</a:t>
             </a:r>
             <a:r>
-              <a:rPr lang="ja-JP" altLang="en-US" sz="4400" dirty="0" smtClean="0">
+              <a:rPr lang="ja-JP" altLang="en-US" sz="4400" dirty="0">
                 <a:solidFill>
                   <a:schemeClr val="tx1"/>
                 </a:solidFill>
@@ -8197,7 +8413,7 @@
               </a:rPr>
               <a:t>はテンプレートですが，デザイン等は自由に変更していただいてかまいません</a:t>
             </a:r>
-            <a:endParaRPr lang="en-US" altLang="ja-JP" sz="4400" dirty="0" smtClean="0">
+            <a:endParaRPr lang="en-US" altLang="ja-JP" sz="4400" dirty="0">
               <a:solidFill>
                 <a:schemeClr val="tx1"/>
               </a:solidFill>
@@ -8223,7 +8439,7 @@
               <a:defRPr/>
             </a:pPr>
             <a:r>
-              <a:rPr lang="ja-JP" altLang="en-US" sz="4400" dirty="0" smtClean="0">
+              <a:rPr lang="ja-JP" altLang="en-US" sz="4400" dirty="0">
                 <a:solidFill>
                   <a:schemeClr val="tx1"/>
                 </a:solidFill>
@@ -8233,30 +8449,18 @@
               <a:t>・ファイルサイズは</a:t>
             </a:r>
             <a:r>
-              <a:rPr lang="ja-JP" altLang="en-US" sz="4400" dirty="0" smtClean="0"/>
-              <a:t>最大</a:t>
-            </a:r>
-            <a:r>
               <a:rPr lang="ja-JP" altLang="en-US" sz="4400" dirty="0"/>
-              <a:t>でも</a:t>
-            </a:r>
-            <a:r>
-              <a:rPr lang="en-US" altLang="ja-JP" sz="4400" dirty="0" smtClean="0"/>
-              <a:t>50 M </a:t>
+              <a:t>最大でも</a:t>
             </a:r>
             <a:r>
               <a:rPr lang="en-US" altLang="ja-JP" sz="4400" dirty="0"/>
-              <a:t>Byte</a:t>
+              <a:t>50 M Byte</a:t>
             </a:r>
             <a:r>
               <a:rPr lang="ja-JP" altLang="en-US" sz="4400" dirty="0"/>
-              <a:t>として</a:t>
-            </a:r>
-            <a:r>
-              <a:rPr lang="ja-JP" altLang="en-US" sz="4400" dirty="0" smtClean="0"/>
-              <a:t>ください</a:t>
-            </a:r>
-            <a:endParaRPr lang="en-US" altLang="ja-JP" sz="4400" dirty="0" smtClean="0"/>
+              <a:t>としてください</a:t>
+            </a:r>
+            <a:endParaRPr lang="en-US" altLang="ja-JP" sz="4400" dirty="0"/>
           </a:p>
           <a:p>
             <a:pPr>
@@ -8269,7 +8473,7 @@
               <a:defRPr/>
             </a:pPr>
             <a:r>
-              <a:rPr lang="ja-JP" altLang="en-US" sz="4400" dirty="0" smtClean="0">
+              <a:rPr lang="ja-JP" altLang="en-US" sz="4400" dirty="0">
                 <a:solidFill>
                   <a:schemeClr val="tx1"/>
                 </a:solidFill>
@@ -8279,7 +8483,7 @@
               <a:t>・ファイル形式は　</a:t>
             </a:r>
             <a:r>
-              <a:rPr lang="en-US" altLang="ja-JP" sz="4400" dirty="0" smtClean="0">
+              <a:rPr lang="en-US" altLang="ja-JP" sz="4400" dirty="0">
                 <a:solidFill>
                   <a:schemeClr val="tx1"/>
                 </a:solidFill>
@@ -8289,7 +8493,7 @@
               <a:t>PDF</a:t>
             </a:r>
             <a:r>
-              <a:rPr lang="ja-JP" altLang="en-US" sz="4400" dirty="0" smtClean="0">
+              <a:rPr lang="ja-JP" altLang="en-US" sz="4400" dirty="0">
                 <a:solidFill>
                   <a:schemeClr val="tx1"/>
                 </a:solidFill>
@@ -8298,7 +8502,7 @@
               </a:rPr>
               <a:t>　です</a:t>
             </a:r>
-            <a:endParaRPr lang="en-US" altLang="ja-JP" sz="4400" dirty="0" smtClean="0">
+            <a:endParaRPr lang="en-US" altLang="ja-JP" sz="4400" dirty="0">
               <a:solidFill>
                 <a:schemeClr val="tx1"/>
               </a:solidFill>
@@ -8317,7 +8521,7 @@
               <a:defRPr/>
             </a:pPr>
             <a:r>
-              <a:rPr lang="ja-JP" altLang="en-US" sz="4400" dirty="0" smtClean="0">
+              <a:rPr lang="ja-JP" altLang="en-US" sz="4400" dirty="0">
                 <a:solidFill>
                   <a:schemeClr val="tx1"/>
                 </a:solidFill>
@@ -8327,16 +8531,12 @@
               <a:t>・</a:t>
             </a:r>
             <a:r>
-              <a:rPr lang="ja-JP" altLang="en-US" sz="4400" dirty="0" smtClean="0"/>
+              <a:rPr lang="ja-JP" altLang="en-US" sz="4400" dirty="0"/>
               <a:t>ファイル名は　</a:t>
             </a:r>
             <a:r>
-              <a:rPr lang="ja-JP" altLang="en-US" sz="4400" b="1" dirty="0" smtClean="0"/>
-              <a:t>学籍</a:t>
-            </a:r>
-            <a:r>
               <a:rPr lang="ja-JP" altLang="en-US" sz="4400" b="1" dirty="0"/>
-              <a:t>番号</a:t>
+              <a:t>学籍番号</a:t>
             </a:r>
             <a:r>
               <a:rPr lang="en-US" altLang="ja-JP" sz="4400" b="1" dirty="0"/>
@@ -8356,14 +8556,10 @@
             </a:r>
             <a:r>
               <a:rPr lang="en-US" altLang="ja-JP" sz="4400" b="1" dirty="0"/>
-              <a:t>.</a:t>
-            </a:r>
-            <a:r>
-              <a:rPr lang="en-US" altLang="ja-JP" sz="4400" b="1" dirty="0" smtClean="0"/>
-              <a:t>pdf</a:t>
-            </a:r>
-            <a:r>
-              <a:rPr lang="ja-JP" altLang="en-US" sz="4400" dirty="0" smtClean="0"/>
+              <a:t>.pdf</a:t>
+            </a:r>
+            <a:r>
+              <a:rPr lang="ja-JP" altLang="en-US" sz="4400" dirty="0"/>
               <a:t>　　としてください</a:t>
             </a:r>
             <a:endParaRPr lang="en-US" altLang="ja-JP" sz="4400" dirty="0"/>
@@ -8379,7 +8575,7 @@
               <a:defRPr/>
             </a:pPr>
             <a:r>
-              <a:rPr lang="ja-JP" altLang="en-US" sz="4400" dirty="0" smtClean="0">
+              <a:rPr lang="ja-JP" altLang="en-US" sz="4400" dirty="0">
                 <a:solidFill>
                   <a:schemeClr val="tx1"/>
                 </a:solidFill>
@@ -8415,13 +8611,6 @@
   <p:clrMapOvr>
     <a:masterClrMapping/>
   </p:clrMapOvr>
-  <p:timing>
-    <p:tnLst>
-      <p:par>
-        <p:cTn id="1" dur="indefinite" restart="never" nodeType="tmRoot"/>
-      </p:par>
-    </p:tnLst>
-  </p:timing>
 </p:sld>
 </file>
 

--- a/documents/iit_seminar_post.pptx
+++ b/documents/iit_seminar_post.pptx
@@ -209,7 +209,7 @@
             <a:fld id="{727405AF-720C-4B79-8C74-6C6B900453ED}" type="datetimeFigureOut">
               <a:rPr kumimoji="1" lang="ja-JP" altLang="en-US" smtClean="0"/>
               <a:pPr/>
-              <a:t>2017/2/8</a:t>
+              <a:t>2017/2/10</a:t>
             </a:fld>
             <a:endParaRPr kumimoji="1" lang="ja-JP" altLang="en-US"/>
           </a:p>
@@ -783,7 +783,7 @@
             <a:fld id="{A4072246-277B-466E-8589-483003FFAC07}" type="datetimeFigureOut">
               <a:rPr kumimoji="1" lang="ja-JP" altLang="en-US" smtClean="0"/>
               <a:pPr/>
-              <a:t>2017/2/8</a:t>
+              <a:t>2017/2/10</a:t>
             </a:fld>
             <a:endParaRPr kumimoji="1" lang="ja-JP" altLang="en-US"/>
           </a:p>
@@ -980,7 +980,7 @@
             <a:fld id="{A4072246-277B-466E-8589-483003FFAC07}" type="datetimeFigureOut">
               <a:rPr kumimoji="1" lang="ja-JP" altLang="en-US" smtClean="0"/>
               <a:pPr/>
-              <a:t>2017/2/8</a:t>
+              <a:t>2017/2/10</a:t>
             </a:fld>
             <a:endParaRPr kumimoji="1" lang="ja-JP" altLang="en-US"/>
           </a:p>
@@ -1187,7 +1187,7 @@
             <a:fld id="{A4072246-277B-466E-8589-483003FFAC07}" type="datetimeFigureOut">
               <a:rPr kumimoji="1" lang="ja-JP" altLang="en-US" smtClean="0"/>
               <a:pPr/>
-              <a:t>2017/2/8</a:t>
+              <a:t>2017/2/10</a:t>
             </a:fld>
             <a:endParaRPr kumimoji="1" lang="ja-JP" altLang="en-US"/>
           </a:p>
@@ -1384,7 +1384,7 @@
             <a:fld id="{A4072246-277B-466E-8589-483003FFAC07}" type="datetimeFigureOut">
               <a:rPr kumimoji="1" lang="ja-JP" altLang="en-US" smtClean="0"/>
               <a:pPr/>
-              <a:t>2017/2/8</a:t>
+              <a:t>2017/2/10</a:t>
             </a:fld>
             <a:endParaRPr kumimoji="1" lang="ja-JP" altLang="en-US"/>
           </a:p>
@@ -1626,7 +1626,7 @@
             <a:fld id="{A4072246-277B-466E-8589-483003FFAC07}" type="datetimeFigureOut">
               <a:rPr kumimoji="1" lang="ja-JP" altLang="en-US" smtClean="0"/>
               <a:pPr/>
-              <a:t>2017/2/8</a:t>
+              <a:t>2017/2/10</a:t>
             </a:fld>
             <a:endParaRPr kumimoji="1" lang="ja-JP" altLang="en-US"/>
           </a:p>
@@ -1972,7 +1972,7 @@
             <a:fld id="{A4072246-277B-466E-8589-483003FFAC07}" type="datetimeFigureOut">
               <a:rPr kumimoji="1" lang="ja-JP" altLang="en-US" smtClean="0"/>
               <a:pPr/>
-              <a:t>2017/2/8</a:t>
+              <a:t>2017/2/10</a:t>
             </a:fld>
             <a:endParaRPr kumimoji="1" lang="ja-JP" altLang="en-US"/>
           </a:p>
@@ -2457,7 +2457,7 @@
             <a:fld id="{A4072246-277B-466E-8589-483003FFAC07}" type="datetimeFigureOut">
               <a:rPr kumimoji="1" lang="ja-JP" altLang="en-US" smtClean="0"/>
               <a:pPr/>
-              <a:t>2017/2/8</a:t>
+              <a:t>2017/2/10</a:t>
             </a:fld>
             <a:endParaRPr kumimoji="1" lang="ja-JP" altLang="en-US"/>
           </a:p>
@@ -2571,7 +2571,7 @@
             <a:fld id="{A4072246-277B-466E-8589-483003FFAC07}" type="datetimeFigureOut">
               <a:rPr kumimoji="1" lang="ja-JP" altLang="en-US" smtClean="0"/>
               <a:pPr/>
-              <a:t>2017/2/8</a:t>
+              <a:t>2017/2/10</a:t>
             </a:fld>
             <a:endParaRPr kumimoji="1" lang="ja-JP" altLang="en-US"/>
           </a:p>
@@ -2663,7 +2663,7 @@
             <a:fld id="{A4072246-277B-466E-8589-483003FFAC07}" type="datetimeFigureOut">
               <a:rPr kumimoji="1" lang="ja-JP" altLang="en-US" smtClean="0"/>
               <a:pPr/>
-              <a:t>2017/2/8</a:t>
+              <a:t>2017/2/10</a:t>
             </a:fld>
             <a:endParaRPr kumimoji="1" lang="ja-JP" altLang="en-US"/>
           </a:p>
@@ -2967,7 +2967,7 @@
             <a:fld id="{A4072246-277B-466E-8589-483003FFAC07}" type="datetimeFigureOut">
               <a:rPr kumimoji="1" lang="ja-JP" altLang="en-US" smtClean="0"/>
               <a:pPr/>
-              <a:t>2017/2/8</a:t>
+              <a:t>2017/2/10</a:t>
             </a:fld>
             <a:endParaRPr kumimoji="1" lang="ja-JP" altLang="en-US"/>
           </a:p>
@@ -3216,7 +3216,7 @@
             <a:fld id="{A4072246-277B-466E-8589-483003FFAC07}" type="datetimeFigureOut">
               <a:rPr kumimoji="1" lang="ja-JP" altLang="en-US" smtClean="0"/>
               <a:pPr/>
-              <a:t>2017/2/8</a:t>
+              <a:t>2017/2/10</a:t>
             </a:fld>
             <a:endParaRPr kumimoji="1" lang="ja-JP" altLang="en-US"/>
           </a:p>
@@ -3456,7 +3456,7 @@
             <a:fld id="{A4072246-277B-466E-8589-483003FFAC07}" type="datetimeFigureOut">
               <a:rPr kumimoji="1" lang="ja-JP" altLang="en-US" smtClean="0"/>
               <a:pPr/>
-              <a:t>2017/2/8</a:t>
+              <a:t>2017/2/10</a:t>
             </a:fld>
             <a:endParaRPr kumimoji="1" lang="ja-JP" altLang="en-US"/>
           </a:p>
@@ -3868,7 +3868,7 @@
               </a:xfrm>
               <a:prstGeom prst="roundRect">
                 <a:avLst>
-                  <a:gd name="adj" fmla="val 8613"/>
+                  <a:gd name="adj" fmla="val 64"/>
                 </a:avLst>
               </a:prstGeom>
               <a:solidFill>
@@ -4114,7 +4114,7 @@
             </a:xfrm>
             <a:prstGeom prst="roundRect">
               <a:avLst>
-                <a:gd name="adj" fmla="val 31929"/>
+                <a:gd name="adj" fmla="val 4518"/>
               </a:avLst>
             </a:prstGeom>
             <a:solidFill>
@@ -4177,7 +4177,7 @@
             </a:xfrm>
             <a:prstGeom prst="roundRect">
               <a:avLst>
-                <a:gd name="adj" fmla="val 4233"/>
+                <a:gd name="adj" fmla="val 0"/>
               </a:avLst>
             </a:prstGeom>
             <a:solidFill>
@@ -4418,7 +4418,7 @@
         </p:nvGrpSpPr>
         <p:grpSpPr>
           <a:xfrm>
-            <a:off x="594371" y="21812262"/>
+            <a:off x="498172" y="21770834"/>
             <a:ext cx="13976598" cy="20182674"/>
             <a:chOff x="348671" y="3937942"/>
             <a:chExt cx="13976598" cy="20182674"/>
@@ -4437,7 +4437,7 @@
             </a:xfrm>
             <a:prstGeom prst="roundRect">
               <a:avLst>
-                <a:gd name="adj" fmla="val 4233"/>
+                <a:gd name="adj" fmla="val 0"/>
               </a:avLst>
             </a:prstGeom>
             <a:solidFill>
@@ -4697,7 +4697,7 @@
             </a:xfrm>
             <a:prstGeom prst="roundRect">
               <a:avLst>
-                <a:gd name="adj" fmla="val 8834"/>
+                <a:gd name="adj" fmla="val 399"/>
               </a:avLst>
             </a:prstGeom>
             <a:solidFill>
@@ -4957,7 +4957,7 @@
             </a:xfrm>
             <a:prstGeom prst="roundRect">
               <a:avLst>
-                <a:gd name="adj" fmla="val 13655"/>
+                <a:gd name="adj" fmla="val 159"/>
               </a:avLst>
             </a:prstGeom>
             <a:solidFill>
@@ -5616,8 +5616,8 @@
         </p:nvSpPr>
         <p:spPr bwMode="auto">
           <a:xfrm>
-            <a:off x="1057476" y="6955622"/>
-            <a:ext cx="28290723" cy="1631216"/>
+            <a:off x="1057476" y="6935878"/>
+            <a:ext cx="28290723" cy="1938992"/>
           </a:xfrm>
           <a:prstGeom prst="rect">
             <a:avLst/>
@@ -5792,22 +5792,6 @@
             </a:lvl9pPr>
           </a:lstStyle>
           <a:p>
-            <a:pPr marL="0" marR="0" lvl="0" indent="0" algn="l" defTabSz="914400" rtl="0" eaLnBrk="0" fontAlgn="base" latinLnBrk="0" hangingPunct="0">
-              <a:lnSpc>
-                <a:spcPct val="125000"/>
-              </a:lnSpc>
-              <a:spcBef>
-                <a:spcPct val="0"/>
-              </a:spcBef>
-              <a:spcAft>
-                <a:spcPct val="0"/>
-              </a:spcAft>
-              <a:buClrTx/>
-              <a:buSzTx/>
-              <a:buFontTx/>
-              <a:buNone/>
-              <a:tabLst/>
-            </a:pPr>
             <a:r>
               <a:rPr kumimoji="0" lang="ja-JP" altLang="en-US" sz="4000" b="0" i="0" u="none" strike="noStrike" cap="none" normalizeH="0" baseline="0" dirty="0">
                 <a:ln>
@@ -5824,7 +5808,7 @@
               <a:t>　</a:t>
             </a:r>
             <a:r>
-              <a:rPr kumimoji="0" lang="ja-JP" altLang="ja-JP" sz="4000" b="0" i="0" u="none" strike="noStrike" cap="none" normalizeH="0" baseline="0" dirty="0">
+              <a:rPr kumimoji="0" lang="ja-JP" altLang="ja-JP" sz="4000" b="0" i="0" u="none" strike="noStrike" cap="none" normalizeH="0" baseline="0" dirty="0" smtClean="0">
                 <a:ln>
                   <a:noFill/>
                 </a:ln>
@@ -5847,33 +5831,18 @@
                 <a:ea typeface="ＭＳ 明朝" panose="02020609040205080304" pitchFamily="17" charset="-128"/>
                 <a:cs typeface="Arial" panose="020B0604020202020204" pitchFamily="34" charset="0"/>
               </a:rPr>
-              <a:t>の</a:t>
-            </a:r>
-            <a:r>
-              <a:rPr kumimoji="0" lang="en-US" altLang="ja-JP" sz="4000" b="1" dirty="0">
+              <a:t>における</a:t>
+            </a:r>
+            <a:r>
+              <a:rPr kumimoji="0" lang="en-US" altLang="ja-JP" sz="4000" dirty="0">
                 <a:solidFill>
                   <a:srgbClr val="222222"/>
                 </a:solidFill>
-                <a:latin typeface="ＭＳ 明朝" panose="02020609040205080304" pitchFamily="17" charset="-128"/>
+                <a:latin typeface="Times New Roman" panose="02020603050405020304" pitchFamily="18" charset="0"/>
                 <a:ea typeface="ＭＳ 明朝" panose="02020609040205080304" pitchFamily="17" charset="-128"/>
-                <a:cs typeface="Arial" panose="020B0604020202020204" pitchFamily="34" charset="0"/>
+                <a:cs typeface="Times New Roman" panose="02020603050405020304" pitchFamily="18" charset="0"/>
               </a:rPr>
-              <a:t>Cover-heuristic</a:t>
-            </a:r>
-            <a:r>
-              <a:rPr kumimoji="0" lang="ja-JP" altLang="ja-JP" sz="4000" b="0" i="0" u="none" strike="noStrike" cap="none" normalizeH="0" baseline="0" dirty="0">
-                <a:ln>
-                  <a:noFill/>
-                </a:ln>
-                <a:solidFill>
-                  <a:srgbClr val="222222"/>
-                </a:solidFill>
-                <a:effectLst/>
-                <a:latin typeface="ＭＳ 明朝" panose="02020609040205080304" pitchFamily="17" charset="-128"/>
-                <a:ea typeface="ＭＳ 明朝" panose="02020609040205080304" pitchFamily="17" charset="-128"/>
-                <a:cs typeface="Arial" panose="020B0604020202020204" pitchFamily="34" charset="0"/>
-              </a:rPr>
-              <a:t>の考え方</a:t>
+              <a:t>Moving Target Search</a:t>
             </a:r>
             <a:r>
               <a:rPr kumimoji="0" lang="ja-JP" altLang="en-US" sz="4000" dirty="0">
@@ -5884,7 +5853,29 @@
                 <a:ea typeface="ＭＳ 明朝" panose="02020609040205080304" pitchFamily="17" charset="-128"/>
                 <a:cs typeface="Arial" panose="020B0604020202020204" pitchFamily="34" charset="0"/>
               </a:rPr>
-              <a:t>に関する計算量が多いと</a:t>
+              <a:t>問題（複数の追っ手による単一ターゲット捕獲）に対する</a:t>
+            </a:r>
+            <a:r>
+              <a:rPr kumimoji="0" lang="en-US" altLang="ja-JP" sz="4000" dirty="0">
+                <a:solidFill>
+                  <a:srgbClr val="222222"/>
+                </a:solidFill>
+                <a:latin typeface="Times New Roman" panose="02020603050405020304" pitchFamily="18" charset="0"/>
+                <a:ea typeface="ＭＳ 明朝" panose="02020609040205080304" pitchFamily="17" charset="-128"/>
+                <a:cs typeface="Times New Roman" panose="02020603050405020304" pitchFamily="18" charset="0"/>
+              </a:rPr>
+              <a:t>Cover-heuristic</a:t>
+            </a:r>
+            <a:r>
+              <a:rPr kumimoji="0" lang="ja-JP" altLang="en-US" sz="4000" dirty="0">
+                <a:solidFill>
+                  <a:srgbClr val="222222"/>
+                </a:solidFill>
+                <a:latin typeface="ＭＳ 明朝" panose="02020609040205080304" pitchFamily="17" charset="-128"/>
+                <a:ea typeface="ＭＳ 明朝" panose="02020609040205080304" pitchFamily="17" charset="-128"/>
+                <a:cs typeface="Arial" panose="020B0604020202020204" pitchFamily="34" charset="0"/>
+              </a:rPr>
+              <a:t>法の、</a:t>
             </a:r>
             <a:r>
               <a:rPr kumimoji="0" lang="en-US" altLang="ja-JP" sz="4000" dirty="0">
@@ -5895,7 +5886,18 @@
                 <a:ea typeface="ＭＳ 明朝" panose="02020609040205080304" pitchFamily="17" charset="-128"/>
                 <a:cs typeface="Arial" panose="020B0604020202020204" pitchFamily="34" charset="0"/>
               </a:rPr>
-              <a:t>Tie-Breaking</a:t>
+              <a:t>1) </a:t>
+            </a:r>
+            <a:r>
+              <a:rPr kumimoji="0" lang="ja-JP" altLang="en-US" sz="4000" dirty="0" smtClean="0">
+                <a:solidFill>
+                  <a:srgbClr val="222222"/>
+                </a:solidFill>
+                <a:latin typeface="ＭＳ 明朝" panose="02020609040205080304" pitchFamily="17" charset="-128"/>
+                <a:ea typeface="ＭＳ 明朝" panose="02020609040205080304" pitchFamily="17" charset="-128"/>
+                <a:cs typeface="Arial" panose="020B0604020202020204" pitchFamily="34" charset="0"/>
+              </a:rPr>
+              <a:t>計算量が多い点</a:t>
             </a:r>
             <a:r>
               <a:rPr kumimoji="0" lang="ja-JP" altLang="en-US" sz="4000" dirty="0">
@@ -5906,52 +5908,51 @@
                 <a:ea typeface="ＭＳ 明朝" panose="02020609040205080304" pitchFamily="17" charset="-128"/>
                 <a:cs typeface="Arial" panose="020B0604020202020204" pitchFamily="34" charset="0"/>
               </a:rPr>
-              <a:t>の問題を解決</a:t>
-            </a:r>
-            <a:r>
-              <a:rPr kumimoji="0" lang="ja-JP" altLang="ja-JP" sz="4000" b="0" i="0" u="none" strike="noStrike" cap="none" normalizeH="0" baseline="0" dirty="0">
-                <a:ln>
-                  <a:noFill/>
-                </a:ln>
+              <a:t>、</a:t>
+            </a:r>
+            <a:r>
+              <a:rPr kumimoji="0" lang="en-US" altLang="ja-JP" sz="4000" dirty="0" smtClean="0">
                 <a:solidFill>
                   <a:srgbClr val="222222"/>
                 </a:solidFill>
-                <a:effectLst/>
                 <a:latin typeface="ＭＳ 明朝" panose="02020609040205080304" pitchFamily="17" charset="-128"/>
                 <a:ea typeface="ＭＳ 明朝" panose="02020609040205080304" pitchFamily="17" charset="-128"/>
                 <a:cs typeface="Arial" panose="020B0604020202020204" pitchFamily="34" charset="0"/>
               </a:rPr>
-              <a:t>することにより、Pythonによる実装を行い、提案手法が従来手法に比べて有効であること</a:t>
-            </a:r>
-            <a:r>
-              <a:rPr kumimoji="0" lang="ja-JP" altLang="en-US" sz="4000" b="0" i="0" u="none" strike="noStrike" cap="none" normalizeH="0" baseline="0" dirty="0">
-                <a:ln>
-                  <a:noFill/>
-                </a:ln>
+              <a:t>2)</a:t>
+            </a:r>
+            <a:r>
+              <a:rPr kumimoji="0" lang="en-US" altLang="ja-JP" sz="4000" dirty="0" smtClean="0">
                 <a:solidFill>
                   <a:srgbClr val="222222"/>
                 </a:solidFill>
-                <a:effectLst/>
+                <a:latin typeface="Times New Roman" panose="02020603050405020304" pitchFamily="18" charset="0"/>
+                <a:ea typeface="ＭＳ 明朝" panose="02020609040205080304" pitchFamily="17" charset="-128"/>
+                <a:cs typeface="Times New Roman" panose="02020603050405020304" pitchFamily="18" charset="0"/>
+              </a:rPr>
+              <a:t>Tie-Breaking</a:t>
+            </a:r>
+            <a:r>
+              <a:rPr kumimoji="0" lang="ja-JP" altLang="en-US" sz="4000" dirty="0" smtClean="0">
+                <a:solidFill>
+                  <a:srgbClr val="222222"/>
+                </a:solidFill>
+                <a:latin typeface="Times New Roman" panose="02020603050405020304" pitchFamily="18" charset="0"/>
+                <a:ea typeface="ＭＳ 明朝" panose="02020609040205080304" pitchFamily="17" charset="-128"/>
+                <a:cs typeface="Times New Roman" panose="02020603050405020304" pitchFamily="18" charset="0"/>
+              </a:rPr>
+              <a:t>問題</a:t>
+            </a:r>
+            <a:r>
+              <a:rPr kumimoji="0" lang="ja-JP" altLang="en-US" sz="4000" dirty="0" smtClean="0">
+                <a:solidFill>
+                  <a:srgbClr val="222222"/>
+                </a:solidFill>
                 <a:latin typeface="ＭＳ 明朝" panose="02020609040205080304" pitchFamily="17" charset="-128"/>
                 <a:ea typeface="ＭＳ 明朝" panose="02020609040205080304" pitchFamily="17" charset="-128"/>
                 <a:cs typeface="Arial" panose="020B0604020202020204" pitchFamily="34" charset="0"/>
               </a:rPr>
-              <a:t>とリアルタイムの環境の実用性</a:t>
-            </a:r>
-            <a:r>
-              <a:rPr kumimoji="0" lang="ja-JP" altLang="ja-JP" sz="4000" b="0" i="0" u="none" strike="noStrike" cap="none" normalizeH="0" baseline="0" dirty="0">
-                <a:ln>
-                  <a:noFill/>
-                </a:ln>
-                <a:solidFill>
-                  <a:srgbClr val="222222"/>
-                </a:solidFill>
-                <a:effectLst/>
-                <a:latin typeface="ＭＳ 明朝" panose="02020609040205080304" pitchFamily="17" charset="-128"/>
-                <a:ea typeface="ＭＳ 明朝" panose="02020609040205080304" pitchFamily="17" charset="-128"/>
-                <a:cs typeface="Arial" panose="020B0604020202020204" pitchFamily="34" charset="0"/>
-              </a:rPr>
-              <a:t>を示す</a:t>
+              <a:t>発生</a:t>
             </a:r>
             <a:r>
               <a:rPr kumimoji="0" lang="ja-JP" altLang="en-US" sz="4000" dirty="0">
@@ -5962,19 +5963,30 @@
                 <a:ea typeface="ＭＳ 明朝" panose="02020609040205080304" pitchFamily="17" charset="-128"/>
                 <a:cs typeface="Arial" panose="020B0604020202020204" pitchFamily="34" charset="0"/>
               </a:rPr>
-              <a:t>。</a:t>
-            </a:r>
-            <a:endParaRPr kumimoji="0" lang="ja-JP" altLang="ja-JP" sz="7200" b="0" i="0" u="none" strike="noStrike" cap="none" normalizeH="0" baseline="0" dirty="0">
-              <a:ln>
-                <a:noFill/>
-              </a:ln>
-              <a:solidFill>
-                <a:schemeClr val="tx1"/>
-              </a:solidFill>
-              <a:effectLst/>
-              <a:latin typeface="ＭＳ 明朝" panose="02020609040205080304" pitchFamily="17" charset="-128"/>
-              <a:ea typeface="ＭＳ 明朝" panose="02020609040205080304" pitchFamily="17" charset="-128"/>
-            </a:endParaRPr>
+              <a:t>の点</a:t>
+            </a:r>
+            <a:r>
+              <a:rPr kumimoji="0" lang="ja-JP" altLang="en-US" sz="4000" dirty="0" smtClean="0">
+                <a:solidFill>
+                  <a:srgbClr val="222222"/>
+                </a:solidFill>
+                <a:latin typeface="ＭＳ 明朝" panose="02020609040205080304" pitchFamily="17" charset="-128"/>
+                <a:ea typeface="ＭＳ 明朝" panose="02020609040205080304" pitchFamily="17" charset="-128"/>
+                <a:cs typeface="Arial" panose="020B0604020202020204" pitchFamily="34" charset="0"/>
+              </a:rPr>
+              <a:t>を解決する提案手法を挙げ、</a:t>
+            </a:r>
+            <a:r>
+              <a:rPr kumimoji="0" lang="ja-JP" altLang="en-US" sz="4000" dirty="0">
+                <a:solidFill>
+                  <a:srgbClr val="222222"/>
+                </a:solidFill>
+                <a:latin typeface="ＭＳ 明朝" panose="02020609040205080304" pitchFamily="17" charset="-128"/>
+                <a:ea typeface="ＭＳ 明朝" panose="02020609040205080304" pitchFamily="17" charset="-128"/>
+                <a:cs typeface="Arial" panose="020B0604020202020204" pitchFamily="34" charset="0"/>
+              </a:rPr>
+              <a:t>その有効性をリアルタイム環境において示す。</a:t>
+            </a:r>
           </a:p>
         </p:txBody>
       </p:sp>
@@ -5987,14 +5999,14 @@
           <p:nvPr>
             <p:extLst>
               <p:ext uri="{D42A27DB-BD31-4B8C-83A1-F6EECF244321}">
-                <p14:modId xmlns:p14="http://schemas.microsoft.com/office/powerpoint/2010/main" val="1068989447"/>
+                <p14:modId xmlns:p14="http://schemas.microsoft.com/office/powerpoint/2010/main" val="493277890"/>
               </p:ext>
             </p:extLst>
           </p:nvPr>
         </p:nvGraphicFramePr>
         <p:xfrm>
-          <a:off x="17215444" y="26028066"/>
-          <a:ext cx="10956468" cy="3329812"/>
+          <a:off x="17191723" y="25774573"/>
+          <a:ext cx="10981712" cy="3925267"/>
         </p:xfrm>
         <a:graphic>
           <a:graphicData uri="http://schemas.openxmlformats.org/drawingml/2006/table">
@@ -6003,36 +6015,36 @@
                 <a:tableStyleId>{00A15C55-8517-42AA-B614-E9B94910E393}</a:tableStyleId>
               </a:tblPr>
               <a:tblGrid>
-                <a:gridCol w="2883281">
+                <a:gridCol w="2889924">
                   <a:extLst>
                     <a:ext uri="{9D8B030D-6E8A-4147-A177-3AD203B41FA5}">
-                      <a16:colId xmlns:a16="http://schemas.microsoft.com/office/drawing/2014/main" xmlns="" val="20000"/>
+                      <a16:colId xmlns="" xmlns:a16="http://schemas.microsoft.com/office/drawing/2014/main" val="20000"/>
                     </a:ext>
                   </a:extLst>
                 </a:gridCol>
-                <a:gridCol w="2871415">
+                <a:gridCol w="2211245">
                   <a:extLst>
                     <a:ext uri="{9D8B030D-6E8A-4147-A177-3AD203B41FA5}">
-                      <a16:colId xmlns:a16="http://schemas.microsoft.com/office/drawing/2014/main" xmlns="" val="20001"/>
+                      <a16:colId xmlns="" xmlns:a16="http://schemas.microsoft.com/office/drawing/2014/main" val="20001"/>
                     </a:ext>
                   </a:extLst>
                 </a:gridCol>
-                <a:gridCol w="2733778">
+                <a:gridCol w="2579255">
                   <a:extLst>
                     <a:ext uri="{9D8B030D-6E8A-4147-A177-3AD203B41FA5}">
-                      <a16:colId xmlns:a16="http://schemas.microsoft.com/office/drawing/2014/main" xmlns="" val="20002"/>
+                      <a16:colId xmlns="" xmlns:a16="http://schemas.microsoft.com/office/drawing/2014/main" val="20002"/>
                     </a:ext>
                   </a:extLst>
                 </a:gridCol>
-                <a:gridCol w="2467994">
+                <a:gridCol w="3301288">
                   <a:extLst>
                     <a:ext uri="{9D8B030D-6E8A-4147-A177-3AD203B41FA5}">
-                      <a16:colId xmlns:a16="http://schemas.microsoft.com/office/drawing/2014/main" xmlns="" val="20003"/>
+                      <a16:colId xmlns="" xmlns:a16="http://schemas.microsoft.com/office/drawing/2014/main" val="20003"/>
                     </a:ext>
                   </a:extLst>
                 </a:gridCol>
               </a:tblGrid>
-              <a:tr h="737114">
+              <a:tr h="868929">
                 <a:tc>
                   <a:txBody>
                     <a:bodyPr/>
@@ -6044,166 +6056,12 @@
                         </a:spcAft>
                       </a:pPr>
                       <a:r>
-                        <a:rPr lang="en-US" sz="2400" b="0" dirty="0">
+                        <a:rPr lang="en-US" sz="2800" b="0" dirty="0">
                           <a:effectLst/>
                         </a:rPr>
                         <a:t> </a:t>
                       </a:r>
-                      <a:endParaRPr lang="ja-JP" sz="2400" b="0" dirty="0">
-                        <a:effectLst/>
-                        <a:latin typeface="ＭＳ 明朝" panose="02020609040205080304" pitchFamily="17" charset="-128"/>
-                        <a:ea typeface="ＭＳ 明朝" panose="02020609040205080304" pitchFamily="17" charset="-128"/>
-                        <a:cs typeface="Times New Roman" panose="02020603050405020304" pitchFamily="18" charset="0"/>
-                      </a:endParaRPr>
-                    </a:p>
-                  </a:txBody>
-                  <a:tcPr marL="138890" marR="138890" marT="0" marB="0" anchor="ctr"/>
-                </a:tc>
-                <a:tc>
-                  <a:txBody>
-                    <a:bodyPr/>
-                    <a:lstStyle/>
-                    <a:p>
-                      <a:pPr algn="ctr" fontAlgn="auto">
-                        <a:spcAft>
-                          <a:spcPts val="0"/>
-                        </a:spcAft>
-                      </a:pPr>
-                      <a:r>
-                        <a:rPr lang="en-US" sz="2000" b="0" dirty="0">
-                          <a:effectLst/>
-                        </a:rPr>
-                        <a:t>CH</a:t>
-                      </a:r>
-                      <a:r>
-                        <a:rPr lang="ja-JP" sz="2000" b="0" dirty="0">
-                          <a:effectLst/>
-                        </a:rPr>
-                        <a:t>法</a:t>
-                      </a:r>
-                      <a:r>
-                        <a:rPr lang="en-US" sz="2000" b="0" dirty="0">
-                          <a:effectLst/>
-                        </a:rPr>
-                        <a:t>(s)</a:t>
-                      </a:r>
-                      <a:endParaRPr lang="ja-JP" sz="2000" b="0" dirty="0">
-                        <a:effectLst/>
-                        <a:latin typeface="ＭＳ 明朝" panose="02020609040205080304" pitchFamily="17" charset="-128"/>
-                        <a:ea typeface="ＭＳ 明朝" panose="02020609040205080304" pitchFamily="17" charset="-128"/>
-                        <a:cs typeface="Times New Roman" panose="02020603050405020304" pitchFamily="18" charset="0"/>
-                      </a:endParaRPr>
-                    </a:p>
-                  </a:txBody>
-                  <a:tcPr marL="138890" marR="138890" marT="0" marB="0" anchor="ctr"/>
-                </a:tc>
-                <a:tc>
-                  <a:txBody>
-                    <a:bodyPr/>
-                    <a:lstStyle/>
-                    <a:p>
-                      <a:pPr algn="ctr" fontAlgn="auto">
-                        <a:spcAft>
-                          <a:spcPts val="0"/>
-                        </a:spcAft>
-                      </a:pPr>
-                      <a:r>
-                        <a:rPr lang="ja-JP" sz="2000" b="0" dirty="0">
-                          <a:effectLst/>
-                        </a:rPr>
-                        <a:t>提案</a:t>
-                      </a:r>
-                      <a:r>
-                        <a:rPr lang="ja-JP" altLang="en-US" sz="2000" b="0" dirty="0">
-                          <a:effectLst/>
-                        </a:rPr>
-                        <a:t>手法</a:t>
-                      </a:r>
-                      <a:r>
-                        <a:rPr lang="en-US" sz="2000" b="0" dirty="0">
-                          <a:effectLst/>
-                        </a:rPr>
-                        <a:t>(s)</a:t>
-                      </a:r>
-                      <a:endParaRPr lang="ja-JP" sz="2000" b="0" dirty="0">
-                        <a:effectLst/>
-                        <a:latin typeface="ＭＳ 明朝" panose="02020609040205080304" pitchFamily="17" charset="-128"/>
-                        <a:ea typeface="ＭＳ 明朝" panose="02020609040205080304" pitchFamily="17" charset="-128"/>
-                        <a:cs typeface="Times New Roman" panose="02020603050405020304" pitchFamily="18" charset="0"/>
-                      </a:endParaRPr>
-                    </a:p>
-                  </a:txBody>
-                  <a:tcPr marL="138890" marR="138890" marT="0" marB="0" anchor="ctr"/>
-                </a:tc>
-                <a:tc>
-                  <a:txBody>
-                    <a:bodyPr/>
-                    <a:lstStyle/>
-                    <a:p>
-                      <a:pPr algn="ctr" fontAlgn="auto">
-                        <a:spcAft>
-                          <a:spcPts val="0"/>
-                        </a:spcAft>
-                      </a:pPr>
-                      <a:r>
-                        <a:rPr lang="ja-JP" sz="2000" b="0" dirty="0">
-                          <a:effectLst/>
-                        </a:rPr>
-                        <a:t>高速化の割合 </a:t>
-                      </a:r>
-                      <a:r>
-                        <a:rPr lang="en-US" sz="2000" b="0" dirty="0">
-                          <a:effectLst/>
-                        </a:rPr>
-                        <a:t>(%)</a:t>
-                      </a:r>
-                      <a:endParaRPr lang="ja-JP" sz="2000" b="0" dirty="0">
-                        <a:effectLst/>
-                        <a:latin typeface="ＭＳ 明朝" panose="02020609040205080304" pitchFamily="17" charset="-128"/>
-                        <a:ea typeface="ＭＳ 明朝" panose="02020609040205080304" pitchFamily="17" charset="-128"/>
-                        <a:cs typeface="Times New Roman" panose="02020603050405020304" pitchFamily="18" charset="0"/>
-                      </a:endParaRPr>
-                    </a:p>
-                  </a:txBody>
-                  <a:tcPr marL="138890" marR="138890" marT="0" marB="0" anchor="ctr"/>
-                </a:tc>
-                <a:extLst>
-                  <a:ext uri="{0D108BD9-81ED-4DB2-BD59-A6C34878D82A}">
-                    <a16:rowId xmlns:a16="http://schemas.microsoft.com/office/drawing/2014/main" xmlns="" val="10000"/>
-                  </a:ext>
-                </a:extLst>
-              </a:tr>
-              <a:tr h="882521">
-                <a:tc>
-                  <a:txBody>
-                    <a:bodyPr/>
-                    <a:lstStyle/>
-                    <a:p>
-                      <a:pPr algn="ctr" fontAlgn="auto">
-                        <a:spcAft>
-                          <a:spcPts val="0"/>
-                        </a:spcAft>
-                      </a:pPr>
-                      <a:r>
-                        <a:rPr lang="en-US" sz="2000" b="0" dirty="0">
-                          <a:effectLst/>
-                        </a:rPr>
-                        <a:t>Vacancy map </a:t>
-                      </a:r>
-                    </a:p>
-                    <a:p>
-                      <a:pPr algn="ctr" fontAlgn="auto">
-                        <a:spcAft>
-                          <a:spcPts val="0"/>
-                        </a:spcAft>
-                      </a:pPr>
-                      <a:r>
-                        <a:rPr lang="en-US" sz="2000" b="0" dirty="0">
-                          <a:effectLst/>
-                        </a:rPr>
-                        <a:t>(10x10)</a:t>
-                      </a:r>
-                      <a:endParaRPr lang="ja-JP" sz="2000" b="0" dirty="0">
+                      <a:endParaRPr lang="ja-JP" sz="2800" b="0" dirty="0">
                         <a:effectLst/>
                         <a:latin typeface="ＭＳ 明朝" panose="02020609040205080304" pitchFamily="17" charset="-128"/>
                         <a:ea typeface="ＭＳ 明朝" panose="02020609040205080304" pitchFamily="17" charset="-128"/>
@@ -6227,7 +6085,19 @@
                         <a:rPr lang="en-US" sz="2400" b="0" dirty="0">
                           <a:effectLst/>
                         </a:rPr>
-                        <a:t>0.000513</a:t>
+                        <a:t>CH</a:t>
+                      </a:r>
+                      <a:r>
+                        <a:rPr lang="ja-JP" sz="2400" b="0" dirty="0">
+                          <a:effectLst/>
+                        </a:rPr>
+                        <a:t>法</a:t>
+                      </a:r>
+                      <a:r>
+                        <a:rPr lang="en-US" sz="2400" b="0" dirty="0">
+                          <a:effectLst/>
+                        </a:rPr>
+                        <a:t>(s)</a:t>
                       </a:r>
                       <a:endParaRPr lang="ja-JP" sz="2400" b="0" dirty="0">
                         <a:effectLst/>
@@ -6250,10 +6120,22 @@
                         </a:spcAft>
                       </a:pPr>
                       <a:r>
+                        <a:rPr lang="ja-JP" sz="2400" b="0" dirty="0">
+                          <a:effectLst/>
+                        </a:rPr>
+                        <a:t>提案</a:t>
+                      </a:r>
+                      <a:r>
+                        <a:rPr lang="ja-JP" altLang="en-US" sz="2400" b="0" dirty="0">
+                          <a:effectLst/>
+                        </a:rPr>
+                        <a:t>手法</a:t>
+                      </a:r>
+                      <a:r>
                         <a:rPr lang="en-US" sz="2400" b="0" dirty="0">
                           <a:effectLst/>
                         </a:rPr>
-                        <a:t>0.000471</a:t>
+                        <a:t>(s)</a:t>
                       </a:r>
                       <a:endParaRPr lang="ja-JP" sz="2400" b="0" dirty="0">
                         <a:effectLst/>
@@ -6276,18 +6158,18 @@
                         </a:spcAft>
                       </a:pPr>
                       <a:r>
-                        <a:rPr lang="en-US" sz="2400" b="0" dirty="0">
-                          <a:solidFill>
-                            <a:srgbClr val="FF0000"/>
-                          </a:solidFill>
+                        <a:rPr lang="ja-JP" sz="2400" b="0" dirty="0">
                           <a:effectLst/>
                         </a:rPr>
-                        <a:t>8.054%</a:t>
+                        <a:t>高速化の割合 </a:t>
+                      </a:r>
+                      <a:r>
+                        <a:rPr lang="en-US" sz="2400" b="0" dirty="0">
+                          <a:effectLst/>
+                        </a:rPr>
+                        <a:t>(%)</a:t>
                       </a:r>
                       <a:endParaRPr lang="ja-JP" sz="2400" b="0" dirty="0">
-                        <a:solidFill>
-                          <a:srgbClr val="FF0000"/>
-                        </a:solidFill>
                         <a:effectLst/>
                         <a:latin typeface="ＭＳ 明朝" panose="02020609040205080304" pitchFamily="17" charset="-128"/>
                         <a:ea typeface="ＭＳ 明朝" panose="02020609040205080304" pitchFamily="17" charset="-128"/>
@@ -6299,50 +6181,11 @@
                 </a:tc>
                 <a:extLst>
                   <a:ext uri="{0D108BD9-81ED-4DB2-BD59-A6C34878D82A}">
-                    <a16:rowId xmlns:a16="http://schemas.microsoft.com/office/drawing/2014/main" xmlns="" val="10001"/>
+                    <a16:rowId xmlns="" xmlns:a16="http://schemas.microsoft.com/office/drawing/2014/main" val="10000"/>
                   </a:ext>
                 </a:extLst>
               </a:tr>
-              <a:tr h="882521">
-                <a:tc>
-                  <a:txBody>
-                    <a:bodyPr/>
-                    <a:lstStyle/>
-                    <a:p>
-                      <a:pPr algn="ctr" fontAlgn="auto">
-                        <a:spcAft>
-                          <a:spcPts val="0"/>
-                        </a:spcAft>
-                      </a:pPr>
-                      <a:r>
-                        <a:rPr lang="en-US" sz="2000" b="0" dirty="0">
-                          <a:effectLst/>
-                        </a:rPr>
-                        <a:t>Homemade map </a:t>
-                      </a:r>
-                    </a:p>
-                    <a:p>
-                      <a:pPr algn="ctr" fontAlgn="auto">
-                        <a:spcAft>
-                          <a:spcPts val="0"/>
-                        </a:spcAft>
-                      </a:pPr>
-                      <a:r>
-                        <a:rPr lang="en-US" sz="2000" b="0" dirty="0">
-                          <a:effectLst/>
-                        </a:rPr>
-                        <a:t>(12x10)</a:t>
-                      </a:r>
-                      <a:endParaRPr lang="ja-JP" sz="2000" b="0" dirty="0">
-                        <a:effectLst/>
-                        <a:latin typeface="ＭＳ 明朝" panose="02020609040205080304" pitchFamily="17" charset="-128"/>
-                        <a:ea typeface="ＭＳ 明朝" panose="02020609040205080304" pitchFamily="17" charset="-128"/>
-                        <a:cs typeface="Times New Roman" panose="02020603050405020304" pitchFamily="18" charset="0"/>
-                      </a:endParaRPr>
-                    </a:p>
-                  </a:txBody>
-                  <a:tcPr marL="138890" marR="138890" marT="0" marB="0" anchor="ctr"/>
-                </a:tc>
+              <a:tr h="1040338">
                 <a:tc>
                   <a:txBody>
                     <a:bodyPr/>
@@ -6357,7 +6200,20 @@
                         <a:rPr lang="en-US" sz="2400" b="0" dirty="0">
                           <a:effectLst/>
                         </a:rPr>
-                        <a:t>0.000331</a:t>
+                        <a:t>Vacancy map </a:t>
+                      </a:r>
+                    </a:p>
+                    <a:p>
+                      <a:pPr algn="ctr" fontAlgn="auto">
+                        <a:spcAft>
+                          <a:spcPts val="0"/>
+                        </a:spcAft>
+                      </a:pPr>
+                      <a:r>
+                        <a:rPr lang="en-US" sz="2400" b="0" dirty="0">
+                          <a:effectLst/>
+                        </a:rPr>
+                        <a:t>(10x10)</a:t>
                       </a:r>
                       <a:endParaRPr lang="ja-JP" sz="2400" b="0" dirty="0">
                         <a:effectLst/>
@@ -6380,10 +6236,114 @@
                         </a:spcAft>
                       </a:pPr>
                       <a:r>
+                        <a:rPr lang="en-US" sz="2800" b="0" dirty="0">
+                          <a:effectLst/>
+                        </a:rPr>
+                        <a:t>0.000513</a:t>
+                      </a:r>
+                      <a:endParaRPr lang="ja-JP" sz="2800" b="0" dirty="0">
+                        <a:effectLst/>
+                        <a:latin typeface="ＭＳ 明朝" panose="02020609040205080304" pitchFamily="17" charset="-128"/>
+                        <a:ea typeface="ＭＳ 明朝" panose="02020609040205080304" pitchFamily="17" charset="-128"/>
+                        <a:cs typeface="Times New Roman" panose="02020603050405020304" pitchFamily="18" charset="0"/>
+                      </a:endParaRPr>
+                    </a:p>
+                  </a:txBody>
+                  <a:tcPr marL="138890" marR="138890" marT="0" marB="0" anchor="ctr"/>
+                </a:tc>
+                <a:tc>
+                  <a:txBody>
+                    <a:bodyPr/>
+                    <a:lstStyle/>
+                    <a:p>
+                      <a:pPr algn="ctr" fontAlgn="auto">
+                        <a:spcAft>
+                          <a:spcPts val="0"/>
+                        </a:spcAft>
+                      </a:pPr>
+                      <a:r>
+                        <a:rPr lang="en-US" sz="2800" b="0" dirty="0">
+                          <a:effectLst/>
+                        </a:rPr>
+                        <a:t>0.000471</a:t>
+                      </a:r>
+                      <a:endParaRPr lang="ja-JP" sz="2800" b="0" dirty="0">
+                        <a:effectLst/>
+                        <a:latin typeface="ＭＳ 明朝" panose="02020609040205080304" pitchFamily="17" charset="-128"/>
+                        <a:ea typeface="ＭＳ 明朝" panose="02020609040205080304" pitchFamily="17" charset="-128"/>
+                        <a:cs typeface="Times New Roman" panose="02020603050405020304" pitchFamily="18" charset="0"/>
+                      </a:endParaRPr>
+                    </a:p>
+                  </a:txBody>
+                  <a:tcPr marL="138890" marR="138890" marT="0" marB="0" anchor="ctr"/>
+                </a:tc>
+                <a:tc>
+                  <a:txBody>
+                    <a:bodyPr/>
+                    <a:lstStyle/>
+                    <a:p>
+                      <a:pPr algn="ctr" fontAlgn="auto">
+                        <a:spcAft>
+                          <a:spcPts val="0"/>
+                        </a:spcAft>
+                      </a:pPr>
+                      <a:r>
+                        <a:rPr lang="en-US" sz="2800" b="0" dirty="0">
+                          <a:solidFill>
+                            <a:srgbClr val="FF0000"/>
+                          </a:solidFill>
+                          <a:effectLst/>
+                        </a:rPr>
+                        <a:t>8.054%</a:t>
+                      </a:r>
+                      <a:endParaRPr lang="ja-JP" sz="2800" b="0" dirty="0">
+                        <a:solidFill>
+                          <a:srgbClr val="FF0000"/>
+                        </a:solidFill>
+                        <a:effectLst/>
+                        <a:latin typeface="ＭＳ 明朝" panose="02020609040205080304" pitchFamily="17" charset="-128"/>
+                        <a:ea typeface="ＭＳ 明朝" panose="02020609040205080304" pitchFamily="17" charset="-128"/>
+                        <a:cs typeface="Times New Roman" panose="02020603050405020304" pitchFamily="18" charset="0"/>
+                      </a:endParaRPr>
+                    </a:p>
+                  </a:txBody>
+                  <a:tcPr marL="138890" marR="138890" marT="0" marB="0" anchor="ctr"/>
+                </a:tc>
+                <a:extLst>
+                  <a:ext uri="{0D108BD9-81ED-4DB2-BD59-A6C34878D82A}">
+                    <a16:rowId xmlns="" xmlns:a16="http://schemas.microsoft.com/office/drawing/2014/main" val="10001"/>
+                  </a:ext>
+                </a:extLst>
+              </a:tr>
+              <a:tr h="1040338">
+                <a:tc>
+                  <a:txBody>
+                    <a:bodyPr/>
+                    <a:lstStyle/>
+                    <a:p>
+                      <a:pPr algn="ctr" fontAlgn="auto">
+                        <a:spcAft>
+                          <a:spcPts val="0"/>
+                        </a:spcAft>
+                      </a:pPr>
+                      <a:r>
                         <a:rPr lang="en-US" sz="2400" b="0" dirty="0">
                           <a:effectLst/>
                         </a:rPr>
-                        <a:t>0.000324</a:t>
+                        <a:t>Homemade map </a:t>
+                      </a:r>
+                    </a:p>
+                    <a:p>
+                      <a:pPr algn="ctr" fontAlgn="auto">
+                        <a:spcAft>
+                          <a:spcPts val="0"/>
+                        </a:spcAft>
+                      </a:pPr>
+                      <a:r>
+                        <a:rPr lang="en-US" sz="2400" b="0" dirty="0">
+                          <a:effectLst/>
+                        </a:rPr>
+                        <a:t>(12x10)</a:t>
                       </a:r>
                       <a:endParaRPr lang="ja-JP" sz="2400" b="0" dirty="0">
                         <a:effectLst/>
@@ -6406,67 +6366,12 @@
                         </a:spcAft>
                       </a:pPr>
                       <a:r>
-                        <a:rPr lang="en-US" sz="2400" b="0" dirty="0">
-                          <a:solidFill>
-                            <a:srgbClr val="FF0000"/>
-                          </a:solidFill>
+                        <a:rPr lang="en-US" sz="2800" b="0" dirty="0">
                           <a:effectLst/>
                         </a:rPr>
-                        <a:t>2.264%</a:t>
+                        <a:t>0.000331</a:t>
                       </a:r>
-                      <a:endParaRPr lang="ja-JP" sz="2400" b="0" dirty="0">
-                        <a:solidFill>
-                          <a:srgbClr val="FF0000"/>
-                        </a:solidFill>
-                        <a:effectLst/>
-                        <a:latin typeface="ＭＳ 明朝" panose="02020609040205080304" pitchFamily="17" charset="-128"/>
-                        <a:ea typeface="ＭＳ 明朝" panose="02020609040205080304" pitchFamily="17" charset="-128"/>
-                        <a:cs typeface="Times New Roman" panose="02020603050405020304" pitchFamily="18" charset="0"/>
-                      </a:endParaRPr>
-                    </a:p>
-                  </a:txBody>
-                  <a:tcPr marL="138890" marR="138890" marT="0" marB="0" anchor="ctr"/>
-                </a:tc>
-                <a:extLst>
-                  <a:ext uri="{0D108BD9-81ED-4DB2-BD59-A6C34878D82A}">
-                    <a16:rowId xmlns:a16="http://schemas.microsoft.com/office/drawing/2014/main" xmlns="" val="10002"/>
-                  </a:ext>
-                </a:extLst>
-              </a:tr>
-              <a:tr h="827656">
-                <a:tc>
-                  <a:txBody>
-                    <a:bodyPr/>
-                    <a:lstStyle/>
-                    <a:p>
-                      <a:pPr algn="ctr" fontAlgn="auto">
-                        <a:spcAft>
-                          <a:spcPts val="0"/>
-                        </a:spcAft>
-                      </a:pPr>
-                      <a:r>
-                        <a:rPr lang="en-US" sz="2000" b="0" dirty="0">
-                          <a:effectLst/>
-                        </a:rPr>
-                        <a:t>Maze map</a:t>
-                      </a:r>
-                      <a:endParaRPr lang="ja-JP" sz="2000" b="0" dirty="0">
-                        <a:effectLst/>
-                      </a:endParaRPr>
-                    </a:p>
-                    <a:p>
-                      <a:pPr algn="ctr" fontAlgn="auto">
-                        <a:spcAft>
-                          <a:spcPts val="0"/>
-                        </a:spcAft>
-                      </a:pPr>
-                      <a:r>
-                        <a:rPr lang="en-US" sz="2000" b="0" dirty="0">
-                          <a:effectLst/>
-                        </a:rPr>
-                        <a:t>(40x40)</a:t>
-                      </a:r>
-                      <a:endParaRPr lang="ja-JP" sz="2000" b="0" dirty="0">
+                      <a:endParaRPr lang="ja-JP" sz="2800" b="0" dirty="0">
                         <a:effectLst/>
                         <a:latin typeface="ＭＳ 明朝" panose="02020609040205080304" pitchFamily="17" charset="-128"/>
                         <a:ea typeface="ＭＳ 明朝" panose="02020609040205080304" pitchFamily="17" charset="-128"/>
@@ -6487,10 +6392,91 @@
                         </a:spcAft>
                       </a:pPr>
                       <a:r>
+                        <a:rPr lang="en-US" sz="2800" b="0" dirty="0">
+                          <a:effectLst/>
+                        </a:rPr>
+                        <a:t>0.000324</a:t>
+                      </a:r>
+                      <a:endParaRPr lang="ja-JP" sz="2800" b="0" dirty="0">
+                        <a:effectLst/>
+                        <a:latin typeface="ＭＳ 明朝" panose="02020609040205080304" pitchFamily="17" charset="-128"/>
+                        <a:ea typeface="ＭＳ 明朝" panose="02020609040205080304" pitchFamily="17" charset="-128"/>
+                        <a:cs typeface="Times New Roman" panose="02020603050405020304" pitchFamily="18" charset="0"/>
+                      </a:endParaRPr>
+                    </a:p>
+                  </a:txBody>
+                  <a:tcPr marL="138890" marR="138890" marT="0" marB="0" anchor="ctr"/>
+                </a:tc>
+                <a:tc>
+                  <a:txBody>
+                    <a:bodyPr/>
+                    <a:lstStyle/>
+                    <a:p>
+                      <a:pPr algn="ctr" fontAlgn="auto">
+                        <a:spcAft>
+                          <a:spcPts val="0"/>
+                        </a:spcAft>
+                      </a:pPr>
+                      <a:r>
+                        <a:rPr lang="en-US" sz="2800" b="0" dirty="0">
+                          <a:solidFill>
+                            <a:srgbClr val="FF0000"/>
+                          </a:solidFill>
+                          <a:effectLst/>
+                        </a:rPr>
+                        <a:t>2.264%</a:t>
+                      </a:r>
+                      <a:endParaRPr lang="ja-JP" sz="2800" b="0" dirty="0">
+                        <a:solidFill>
+                          <a:srgbClr val="FF0000"/>
+                        </a:solidFill>
+                        <a:effectLst/>
+                        <a:latin typeface="ＭＳ 明朝" panose="02020609040205080304" pitchFamily="17" charset="-128"/>
+                        <a:ea typeface="ＭＳ 明朝" panose="02020609040205080304" pitchFamily="17" charset="-128"/>
+                        <a:cs typeface="Times New Roman" panose="02020603050405020304" pitchFamily="18" charset="0"/>
+                      </a:endParaRPr>
+                    </a:p>
+                  </a:txBody>
+                  <a:tcPr marL="138890" marR="138890" marT="0" marB="0" anchor="ctr"/>
+                </a:tc>
+                <a:extLst>
+                  <a:ext uri="{0D108BD9-81ED-4DB2-BD59-A6C34878D82A}">
+                    <a16:rowId xmlns="" xmlns:a16="http://schemas.microsoft.com/office/drawing/2014/main" val="10002"/>
+                  </a:ext>
+                </a:extLst>
+              </a:tr>
+              <a:tr h="975662">
+                <a:tc>
+                  <a:txBody>
+                    <a:bodyPr/>
+                    <a:lstStyle/>
+                    <a:p>
+                      <a:pPr algn="ctr" fontAlgn="auto">
+                        <a:spcAft>
+                          <a:spcPts val="0"/>
+                        </a:spcAft>
+                      </a:pPr>
+                      <a:r>
                         <a:rPr lang="en-US" sz="2400" b="0" dirty="0">
                           <a:effectLst/>
                         </a:rPr>
-                        <a:t>0.004877</a:t>
+                        <a:t>Maze map</a:t>
+                      </a:r>
+                      <a:endParaRPr lang="ja-JP" sz="2400" b="0" dirty="0">
+                        <a:effectLst/>
+                      </a:endParaRPr>
+                    </a:p>
+                    <a:p>
+                      <a:pPr algn="ctr" fontAlgn="auto">
+                        <a:spcAft>
+                          <a:spcPts val="0"/>
+                        </a:spcAft>
+                      </a:pPr>
+                      <a:r>
+                        <a:rPr lang="en-US" sz="2400" b="0" dirty="0">
+                          <a:effectLst/>
+                        </a:rPr>
+                        <a:t>(40x40)</a:t>
                       </a:r>
                       <a:endParaRPr lang="ja-JP" sz="2400" b="0" dirty="0">
                         <a:effectLst/>
@@ -6513,12 +6499,12 @@
                         </a:spcAft>
                       </a:pPr>
                       <a:r>
-                        <a:rPr lang="en-US" sz="2400" b="0" dirty="0">
+                        <a:rPr lang="en-US" sz="2800" b="0" dirty="0">
                           <a:effectLst/>
                         </a:rPr>
-                        <a:t>0.004751</a:t>
+                        <a:t>0.004877</a:t>
                       </a:r>
-                      <a:endParaRPr lang="ja-JP" sz="2400" b="0" dirty="0">
+                      <a:endParaRPr lang="ja-JP" sz="2800" b="0" dirty="0">
                         <a:effectLst/>
                         <a:latin typeface="ＭＳ 明朝" panose="02020609040205080304" pitchFamily="17" charset="-128"/>
                         <a:ea typeface="ＭＳ 明朝" panose="02020609040205080304" pitchFamily="17" charset="-128"/>
@@ -6539,7 +6525,33 @@
                         </a:spcAft>
                       </a:pPr>
                       <a:r>
-                        <a:rPr lang="en-US" sz="2400" b="0" dirty="0">
+                        <a:rPr lang="en-US" sz="2800" b="0" dirty="0">
+                          <a:effectLst/>
+                        </a:rPr>
+                        <a:t>0.004751</a:t>
+                      </a:r>
+                      <a:endParaRPr lang="ja-JP" sz="2800" b="0" dirty="0">
+                        <a:effectLst/>
+                        <a:latin typeface="ＭＳ 明朝" panose="02020609040205080304" pitchFamily="17" charset="-128"/>
+                        <a:ea typeface="ＭＳ 明朝" panose="02020609040205080304" pitchFamily="17" charset="-128"/>
+                        <a:cs typeface="Times New Roman" panose="02020603050405020304" pitchFamily="18" charset="0"/>
+                      </a:endParaRPr>
+                    </a:p>
+                  </a:txBody>
+                  <a:tcPr marL="138890" marR="138890" marT="0" marB="0" anchor="ctr"/>
+                </a:tc>
+                <a:tc>
+                  <a:txBody>
+                    <a:bodyPr/>
+                    <a:lstStyle/>
+                    <a:p>
+                      <a:pPr algn="ctr" fontAlgn="auto">
+                        <a:spcAft>
+                          <a:spcPts val="0"/>
+                        </a:spcAft>
+                      </a:pPr>
+                      <a:r>
+                        <a:rPr lang="en-US" sz="2800" b="0" dirty="0">
                           <a:solidFill>
                             <a:srgbClr val="FF0000"/>
                           </a:solidFill>
@@ -6547,7 +6559,7 @@
                         </a:rPr>
                         <a:t>2.586%</a:t>
                       </a:r>
-                      <a:endParaRPr lang="ja-JP" sz="2400" b="0" dirty="0">
+                      <a:endParaRPr lang="ja-JP" sz="2800" b="0" dirty="0">
                         <a:solidFill>
                           <a:srgbClr val="FF0000"/>
                         </a:solidFill>
@@ -6562,7 +6574,7 @@
                 </a:tc>
                 <a:extLst>
                   <a:ext uri="{0D108BD9-81ED-4DB2-BD59-A6C34878D82A}">
-                    <a16:rowId xmlns:a16="http://schemas.microsoft.com/office/drawing/2014/main" xmlns="" val="10003"/>
+                    <a16:rowId xmlns="" xmlns:a16="http://schemas.microsoft.com/office/drawing/2014/main" val="10003"/>
                   </a:ext>
                 </a:extLst>
               </a:tr>
@@ -6586,8 +6598,8 @@
         </p:blipFill>
         <p:spPr>
           <a:xfrm>
-            <a:off x="18948810" y="29946242"/>
-            <a:ext cx="7913567" cy="5255934"/>
+            <a:off x="18392691" y="29837389"/>
+            <a:ext cx="8454286" cy="5615062"/>
           </a:xfrm>
           <a:prstGeom prst="rect">
             <a:avLst/>
@@ -6602,7 +6614,7 @@
         </p:nvSpPr>
         <p:spPr>
           <a:xfrm>
-            <a:off x="20790853" y="25508904"/>
+            <a:off x="20567838" y="25191069"/>
             <a:ext cx="4229482" cy="461665"/>
           </a:xfrm>
           <a:prstGeom prst="rect">
@@ -6634,39 +6646,6 @@
               <a:latin typeface="メイリオ" panose="020B0604030504040204" pitchFamily="50" charset="-128"/>
               <a:ea typeface="メイリオ" panose="020B0604030504040204" pitchFamily="50" charset="-128"/>
             </a:endParaRPr>
-          </a:p>
-        </p:txBody>
-      </p:sp>
-      <p:sp>
-        <p:nvSpPr>
-          <p:cNvPr id="132" name="正方形/長方形 131"/>
-          <p:cNvSpPr/>
-          <p:nvPr/>
-        </p:nvSpPr>
-        <p:spPr>
-          <a:xfrm>
-            <a:off x="9961600" y="40952401"/>
-            <a:ext cx="3521092" cy="707886"/>
-          </a:xfrm>
-          <a:prstGeom prst="rect">
-            <a:avLst/>
-          </a:prstGeom>
-        </p:spPr>
-        <p:txBody>
-          <a:bodyPr wrap="none">
-            <a:spAutoFit/>
-          </a:bodyPr>
-          <a:lstStyle/>
-          <a:p>
-            <a:r>
-              <a:rPr lang="en-US" altLang="ja-JP" sz="4000" dirty="0" smtClean="0">
-                <a:latin typeface="Times New Roman" panose="02020603050405020304" pitchFamily="18" charset="0"/>
-                <a:ea typeface="ＭＳ 明朝" panose="02020609040205080304" pitchFamily="17" charset="-128"/>
-                <a:cs typeface="Times New Roman" panose="02020603050405020304" pitchFamily="18" charset="0"/>
-              </a:rPr>
-              <a:t>A star algorithm</a:t>
-            </a:r>
-            <a:endParaRPr lang="ja-JP" altLang="en-US" sz="4000" dirty="0"/>
           </a:p>
         </p:txBody>
       </p:sp>
@@ -7036,6 +7015,17 @@
           <a:lstStyle/>
           <a:p>
             <a:r>
+              <a:rPr kumimoji="0" lang="ja-JP" altLang="en-US" sz="4800" dirty="0" smtClean="0">
+                <a:solidFill>
+                  <a:srgbClr val="222222"/>
+                </a:solidFill>
+                <a:latin typeface="ＭＳ 明朝" panose="02020609040205080304" pitchFamily="17" charset="-128"/>
+                <a:ea typeface="ＭＳ 明朝" panose="02020609040205080304" pitchFamily="17" charset="-128"/>
+                <a:cs typeface="Arial" panose="020B0604020202020204" pitchFamily="34" charset="0"/>
+              </a:rPr>
+              <a:t>狼</a:t>
+            </a:r>
+            <a:r>
               <a:rPr kumimoji="0" lang="ja-JP" altLang="en-US" sz="4800" dirty="0">
                 <a:solidFill>
                   <a:srgbClr val="222222"/>
@@ -7044,7 +7034,7 @@
                 <a:ea typeface="ＭＳ 明朝" panose="02020609040205080304" pitchFamily="17" charset="-128"/>
                 <a:cs typeface="Arial" panose="020B0604020202020204" pitchFamily="34" charset="0"/>
               </a:rPr>
-              <a:t>狼と獲物</a:t>
+              <a:t>と獲物</a:t>
             </a:r>
             <a:endParaRPr lang="en-US" sz="4800" dirty="0"/>
           </a:p>
@@ -7072,11 +7062,18 @@
           <a:lstStyle/>
           <a:p>
             <a:r>
+              <a:rPr lang="en-US" sz="4800" dirty="0" smtClean="0">
+                <a:latin typeface="Times New Roman" panose="02020603050405020304" pitchFamily="18" charset="0"/>
+                <a:cs typeface="Times New Roman" panose="02020603050405020304" pitchFamily="18" charset="0"/>
+              </a:rPr>
+              <a:t>Warcraft </a:t>
+            </a:r>
+            <a:r>
               <a:rPr lang="en-US" sz="4800" dirty="0">
                 <a:latin typeface="Times New Roman" panose="02020603050405020304" pitchFamily="18" charset="0"/>
                 <a:cs typeface="Times New Roman" panose="02020603050405020304" pitchFamily="18" charset="0"/>
               </a:rPr>
-              <a:t>Warcraft 3</a:t>
+              <a:t>3</a:t>
             </a:r>
           </a:p>
         </p:txBody>
@@ -7103,12 +7100,16 @@
           <a:lstStyle/>
           <a:p>
             <a:r>
-              <a:rPr lang="en-US" sz="4800" dirty="0">
+              <a:rPr lang="en-US" sz="4800" dirty="0" smtClean="0">
                 <a:latin typeface="Times New Roman" panose="02020603050405020304" pitchFamily="18" charset="0"/>
                 <a:cs typeface="Times New Roman" panose="02020603050405020304" pitchFamily="18" charset="0"/>
               </a:rPr>
               <a:t>Pacman</a:t>
             </a:r>
+            <a:endParaRPr lang="en-US" sz="4800" dirty="0">
+              <a:latin typeface="Times New Roman" panose="02020603050405020304" pitchFamily="18" charset="0"/>
+              <a:cs typeface="Times New Roman" panose="02020603050405020304" pitchFamily="18" charset="0"/>
+            </a:endParaRPr>
           </a:p>
         </p:txBody>
       </p:sp>
@@ -7120,8 +7121,8 @@
         </p:nvSpPr>
         <p:spPr>
           <a:xfrm>
-            <a:off x="1386459" y="20229258"/>
-            <a:ext cx="12858135" cy="830997"/>
+            <a:off x="1081463" y="20252027"/>
+            <a:ext cx="23319204" cy="769441"/>
           </a:xfrm>
           <a:prstGeom prst="rect">
             <a:avLst/>
@@ -7135,152 +7136,37 @@
           <a:p>
             <a:pPr algn="ctr"/>
             <a:r>
-              <a:rPr lang="en-US" sz="4800" b="1" dirty="0">
+              <a:rPr lang="ja-JP" altLang="en-US" sz="4400" dirty="0">
                 <a:latin typeface="Times New Roman" panose="02020603050405020304" pitchFamily="18" charset="0"/>
+                <a:ea typeface="ＭＳ 明朝" panose="02020609040205080304" pitchFamily="17" charset="-128"/>
                 <a:cs typeface="Times New Roman" panose="02020603050405020304" pitchFamily="18" charset="0"/>
               </a:rPr>
-              <a:t>Keywords</a:t>
-            </a:r>
-            <a:r>
-              <a:rPr lang="en-US" sz="4800" dirty="0">
+              <a:t>研究</a:t>
+            </a:r>
+            <a:r>
+              <a:rPr lang="ja-JP" altLang="en-US" sz="4400" dirty="0">
                 <a:latin typeface="Times New Roman" panose="02020603050405020304" pitchFamily="18" charset="0"/>
+                <a:ea typeface="ＭＳ 明朝" panose="02020609040205080304" pitchFamily="17" charset="-128"/>
                 <a:cs typeface="Times New Roman" panose="02020603050405020304" pitchFamily="18" charset="0"/>
               </a:rPr>
-              <a:t>: Multi-Agent, Heuristic, Pursuing target</a:t>
-            </a:r>
+              <a:t>目的：　マルチエージェントが協調して、単一移動</a:t>
+            </a:r>
+            <a:r>
+              <a:rPr lang="ja-JP" altLang="en-US" sz="4400" dirty="0" smtClean="0">
+                <a:latin typeface="Times New Roman" panose="02020603050405020304" pitchFamily="18" charset="0"/>
+                <a:ea typeface="ＭＳ 明朝" panose="02020609040205080304" pitchFamily="17" charset="-128"/>
+                <a:cs typeface="Times New Roman" panose="02020603050405020304" pitchFamily="18" charset="0"/>
+              </a:rPr>
+              <a:t>対象に対する高速で有効な探索方法</a:t>
+            </a:r>
+            <a:endParaRPr lang="en-US" sz="4400" dirty="0">
+              <a:latin typeface="Times New Roman" panose="02020603050405020304" pitchFamily="18" charset="0"/>
+              <a:ea typeface="ＭＳ 明朝" panose="02020609040205080304" pitchFamily="17" charset="-128"/>
+              <a:cs typeface="Times New Roman" panose="02020603050405020304" pitchFamily="18" charset="0"/>
+            </a:endParaRPr>
           </a:p>
         </p:txBody>
       </p:sp>
-      <p:pic>
-        <p:nvPicPr>
-          <p:cNvPr id="5" name="図 1"/>
-          <p:cNvPicPr>
-            <a:picLocks noChangeAspect="1" noChangeArrowheads="1"/>
-          </p:cNvPicPr>
-          <p:nvPr/>
-        </p:nvPicPr>
-        <p:blipFill rotWithShape="1">
-          <a:blip r:embed="rId11">
-            <a:extLst>
-              <a:ext uri="{28A0092B-C50C-407E-A947-70E740481C1C}">
-                <a14:useLocalDpi xmlns:a14="http://schemas.microsoft.com/office/drawing/2010/main" val="0"/>
-              </a:ext>
-            </a:extLst>
-          </a:blip>
-          <a:srcRect/>
-          <a:stretch/>
-        </p:blipFill>
-        <p:spPr bwMode="auto">
-          <a:xfrm>
-            <a:off x="3036571" y="24721486"/>
-            <a:ext cx="3678480" cy="3678480"/>
-          </a:xfrm>
-          <a:prstGeom prst="rect">
-            <a:avLst/>
-          </a:prstGeom>
-          <a:noFill/>
-          <a:ln>
-            <a:noFill/>
-          </a:ln>
-          <a:extLst>
-            <a:ext uri="{909E8E84-426E-40DD-AFC4-6F175D3DCCD1}">
-              <a14:hiddenFill xmlns:a14="http://schemas.microsoft.com/office/drawing/2010/main">
-                <a:solidFill>
-                  <a:srgbClr val="FFFFFF"/>
-                </a:solidFill>
-              </a14:hiddenFill>
-            </a:ext>
-            <a:ext uri="{91240B29-F687-4F45-9708-019B960494DF}">
-              <a14:hiddenLine xmlns:a14="http://schemas.microsoft.com/office/drawing/2010/main" w="9525">
-                <a:solidFill>
-                  <a:srgbClr val="000000"/>
-                </a:solidFill>
-                <a:miter lim="800000"/>
-                <a:headEnd/>
-                <a:tailEnd/>
-              </a14:hiddenLine>
-            </a:ext>
-          </a:extLst>
-        </p:spPr>
-      </p:pic>
-      <p:pic>
-        <p:nvPicPr>
-          <p:cNvPr id="10" name="図 9"/>
-          <p:cNvPicPr>
-            <a:picLocks noChangeAspect="1"/>
-          </p:cNvPicPr>
-          <p:nvPr/>
-        </p:nvPicPr>
-        <p:blipFill>
-          <a:blip r:embed="rId12"/>
-          <a:stretch>
-            <a:fillRect/>
-          </a:stretch>
-        </p:blipFill>
-        <p:spPr>
-          <a:xfrm>
-            <a:off x="8623219" y="29469158"/>
-            <a:ext cx="3700333" cy="3707617"/>
-          </a:xfrm>
-          <a:prstGeom prst="rect">
-            <a:avLst/>
-          </a:prstGeom>
-        </p:spPr>
-      </p:pic>
-      <p:pic>
-        <p:nvPicPr>
-          <p:cNvPr id="1027" name="図 1"/>
-          <p:cNvPicPr>
-            <a:picLocks noChangeAspect="1" noChangeArrowheads="1"/>
-          </p:cNvPicPr>
-          <p:nvPr/>
-        </p:nvPicPr>
-        <p:blipFill>
-          <a:blip r:embed="rId13">
-            <a:extLst>
-              <a:ext uri="{28A0092B-C50C-407E-A947-70E740481C1C}">
-                <a14:useLocalDpi xmlns:a14="http://schemas.microsoft.com/office/drawing/2010/main" val="0"/>
-              </a:ext>
-            </a:extLst>
-          </a:blip>
-          <a:srcRect/>
-          <a:stretch>
-            <a:fillRect/>
-          </a:stretch>
-        </p:blipFill>
-        <p:spPr bwMode="auto">
-          <a:xfrm>
-            <a:off x="3036571" y="29469158"/>
-            <a:ext cx="3684797" cy="3714044"/>
-          </a:xfrm>
-          <a:prstGeom prst="rect">
-            <a:avLst/>
-          </a:prstGeom>
-          <a:noFill/>
-          <a:ln>
-            <a:noFill/>
-          </a:ln>
-          <a:extLst>
-            <a:ext uri="{909E8E84-426E-40DD-AFC4-6F175D3DCCD1}">
-              <a14:hiddenFill xmlns:a14="http://schemas.microsoft.com/office/drawing/2010/main">
-                <a:solidFill>
-                  <a:srgbClr val="FFFFFF"/>
-                </a:solidFill>
-              </a14:hiddenFill>
-            </a:ext>
-            <a:ext uri="{91240B29-F687-4F45-9708-019B960494DF}">
-              <a14:hiddenLine xmlns:a14="http://schemas.microsoft.com/office/drawing/2010/main" w="9525">
-                <a:solidFill>
-                  <a:srgbClr val="000000"/>
-                </a:solidFill>
-                <a:miter lim="800000"/>
-                <a:headEnd/>
-                <a:tailEnd/>
-              </a14:hiddenLine>
-            </a:ext>
-          </a:extLst>
-        </p:spPr>
-      </p:pic>
       <p:sp>
         <p:nvSpPr>
           <p:cNvPr id="88" name="正方形/長方形 87"/>
@@ -7289,8 +7175,8 @@
         </p:nvSpPr>
         <p:spPr>
           <a:xfrm>
-            <a:off x="1085655" y="23662105"/>
-            <a:ext cx="7065717" cy="707886"/>
+            <a:off x="1057476" y="23392043"/>
+            <a:ext cx="9188093" cy="707886"/>
           </a:xfrm>
           <a:prstGeom prst="rect">
             <a:avLst/>
@@ -7307,15 +7193,15 @@
               <a:buChar char="l"/>
             </a:pPr>
             <a:r>
-              <a:rPr lang="ja-JP" altLang="en-US" sz="4000" dirty="0">
+              <a:rPr lang="ja-JP" altLang="en-US" sz="4000" dirty="0" smtClean="0">
                 <a:latin typeface="Times New Roman" panose="02020603050405020304" pitchFamily="18" charset="0"/>
                 <a:ea typeface="ＭＳ 明朝" panose="02020609040205080304" pitchFamily="17" charset="-128"/>
                 <a:cs typeface="Times New Roman" panose="02020603050405020304" pitchFamily="18" charset="0"/>
               </a:rPr>
-              <a:t>先行研究 </a:t>
-            </a:r>
-            <a:r>
-              <a:rPr lang="en-US" altLang="ja-JP" sz="4000" dirty="0">
+              <a:t>従来手法</a:t>
+            </a:r>
+            <a:r>
+              <a:rPr lang="en-US" altLang="ja-JP" sz="4000" dirty="0" smtClean="0">
                 <a:latin typeface="Times New Roman" panose="02020603050405020304" pitchFamily="18" charset="0"/>
                 <a:ea typeface="ＭＳ 明朝" panose="02020609040205080304" pitchFamily="17" charset="-128"/>
                 <a:cs typeface="Times New Roman" panose="02020603050405020304" pitchFamily="18" charset="0"/>
@@ -7337,13 +7223,37 @@
               <a:t> </a:t>
             </a:r>
             <a:r>
-              <a:rPr lang="ja-JP" altLang="en-US" sz="4000" dirty="0">
+              <a:rPr lang="ja-JP" altLang="en-US" sz="4000" dirty="0" smtClean="0">
                 <a:latin typeface="Times New Roman" panose="02020603050405020304" pitchFamily="18" charset="0"/>
                 <a:ea typeface="ＭＳ 明朝" panose="02020609040205080304" pitchFamily="17" charset="-128"/>
                 <a:cs typeface="Times New Roman" panose="02020603050405020304" pitchFamily="18" charset="0"/>
               </a:rPr>
               <a:t>法</a:t>
             </a:r>
+            <a:r>
+              <a:rPr lang="ja-JP" altLang="en-US" sz="4000" dirty="0" smtClean="0">
+                <a:latin typeface="Times New Roman" panose="02020603050405020304" pitchFamily="18" charset="0"/>
+                <a:ea typeface="ＭＳ 明朝" panose="02020609040205080304" pitchFamily="17" charset="-128"/>
+                <a:cs typeface="Times New Roman" panose="02020603050405020304" pitchFamily="18" charset="0"/>
+              </a:rPr>
+              <a:t>（</a:t>
+            </a:r>
+            <a:r>
+              <a:rPr lang="en-US" altLang="ja-JP" sz="4000" dirty="0" smtClean="0">
+                <a:latin typeface="Times New Roman" panose="02020603050405020304" pitchFamily="18" charset="0"/>
+                <a:ea typeface="ＭＳ 明朝" panose="02020609040205080304" pitchFamily="17" charset="-128"/>
+                <a:cs typeface="Times New Roman" panose="02020603050405020304" pitchFamily="18" charset="0"/>
+              </a:rPr>
+              <a:t>CH</a:t>
+            </a:r>
+            <a:r>
+              <a:rPr lang="ja-JP" altLang="en-US" sz="4000" dirty="0" smtClean="0">
+                <a:latin typeface="Times New Roman" panose="02020603050405020304" pitchFamily="18" charset="0"/>
+                <a:ea typeface="ＭＳ 明朝" panose="02020609040205080304" pitchFamily="17" charset="-128"/>
+                <a:cs typeface="Times New Roman" panose="02020603050405020304" pitchFamily="18" charset="0"/>
+              </a:rPr>
+              <a:t>法）</a:t>
+            </a:r>
             <a:endParaRPr lang="ja-JP" altLang="en-US" sz="4000" dirty="0">
               <a:latin typeface="Times New Roman" panose="02020603050405020304" pitchFamily="18" charset="0"/>
               <a:ea typeface="ＭＳ 明朝" panose="02020609040205080304" pitchFamily="17" charset="-128"/>
@@ -7352,183 +7262,6 @@
           </a:p>
         </p:txBody>
       </p:sp>
-      <p:pic>
-        <p:nvPicPr>
-          <p:cNvPr id="17" name="図 16"/>
-          <p:cNvPicPr>
-            <a:picLocks noChangeAspect="1"/>
-          </p:cNvPicPr>
-          <p:nvPr/>
-        </p:nvPicPr>
-        <p:blipFill>
-          <a:blip r:embed="rId14"/>
-          <a:stretch>
-            <a:fillRect/>
-          </a:stretch>
-        </p:blipFill>
-        <p:spPr>
-          <a:xfrm>
-            <a:off x="8649687" y="24721485"/>
-            <a:ext cx="3700333" cy="3678480"/>
-          </a:xfrm>
-          <a:prstGeom prst="rect">
-            <a:avLst/>
-          </a:prstGeom>
-        </p:spPr>
-      </p:pic>
-      <p:sp>
-        <p:nvSpPr>
-          <p:cNvPr id="91" name="下矢印 90"/>
-          <p:cNvSpPr/>
-          <p:nvPr/>
-        </p:nvSpPr>
-        <p:spPr>
-          <a:xfrm rot="16200000">
-            <a:off x="7172415" y="26252842"/>
-            <a:ext cx="1099191" cy="615765"/>
-          </a:xfrm>
-          <a:prstGeom prst="downArrow">
-            <a:avLst/>
-          </a:prstGeom>
-          <a:ln>
-            <a:noFill/>
-          </a:ln>
-        </p:spPr>
-        <p:style>
-          <a:lnRef idx="2">
-            <a:schemeClr val="accent4">
-              <a:shade val="50000"/>
-            </a:schemeClr>
-          </a:lnRef>
-          <a:fillRef idx="1">
-            <a:schemeClr val="accent4"/>
-          </a:fillRef>
-          <a:effectRef idx="0">
-            <a:schemeClr val="accent4"/>
-          </a:effectRef>
-          <a:fontRef idx="minor">
-            <a:schemeClr val="lt1"/>
-          </a:fontRef>
-        </p:style>
-        <p:txBody>
-          <a:bodyPr rtlCol="0" anchor="ctr"/>
-          <a:lstStyle/>
-          <a:p>
-            <a:pPr algn="ctr"/>
-            <a:endParaRPr kumimoji="1" lang="ja-JP" altLang="en-US"/>
-          </a:p>
-        </p:txBody>
-      </p:sp>
-      <p:sp>
-        <p:nvSpPr>
-          <p:cNvPr id="94" name="下矢印 93"/>
-          <p:cNvSpPr/>
-          <p:nvPr/>
-        </p:nvSpPr>
-        <p:spPr>
-          <a:xfrm rot="5400000">
-            <a:off x="7122698" y="30813382"/>
-            <a:ext cx="1099191" cy="615765"/>
-          </a:xfrm>
-          <a:prstGeom prst="downArrow">
-            <a:avLst/>
-          </a:prstGeom>
-          <a:ln>
-            <a:noFill/>
-          </a:ln>
-        </p:spPr>
-        <p:style>
-          <a:lnRef idx="2">
-            <a:schemeClr val="accent4">
-              <a:shade val="50000"/>
-            </a:schemeClr>
-          </a:lnRef>
-          <a:fillRef idx="1">
-            <a:schemeClr val="accent4"/>
-          </a:fillRef>
-          <a:effectRef idx="0">
-            <a:schemeClr val="accent4"/>
-          </a:effectRef>
-          <a:fontRef idx="minor">
-            <a:schemeClr val="lt1"/>
-          </a:fontRef>
-        </p:style>
-        <p:txBody>
-          <a:bodyPr rtlCol="0" anchor="ctr"/>
-          <a:lstStyle/>
-          <a:p>
-            <a:pPr algn="ctr"/>
-            <a:endParaRPr kumimoji="1" lang="ja-JP" altLang="en-US"/>
-          </a:p>
-        </p:txBody>
-      </p:sp>
-      <p:sp>
-        <p:nvSpPr>
-          <p:cNvPr id="95" name="下矢印 94"/>
-          <p:cNvSpPr/>
-          <p:nvPr/>
-        </p:nvSpPr>
-        <p:spPr>
-          <a:xfrm>
-            <a:off x="9923791" y="28608700"/>
-            <a:ext cx="1099191" cy="615765"/>
-          </a:xfrm>
-          <a:prstGeom prst="downArrow">
-            <a:avLst/>
-          </a:prstGeom>
-          <a:ln>
-            <a:noFill/>
-          </a:ln>
-        </p:spPr>
-        <p:style>
-          <a:lnRef idx="2">
-            <a:schemeClr val="accent4">
-              <a:shade val="50000"/>
-            </a:schemeClr>
-          </a:lnRef>
-          <a:fillRef idx="1">
-            <a:schemeClr val="accent4"/>
-          </a:fillRef>
-          <a:effectRef idx="0">
-            <a:schemeClr val="accent4"/>
-          </a:effectRef>
-          <a:fontRef idx="minor">
-            <a:schemeClr val="lt1"/>
-          </a:fontRef>
-        </p:style>
-        <p:txBody>
-          <a:bodyPr rtlCol="0" anchor="ctr"/>
-          <a:lstStyle/>
-          <a:p>
-            <a:pPr algn="ctr"/>
-            <a:endParaRPr kumimoji="1" lang="ja-JP" altLang="en-US"/>
-          </a:p>
-        </p:txBody>
-      </p:sp>
-      <p:pic>
-        <p:nvPicPr>
-          <p:cNvPr id="25" name="図 24"/>
-          <p:cNvPicPr>
-            <a:picLocks noChangeAspect="1"/>
-          </p:cNvPicPr>
-          <p:nvPr/>
-        </p:nvPicPr>
-        <p:blipFill>
-          <a:blip r:embed="rId15"/>
-          <a:stretch>
-            <a:fillRect/>
-          </a:stretch>
-        </p:blipFill>
-        <p:spPr>
-          <a:xfrm>
-            <a:off x="9983785" y="37436930"/>
-            <a:ext cx="3450616" cy="3442913"/>
-          </a:xfrm>
-          <a:prstGeom prst="rect">
-            <a:avLst/>
-          </a:prstGeom>
-        </p:spPr>
-      </p:pic>
       <p:pic>
         <p:nvPicPr>
           <p:cNvPr id="22" name="図 21"/>
@@ -7537,16 +7270,15 @@
           </p:cNvPicPr>
           <p:nvPr/>
         </p:nvPicPr>
-        <p:blipFill>
-          <a:blip r:embed="rId16"/>
-          <a:stretch>
-            <a:fillRect/>
-          </a:stretch>
+        <p:blipFill rotWithShape="1">
+          <a:blip r:embed="rId11"/>
+          <a:srcRect l="1310" t="1947" r="1179" b="971"/>
+          <a:stretch/>
         </p:blipFill>
         <p:spPr>
           <a:xfrm>
-            <a:off x="1638755" y="37433224"/>
-            <a:ext cx="3425569" cy="3440693"/>
+            <a:off x="1674491" y="36093894"/>
+            <a:ext cx="2880000" cy="2880000"/>
           </a:xfrm>
           <a:prstGeom prst="rect">
             <a:avLst/>
@@ -7561,16 +7293,38 @@
           </p:cNvPicPr>
           <p:nvPr/>
         </p:nvPicPr>
-        <p:blipFill>
-          <a:blip r:embed="rId17"/>
-          <a:stretch>
-            <a:fillRect/>
-          </a:stretch>
+        <p:blipFill rotWithShape="1">
+          <a:blip r:embed="rId12"/>
+          <a:srcRect l="2690" t="978" r="2301" b="1731"/>
+          <a:stretch/>
         </p:blipFill>
         <p:spPr>
           <a:xfrm>
-            <a:off x="5798683" y="37431004"/>
-            <a:ext cx="3436648" cy="3444423"/>
+            <a:off x="5994972" y="36093894"/>
+            <a:ext cx="2806154" cy="2880000"/>
+          </a:xfrm>
+          <a:prstGeom prst="rect">
+            <a:avLst/>
+          </a:prstGeom>
+        </p:spPr>
+      </p:pic>
+      <p:pic>
+        <p:nvPicPr>
+          <p:cNvPr id="25" name="図 24"/>
+          <p:cNvPicPr>
+            <a:picLocks noChangeAspect="1"/>
+          </p:cNvPicPr>
+          <p:nvPr/>
+        </p:nvPicPr>
+        <p:blipFill rotWithShape="1">
+          <a:blip r:embed="rId13"/>
+          <a:srcRect l="2642" t="1028" r="2560" b="1461"/>
+          <a:stretch/>
+        </p:blipFill>
+        <p:spPr>
+          <a:xfrm>
+            <a:off x="10243443" y="36093894"/>
+            <a:ext cx="2806154" cy="2880000"/>
           </a:xfrm>
           <a:prstGeom prst="rect">
             <a:avLst/>
@@ -7584,13 +7338,13 @@
           <p:nvPr/>
         </p:nvCxnSpPr>
         <p:spPr>
-          <a:xfrm rot="5400000" flipH="1" flipV="1">
-            <a:off x="10493623" y="37940663"/>
-            <a:ext cx="2191908" cy="2179451"/>
+          <a:xfrm flipV="1">
+            <a:off x="10592254" y="36568383"/>
+            <a:ext cx="1811430" cy="1673041"/>
           </a:xfrm>
           <a:prstGeom prst="bentConnector3">
             <a:avLst>
-              <a:gd name="adj1" fmla="val 99663"/>
+              <a:gd name="adj1" fmla="val 1925"/>
             </a:avLst>
           </a:prstGeom>
           <a:ln w="76200">
@@ -7615,138 +7369,155 @@
           </a:fontRef>
         </p:style>
       </p:cxnSp>
-      <p:sp>
-        <p:nvSpPr>
-          <p:cNvPr id="32" name="角丸四角形 31"/>
-          <p:cNvSpPr/>
+      <p:grpSp>
+        <p:nvGrpSpPr>
+          <p:cNvPr id="26" name="グループ化 25"/>
+          <p:cNvGrpSpPr/>
           <p:nvPr/>
-        </p:nvSpPr>
-        <p:spPr>
+        </p:nvGrpSpPr>
+        <p:grpSpPr>
           <a:xfrm>
-            <a:off x="5418907" y="33717630"/>
-            <a:ext cx="4728737" cy="1786456"/>
+            <a:off x="8742968" y="31169980"/>
+            <a:ext cx="4728737" cy="2520880"/>
+            <a:chOff x="5418907" y="33726828"/>
+            <a:chExt cx="4728737" cy="2520880"/>
           </a:xfrm>
-          <a:prstGeom prst="roundRect">
-            <a:avLst>
-              <a:gd name="adj" fmla="val 29594"/>
-            </a:avLst>
-          </a:prstGeom>
-          <a:solidFill>
-            <a:srgbClr val="FEF6DE"/>
-          </a:solidFill>
-          <a:ln w="76200">
-            <a:noFill/>
-          </a:ln>
-        </p:spPr>
-        <p:style>
-          <a:lnRef idx="2">
-            <a:schemeClr val="accent1">
-              <a:shade val="50000"/>
-            </a:schemeClr>
-          </a:lnRef>
-          <a:fillRef idx="1">
-            <a:schemeClr val="accent1"/>
-          </a:fillRef>
-          <a:effectRef idx="0">
-            <a:schemeClr val="accent1"/>
-          </a:effectRef>
-          <a:fontRef idx="minor">
-            <a:schemeClr val="lt1"/>
-          </a:fontRef>
-        </p:style>
-        <p:txBody>
-          <a:bodyPr rtlCol="0" anchor="ctr"/>
-          <a:lstStyle/>
-          <a:p>
-            <a:pPr algn="ctr"/>
-            <a:endParaRPr kumimoji="1" lang="ja-JP" altLang="en-US"/>
-          </a:p>
-        </p:txBody>
-      </p:sp>
-      <p:sp>
-        <p:nvSpPr>
-          <p:cNvPr id="76" name="正方形/長方形 75"/>
-          <p:cNvSpPr/>
-          <p:nvPr/>
-        </p:nvSpPr>
-        <p:spPr>
-          <a:xfrm>
-            <a:off x="5969082" y="34032785"/>
-            <a:ext cx="3775393" cy="1323439"/>
-          </a:xfrm>
-          <a:prstGeom prst="rect">
-            <a:avLst/>
-          </a:prstGeom>
-        </p:spPr>
-        <p:txBody>
-          <a:bodyPr wrap="none">
-            <a:spAutoFit/>
-          </a:bodyPr>
-          <a:lstStyle/>
-          <a:p>
-            <a:r>
-              <a:rPr lang="ja-JP" altLang="en-US" sz="4000" dirty="0">
+        </p:grpSpPr>
+        <p:sp>
+          <p:nvSpPr>
+            <p:cNvPr id="32" name="角丸四角形 31"/>
+            <p:cNvSpPr/>
+            <p:nvPr/>
+          </p:nvSpPr>
+          <p:spPr>
+            <a:xfrm>
+              <a:off x="5418907" y="33726828"/>
+              <a:ext cx="4728737" cy="2520880"/>
+            </a:xfrm>
+            <a:prstGeom prst="roundRect">
+              <a:avLst>
+                <a:gd name="adj" fmla="val 0"/>
+              </a:avLst>
+            </a:prstGeom>
+            <a:solidFill>
+              <a:srgbClr val="F8F3E0"/>
+            </a:solidFill>
+            <a:ln w="76200">
+              <a:noFill/>
+            </a:ln>
+          </p:spPr>
+          <p:style>
+            <a:lnRef idx="2">
+              <a:schemeClr val="accent1">
+                <a:shade val="50000"/>
+              </a:schemeClr>
+            </a:lnRef>
+            <a:fillRef idx="1">
+              <a:schemeClr val="accent1"/>
+            </a:fillRef>
+            <a:effectRef idx="0">
+              <a:schemeClr val="accent1"/>
+            </a:effectRef>
+            <a:fontRef idx="minor">
+              <a:schemeClr val="lt1"/>
+            </a:fontRef>
+          </p:style>
+          <p:txBody>
+            <a:bodyPr rtlCol="0" anchor="ctr"/>
+            <a:lstStyle/>
+            <a:p>
+              <a:pPr algn="ctr"/>
+              <a:endParaRPr kumimoji="1" lang="ja-JP" altLang="en-US"/>
+            </a:p>
+          </p:txBody>
+        </p:sp>
+        <p:sp>
+          <p:nvSpPr>
+            <p:cNvPr id="76" name="正方形/長方形 75"/>
+            <p:cNvSpPr/>
+            <p:nvPr/>
+          </p:nvSpPr>
+          <p:spPr>
+            <a:xfrm>
+              <a:off x="5875048" y="33965926"/>
+              <a:ext cx="3914854" cy="1938992"/>
+            </a:xfrm>
+            <a:prstGeom prst="rect">
+              <a:avLst/>
+            </a:prstGeom>
+          </p:spPr>
+          <p:txBody>
+            <a:bodyPr wrap="none">
+              <a:spAutoFit/>
+            </a:bodyPr>
+            <a:lstStyle/>
+            <a:p>
+              <a:pPr>
+                <a:lnSpc>
+                  <a:spcPct val="150000"/>
+                </a:lnSpc>
+              </a:pPr>
+              <a:r>
+                <a:rPr lang="ja-JP" altLang="en-US" sz="4000" b="1" dirty="0" smtClean="0">
+                  <a:latin typeface="Times New Roman" panose="02020603050405020304" pitchFamily="18" charset="0"/>
+                  <a:ea typeface="ＭＳ 明朝" panose="02020609040205080304" pitchFamily="17" charset="-128"/>
+                  <a:cs typeface="Times New Roman" panose="02020603050405020304" pitchFamily="18" charset="0"/>
+                </a:rPr>
+                <a:t>① 計算量</a:t>
+              </a:r>
+              <a:r>
+                <a:rPr lang="ja-JP" altLang="en-US" sz="4000" b="1" dirty="0">
+                  <a:latin typeface="Times New Roman" panose="02020603050405020304" pitchFamily="18" charset="0"/>
+                  <a:ea typeface="ＭＳ 明朝" panose="02020609040205080304" pitchFamily="17" charset="-128"/>
+                  <a:cs typeface="Times New Roman" panose="02020603050405020304" pitchFamily="18" charset="0"/>
+                </a:rPr>
+                <a:t>が</a:t>
+              </a:r>
+              <a:r>
+                <a:rPr lang="ja-JP" altLang="en-US" sz="4000" b="1" dirty="0" smtClean="0">
+                  <a:latin typeface="Times New Roman" panose="02020603050405020304" pitchFamily="18" charset="0"/>
+                  <a:ea typeface="ＭＳ 明朝" panose="02020609040205080304" pitchFamily="17" charset="-128"/>
+                  <a:cs typeface="Times New Roman" panose="02020603050405020304" pitchFamily="18" charset="0"/>
+                </a:rPr>
+                <a:t>多い</a:t>
+              </a:r>
+              <a:endParaRPr lang="en-US" altLang="ja-JP" sz="4000" b="1" dirty="0" smtClean="0">
                 <a:latin typeface="Times New Roman" panose="02020603050405020304" pitchFamily="18" charset="0"/>
                 <a:ea typeface="ＭＳ 明朝" panose="02020609040205080304" pitchFamily="17" charset="-128"/>
                 <a:cs typeface="Times New Roman" panose="02020603050405020304" pitchFamily="18" charset="0"/>
-              </a:rPr>
-              <a:t>①</a:t>
-            </a:r>
-            <a:r>
-              <a:rPr lang="ja-JP" altLang="en-US" sz="4000" dirty="0" smtClean="0">
+              </a:endParaRPr>
+            </a:p>
+            <a:p>
+              <a:pPr>
+                <a:lnSpc>
+                  <a:spcPct val="150000"/>
+                </a:lnSpc>
+              </a:pPr>
+              <a:r>
+                <a:rPr lang="ja-JP" altLang="en-US" sz="4000" b="1" dirty="0" smtClean="0">
+                  <a:latin typeface="Times New Roman" panose="02020603050405020304" pitchFamily="18" charset="0"/>
+                  <a:ea typeface="ＭＳ 明朝" panose="02020609040205080304" pitchFamily="17" charset="-128"/>
+                  <a:cs typeface="Times New Roman" panose="02020603050405020304" pitchFamily="18" charset="0"/>
+                </a:rPr>
+                <a:t>② </a:t>
+              </a:r>
+              <a:r>
+                <a:rPr lang="en-US" altLang="ja-JP" sz="4000" b="1" dirty="0" smtClean="0">
+                  <a:latin typeface="Times New Roman" panose="02020603050405020304" pitchFamily="18" charset="0"/>
+                  <a:ea typeface="ＭＳ 明朝" panose="02020609040205080304" pitchFamily="17" charset="-128"/>
+                  <a:cs typeface="Times New Roman" panose="02020603050405020304" pitchFamily="18" charset="0"/>
+                </a:rPr>
+                <a:t>Tie-Breaking</a:t>
+              </a:r>
+              <a:endParaRPr lang="ja-JP" altLang="en-US" sz="4000" b="1" dirty="0">
                 <a:latin typeface="Times New Roman" panose="02020603050405020304" pitchFamily="18" charset="0"/>
                 <a:ea typeface="ＭＳ 明朝" panose="02020609040205080304" pitchFamily="17" charset="-128"/>
                 <a:cs typeface="Times New Roman" panose="02020603050405020304" pitchFamily="18" charset="0"/>
-              </a:rPr>
-              <a:t>計算量</a:t>
-            </a:r>
-            <a:r>
-              <a:rPr lang="ja-JP" altLang="en-US" sz="4000" dirty="0">
-                <a:latin typeface="Times New Roman" panose="02020603050405020304" pitchFamily="18" charset="0"/>
-                <a:ea typeface="ＭＳ 明朝" panose="02020609040205080304" pitchFamily="17" charset="-128"/>
-                <a:cs typeface="Times New Roman" panose="02020603050405020304" pitchFamily="18" charset="0"/>
-              </a:rPr>
-              <a:t>が</a:t>
-            </a:r>
-            <a:r>
-              <a:rPr lang="ja-JP" altLang="en-US" sz="4000" dirty="0" smtClean="0">
-                <a:latin typeface="Times New Roman" panose="02020603050405020304" pitchFamily="18" charset="0"/>
-                <a:ea typeface="ＭＳ 明朝" panose="02020609040205080304" pitchFamily="17" charset="-128"/>
-                <a:cs typeface="Times New Roman" panose="02020603050405020304" pitchFamily="18" charset="0"/>
-              </a:rPr>
-              <a:t>多い</a:t>
-            </a:r>
-            <a:endParaRPr lang="en-US" altLang="ja-JP" sz="4000" dirty="0" smtClean="0">
-              <a:latin typeface="Times New Roman" panose="02020603050405020304" pitchFamily="18" charset="0"/>
-              <a:ea typeface="ＭＳ 明朝" panose="02020609040205080304" pitchFamily="17" charset="-128"/>
-              <a:cs typeface="Times New Roman" panose="02020603050405020304" pitchFamily="18" charset="0"/>
-            </a:endParaRPr>
-          </a:p>
-          <a:p>
-            <a:r>
-              <a:rPr lang="ja-JP" altLang="en-US" sz="4000" dirty="0">
-                <a:latin typeface="Times New Roman" panose="02020603050405020304" pitchFamily="18" charset="0"/>
-                <a:ea typeface="ＭＳ 明朝" panose="02020609040205080304" pitchFamily="17" charset="-128"/>
-                <a:cs typeface="Times New Roman" panose="02020603050405020304" pitchFamily="18" charset="0"/>
-              </a:rPr>
-              <a:t>②</a:t>
-            </a:r>
-            <a:r>
-              <a:rPr lang="en-US" altLang="ja-JP" sz="4000" dirty="0" smtClean="0">
-                <a:latin typeface="Times New Roman" panose="02020603050405020304" pitchFamily="18" charset="0"/>
-                <a:ea typeface="ＭＳ 明朝" panose="02020609040205080304" pitchFamily="17" charset="-128"/>
-                <a:cs typeface="Times New Roman" panose="02020603050405020304" pitchFamily="18" charset="0"/>
-              </a:rPr>
-              <a:t>Tie-Breaking</a:t>
-            </a:r>
-            <a:endParaRPr lang="ja-JP" altLang="en-US" sz="4000" dirty="0">
-              <a:latin typeface="Times New Roman" panose="02020603050405020304" pitchFamily="18" charset="0"/>
-              <a:ea typeface="ＭＳ 明朝" panose="02020609040205080304" pitchFamily="17" charset="-128"/>
-              <a:cs typeface="Times New Roman" panose="02020603050405020304" pitchFamily="18" charset="0"/>
-            </a:endParaRPr>
-          </a:p>
-        </p:txBody>
-      </p:sp>
+              </a:endParaRPr>
+            </a:p>
+          </p:txBody>
+        </p:sp>
+      </p:grpSp>
       <p:sp>
         <p:nvSpPr>
           <p:cNvPr id="106" name="正方形/長方形 105"/>
@@ -7755,7 +7526,7 @@
         </p:nvSpPr>
         <p:spPr>
           <a:xfrm>
-            <a:off x="1338561" y="36034080"/>
+            <a:off x="1057476" y="34809944"/>
             <a:ext cx="10257232" cy="707886"/>
           </a:xfrm>
           <a:prstGeom prst="rect">
@@ -7828,6 +7599,1848 @@
           </a:p>
         </p:txBody>
       </p:sp>
+      <p:grpSp>
+        <p:nvGrpSpPr>
+          <p:cNvPr id="20" name="グループ化 19"/>
+          <p:cNvGrpSpPr/>
+          <p:nvPr/>
+        </p:nvGrpSpPr>
+        <p:grpSpPr>
+          <a:xfrm>
+            <a:off x="1625436" y="40353027"/>
+            <a:ext cx="12117807" cy="1235181"/>
+            <a:chOff x="1668550" y="24029620"/>
+            <a:chExt cx="12117807" cy="1235181"/>
+          </a:xfrm>
+        </p:grpSpPr>
+        <p:pic>
+          <p:nvPicPr>
+            <p:cNvPr id="2" name="図 1"/>
+            <p:cNvPicPr>
+              <a:picLocks noChangeAspect="1"/>
+            </p:cNvPicPr>
+            <p:nvPr/>
+          </p:nvPicPr>
+          <p:blipFill rotWithShape="1">
+            <a:blip r:embed="rId14"/>
+            <a:srcRect l="3009" r="12977" b="12874"/>
+            <a:stretch/>
+          </p:blipFill>
+          <p:spPr>
+            <a:xfrm>
+              <a:off x="1668550" y="24098042"/>
+              <a:ext cx="360000" cy="360000"/>
+            </a:xfrm>
+            <a:prstGeom prst="rect">
+              <a:avLst/>
+            </a:prstGeom>
+          </p:spPr>
+        </p:pic>
+        <p:pic>
+          <p:nvPicPr>
+            <p:cNvPr id="3" name="図 2"/>
+            <p:cNvPicPr>
+              <a:picLocks noChangeAspect="1"/>
+            </p:cNvPicPr>
+            <p:nvPr/>
+          </p:nvPicPr>
+          <p:blipFill rotWithShape="1">
+            <a:blip r:embed="rId15"/>
+            <a:srcRect t="1728" r="17634" b="15907"/>
+            <a:stretch/>
+          </p:blipFill>
+          <p:spPr>
+            <a:xfrm>
+              <a:off x="5274891" y="24121911"/>
+              <a:ext cx="360000" cy="360000"/>
+            </a:xfrm>
+            <a:prstGeom prst="rect">
+              <a:avLst/>
+            </a:prstGeom>
+          </p:spPr>
+        </p:pic>
+        <p:pic>
+          <p:nvPicPr>
+            <p:cNvPr id="4" name="図 3"/>
+            <p:cNvPicPr>
+              <a:picLocks noChangeAspect="1"/>
+            </p:cNvPicPr>
+            <p:nvPr/>
+          </p:nvPicPr>
+          <p:blipFill rotWithShape="1">
+            <a:blip r:embed="rId16"/>
+            <a:srcRect l="1" t="15595" r="19537" b="10939"/>
+            <a:stretch/>
+          </p:blipFill>
+          <p:spPr>
+            <a:xfrm>
+              <a:off x="5274891" y="24834193"/>
+              <a:ext cx="360000" cy="360000"/>
+            </a:xfrm>
+            <a:prstGeom prst="rect">
+              <a:avLst/>
+            </a:prstGeom>
+          </p:spPr>
+        </p:pic>
+        <p:pic>
+          <p:nvPicPr>
+            <p:cNvPr id="11" name="図 10"/>
+            <p:cNvPicPr>
+              <a:picLocks noChangeAspect="1"/>
+            </p:cNvPicPr>
+            <p:nvPr/>
+          </p:nvPicPr>
+          <p:blipFill rotWithShape="1">
+            <a:blip r:embed="rId17"/>
+            <a:srcRect t="847" b="847"/>
+            <a:stretch/>
+          </p:blipFill>
+          <p:spPr>
+            <a:xfrm>
+              <a:off x="8544210" y="24139781"/>
+              <a:ext cx="353898" cy="353898"/>
+            </a:xfrm>
+            <a:prstGeom prst="rect">
+              <a:avLst/>
+            </a:prstGeom>
+          </p:spPr>
+        </p:pic>
+        <p:pic>
+          <p:nvPicPr>
+            <p:cNvPr id="16" name="図 15"/>
+            <p:cNvPicPr>
+              <a:picLocks noChangeAspect="1"/>
+            </p:cNvPicPr>
+            <p:nvPr/>
+          </p:nvPicPr>
+          <p:blipFill rotWithShape="1">
+            <a:blip r:embed="rId18"/>
+            <a:srcRect t="1250" b="1250"/>
+            <a:stretch/>
+          </p:blipFill>
+          <p:spPr>
+            <a:xfrm>
+              <a:off x="8538108" y="24818483"/>
+              <a:ext cx="360000" cy="360000"/>
+            </a:xfrm>
+            <a:prstGeom prst="rect">
+              <a:avLst/>
+            </a:prstGeom>
+          </p:spPr>
+        </p:pic>
+        <p:pic>
+          <p:nvPicPr>
+            <p:cNvPr id="18" name="図 17"/>
+            <p:cNvPicPr>
+              <a:picLocks noChangeAspect="1"/>
+            </p:cNvPicPr>
+            <p:nvPr/>
+          </p:nvPicPr>
+          <p:blipFill rotWithShape="1">
+            <a:blip r:embed="rId19"/>
+            <a:srcRect l="1351" r="1351"/>
+            <a:stretch/>
+          </p:blipFill>
+          <p:spPr>
+            <a:xfrm>
+              <a:off x="1670586" y="24838551"/>
+              <a:ext cx="360000" cy="360000"/>
+            </a:xfrm>
+            <a:prstGeom prst="rect">
+              <a:avLst/>
+            </a:prstGeom>
+          </p:spPr>
+        </p:pic>
+        <p:sp>
+          <p:nvSpPr>
+            <p:cNvPr id="19" name="テキスト ボックス 18"/>
+            <p:cNvSpPr txBox="1"/>
+            <p:nvPr/>
+          </p:nvSpPr>
+          <p:spPr>
+            <a:xfrm>
+              <a:off x="2055469" y="24034205"/>
+              <a:ext cx="3258580" cy="523220"/>
+            </a:xfrm>
+            <a:prstGeom prst="rect">
+              <a:avLst/>
+            </a:prstGeom>
+            <a:noFill/>
+          </p:spPr>
+          <p:txBody>
+            <a:bodyPr wrap="square" rtlCol="0">
+              <a:spAutoFit/>
+            </a:bodyPr>
+            <a:lstStyle/>
+            <a:p>
+              <a:r>
+                <a:rPr lang="ja-JP" altLang="en-US" sz="2800" dirty="0">
+                  <a:latin typeface="Times New Roman" panose="02020603050405020304" pitchFamily="18" charset="0"/>
+                  <a:ea typeface="ＭＳ 明朝" panose="02020609040205080304" pitchFamily="17" charset="-128"/>
+                  <a:cs typeface="Times New Roman" panose="02020603050405020304" pitchFamily="18" charset="0"/>
+                </a:rPr>
+                <a:t>空き状態のタイル</a:t>
+              </a:r>
+              <a:endParaRPr lang="ja-JP" altLang="en-US" sz="2800" dirty="0">
+                <a:latin typeface="Times New Roman" panose="02020603050405020304" pitchFamily="18" charset="0"/>
+                <a:ea typeface="ＭＳ 明朝" panose="02020609040205080304" pitchFamily="17" charset="-128"/>
+                <a:cs typeface="Times New Roman" panose="02020603050405020304" pitchFamily="18" charset="0"/>
+              </a:endParaRPr>
+            </a:p>
+          </p:txBody>
+        </p:sp>
+        <p:sp>
+          <p:nvSpPr>
+            <p:cNvPr id="92" name="テキスト ボックス 91"/>
+            <p:cNvSpPr txBox="1"/>
+            <p:nvPr/>
+          </p:nvSpPr>
+          <p:spPr>
+            <a:xfrm>
+              <a:off x="2055469" y="24737322"/>
+              <a:ext cx="2824624" cy="523220"/>
+            </a:xfrm>
+            <a:prstGeom prst="rect">
+              <a:avLst/>
+            </a:prstGeom>
+            <a:noFill/>
+          </p:spPr>
+          <p:txBody>
+            <a:bodyPr wrap="square" rtlCol="0">
+              <a:spAutoFit/>
+            </a:bodyPr>
+            <a:lstStyle/>
+            <a:p>
+              <a:r>
+                <a:rPr lang="ja-JP" altLang="en-US" sz="2800" dirty="0">
+                  <a:latin typeface="Times New Roman" panose="02020603050405020304" pitchFamily="18" charset="0"/>
+                  <a:ea typeface="ＭＳ 明朝" panose="02020609040205080304" pitchFamily="17" charset="-128"/>
+                  <a:cs typeface="Times New Roman" panose="02020603050405020304" pitchFamily="18" charset="0"/>
+                </a:rPr>
+                <a:t>障害物</a:t>
+              </a:r>
+              <a:r>
+                <a:rPr lang="ja-JP" altLang="en-US" sz="2800" dirty="0" smtClean="0">
+                  <a:latin typeface="Times New Roman" panose="02020603050405020304" pitchFamily="18" charset="0"/>
+                  <a:ea typeface="ＭＳ 明朝" panose="02020609040205080304" pitchFamily="17" charset="-128"/>
+                  <a:cs typeface="Times New Roman" panose="02020603050405020304" pitchFamily="18" charset="0"/>
+                </a:rPr>
+                <a:t>のタイル</a:t>
+              </a:r>
+              <a:endParaRPr lang="ja-JP" altLang="en-US" sz="2800" dirty="0">
+                <a:latin typeface="Times New Roman" panose="02020603050405020304" pitchFamily="18" charset="0"/>
+                <a:ea typeface="ＭＳ 明朝" panose="02020609040205080304" pitchFamily="17" charset="-128"/>
+                <a:cs typeface="Times New Roman" panose="02020603050405020304" pitchFamily="18" charset="0"/>
+              </a:endParaRPr>
+            </a:p>
+          </p:txBody>
+        </p:sp>
+        <p:sp>
+          <p:nvSpPr>
+            <p:cNvPr id="93" name="テキスト ボックス 92"/>
+            <p:cNvSpPr txBox="1"/>
+            <p:nvPr/>
+          </p:nvSpPr>
+          <p:spPr>
+            <a:xfrm>
+              <a:off x="5628790" y="24033893"/>
+              <a:ext cx="2904682" cy="523220"/>
+            </a:xfrm>
+            <a:prstGeom prst="rect">
+              <a:avLst/>
+            </a:prstGeom>
+            <a:noFill/>
+          </p:spPr>
+          <p:txBody>
+            <a:bodyPr wrap="square" rtlCol="0">
+              <a:spAutoFit/>
+            </a:bodyPr>
+            <a:lstStyle/>
+            <a:p>
+              <a:r>
+                <a:rPr lang="en-US" altLang="ja-JP" sz="2800" dirty="0" smtClean="0">
+                  <a:latin typeface="Times New Roman" panose="02020603050405020304" pitchFamily="18" charset="0"/>
+                  <a:ea typeface="ＭＳ 明朝" panose="02020609040205080304" pitchFamily="17" charset="-128"/>
+                  <a:cs typeface="Times New Roman" panose="02020603050405020304" pitchFamily="18" charset="0"/>
+                </a:rPr>
+                <a:t>Pursuer</a:t>
+              </a:r>
+              <a:r>
+                <a:rPr lang="ja-JP" altLang="en-US" sz="2800" dirty="0" smtClean="0">
+                  <a:latin typeface="Times New Roman" panose="02020603050405020304" pitchFamily="18" charset="0"/>
+                  <a:ea typeface="ＭＳ 明朝" panose="02020609040205080304" pitchFamily="17" charset="-128"/>
+                  <a:cs typeface="Times New Roman" panose="02020603050405020304" pitchFamily="18" charset="0"/>
+                </a:rPr>
+                <a:t>のタイル</a:t>
+              </a:r>
+              <a:endParaRPr lang="ja-JP" altLang="en-US" sz="2800" dirty="0">
+                <a:latin typeface="Times New Roman" panose="02020603050405020304" pitchFamily="18" charset="0"/>
+                <a:ea typeface="ＭＳ 明朝" panose="02020609040205080304" pitchFamily="17" charset="-128"/>
+                <a:cs typeface="Times New Roman" panose="02020603050405020304" pitchFamily="18" charset="0"/>
+              </a:endParaRPr>
+            </a:p>
+          </p:txBody>
+        </p:sp>
+        <p:sp>
+          <p:nvSpPr>
+            <p:cNvPr id="96" name="テキスト ボックス 95"/>
+            <p:cNvSpPr txBox="1"/>
+            <p:nvPr/>
+          </p:nvSpPr>
+          <p:spPr>
+            <a:xfrm>
+              <a:off x="8898108" y="24029620"/>
+              <a:ext cx="4871062" cy="523220"/>
+            </a:xfrm>
+            <a:prstGeom prst="rect">
+              <a:avLst/>
+            </a:prstGeom>
+            <a:noFill/>
+          </p:spPr>
+          <p:txBody>
+            <a:bodyPr wrap="square" rtlCol="0">
+              <a:spAutoFit/>
+            </a:bodyPr>
+            <a:lstStyle/>
+            <a:p>
+              <a:r>
+                <a:rPr lang="en-US" altLang="ja-JP" sz="2800" dirty="0" smtClean="0">
+                  <a:latin typeface="Times New Roman" panose="02020603050405020304" pitchFamily="18" charset="0"/>
+                  <a:ea typeface="ＭＳ 明朝" panose="02020609040205080304" pitchFamily="17" charset="-128"/>
+                  <a:cs typeface="Times New Roman" panose="02020603050405020304" pitchFamily="18" charset="0"/>
+                </a:rPr>
+                <a:t>Pursuer</a:t>
+              </a:r>
+              <a:r>
+                <a:rPr lang="ja-JP" altLang="en-US" sz="2800" dirty="0" smtClean="0">
+                  <a:latin typeface="Times New Roman" panose="02020603050405020304" pitchFamily="18" charset="0"/>
+                  <a:ea typeface="ＭＳ 明朝" panose="02020609040205080304" pitchFamily="17" charset="-128"/>
+                  <a:cs typeface="Times New Roman" panose="02020603050405020304" pitchFamily="18" charset="0"/>
+                </a:rPr>
+                <a:t>到達可能領域のタイル</a:t>
+              </a:r>
+              <a:endParaRPr lang="ja-JP" altLang="en-US" sz="2800" dirty="0">
+                <a:latin typeface="Times New Roman" panose="02020603050405020304" pitchFamily="18" charset="0"/>
+                <a:ea typeface="ＭＳ 明朝" panose="02020609040205080304" pitchFamily="17" charset="-128"/>
+                <a:cs typeface="Times New Roman" panose="02020603050405020304" pitchFamily="18" charset="0"/>
+              </a:endParaRPr>
+            </a:p>
+          </p:txBody>
+        </p:sp>
+        <p:sp>
+          <p:nvSpPr>
+            <p:cNvPr id="97" name="テキスト ボックス 96"/>
+            <p:cNvSpPr txBox="1"/>
+            <p:nvPr/>
+          </p:nvSpPr>
+          <p:spPr>
+            <a:xfrm>
+              <a:off x="5632391" y="24732430"/>
+              <a:ext cx="2667971" cy="523220"/>
+            </a:xfrm>
+            <a:prstGeom prst="rect">
+              <a:avLst/>
+            </a:prstGeom>
+            <a:noFill/>
+          </p:spPr>
+          <p:txBody>
+            <a:bodyPr wrap="square" rtlCol="0">
+              <a:spAutoFit/>
+            </a:bodyPr>
+            <a:lstStyle/>
+            <a:p>
+              <a:r>
+                <a:rPr lang="en-US" altLang="ja-JP" sz="2800" dirty="0" smtClean="0">
+                  <a:latin typeface="Times New Roman" panose="02020603050405020304" pitchFamily="18" charset="0"/>
+                  <a:ea typeface="ＭＳ 明朝" panose="02020609040205080304" pitchFamily="17" charset="-128"/>
+                  <a:cs typeface="Times New Roman" panose="02020603050405020304" pitchFamily="18" charset="0"/>
+                </a:rPr>
+                <a:t>Target</a:t>
+              </a:r>
+              <a:r>
+                <a:rPr lang="ja-JP" altLang="en-US" sz="2800" dirty="0" smtClean="0">
+                  <a:latin typeface="Times New Roman" panose="02020603050405020304" pitchFamily="18" charset="0"/>
+                  <a:ea typeface="ＭＳ 明朝" panose="02020609040205080304" pitchFamily="17" charset="-128"/>
+                  <a:cs typeface="Times New Roman" panose="02020603050405020304" pitchFamily="18" charset="0"/>
+                </a:rPr>
+                <a:t>のタイル</a:t>
+              </a:r>
+              <a:endParaRPr lang="ja-JP" altLang="en-US" sz="2800" dirty="0">
+                <a:latin typeface="Times New Roman" panose="02020603050405020304" pitchFamily="18" charset="0"/>
+                <a:ea typeface="ＭＳ 明朝" panose="02020609040205080304" pitchFamily="17" charset="-128"/>
+                <a:cs typeface="Times New Roman" panose="02020603050405020304" pitchFamily="18" charset="0"/>
+              </a:endParaRPr>
+            </a:p>
+          </p:txBody>
+        </p:sp>
+        <p:sp>
+          <p:nvSpPr>
+            <p:cNvPr id="105" name="テキスト ボックス 104"/>
+            <p:cNvSpPr txBox="1"/>
+            <p:nvPr/>
+          </p:nvSpPr>
+          <p:spPr>
+            <a:xfrm>
+              <a:off x="8915295" y="24741581"/>
+              <a:ext cx="4871062" cy="523220"/>
+            </a:xfrm>
+            <a:prstGeom prst="rect">
+              <a:avLst/>
+            </a:prstGeom>
+            <a:noFill/>
+          </p:spPr>
+          <p:txBody>
+            <a:bodyPr wrap="square" rtlCol="0">
+              <a:spAutoFit/>
+            </a:bodyPr>
+            <a:lstStyle/>
+            <a:p>
+              <a:r>
+                <a:rPr lang="en-US" altLang="ja-JP" sz="2800" dirty="0" smtClean="0">
+                  <a:latin typeface="Times New Roman" panose="02020603050405020304" pitchFamily="18" charset="0"/>
+                  <a:ea typeface="ＭＳ 明朝" panose="02020609040205080304" pitchFamily="17" charset="-128"/>
+                  <a:cs typeface="Times New Roman" panose="02020603050405020304" pitchFamily="18" charset="0"/>
+                </a:rPr>
+                <a:t>Target</a:t>
+              </a:r>
+              <a:r>
+                <a:rPr lang="ja-JP" altLang="en-US" sz="2800" dirty="0">
+                  <a:latin typeface="Times New Roman" panose="02020603050405020304" pitchFamily="18" charset="0"/>
+                  <a:ea typeface="ＭＳ 明朝" panose="02020609040205080304" pitchFamily="17" charset="-128"/>
+                  <a:cs typeface="Times New Roman" panose="02020603050405020304" pitchFamily="18" charset="0"/>
+                </a:rPr>
+                <a:t>到達</a:t>
+              </a:r>
+              <a:r>
+                <a:rPr lang="ja-JP" altLang="en-US" sz="2800" dirty="0" smtClean="0">
+                  <a:latin typeface="Times New Roman" panose="02020603050405020304" pitchFamily="18" charset="0"/>
+                  <a:ea typeface="ＭＳ 明朝" panose="02020609040205080304" pitchFamily="17" charset="-128"/>
+                  <a:cs typeface="Times New Roman" panose="02020603050405020304" pitchFamily="18" charset="0"/>
+                </a:rPr>
+                <a:t>可能領域のタイル</a:t>
+              </a:r>
+              <a:endParaRPr lang="ja-JP" altLang="en-US" sz="2800" dirty="0">
+                <a:latin typeface="Times New Roman" panose="02020603050405020304" pitchFamily="18" charset="0"/>
+                <a:ea typeface="ＭＳ 明朝" panose="02020609040205080304" pitchFamily="17" charset="-128"/>
+                <a:cs typeface="Times New Roman" panose="02020603050405020304" pitchFamily="18" charset="0"/>
+              </a:endParaRPr>
+            </a:p>
+          </p:txBody>
+        </p:sp>
+      </p:grpSp>
+      <p:grpSp>
+        <p:nvGrpSpPr>
+          <p:cNvPr id="28" name="グループ化 27"/>
+          <p:cNvGrpSpPr/>
+          <p:nvPr/>
+        </p:nvGrpSpPr>
+        <p:grpSpPr>
+          <a:xfrm>
+            <a:off x="1708318" y="27377523"/>
+            <a:ext cx="11748703" cy="2160001"/>
+            <a:chOff x="1566753" y="24862385"/>
+            <a:chExt cx="11748703" cy="2160001"/>
+          </a:xfrm>
+        </p:grpSpPr>
+        <p:grpSp>
+          <p:nvGrpSpPr>
+            <p:cNvPr id="21" name="グループ化 20"/>
+            <p:cNvGrpSpPr/>
+            <p:nvPr/>
+          </p:nvGrpSpPr>
+          <p:grpSpPr>
+            <a:xfrm>
+              <a:off x="1566753" y="24862385"/>
+              <a:ext cx="11748703" cy="2160001"/>
+              <a:chOff x="3114651" y="26012775"/>
+              <a:chExt cx="11748703" cy="2160001"/>
+            </a:xfrm>
+          </p:grpSpPr>
+          <p:pic>
+            <p:nvPicPr>
+              <p:cNvPr id="5" name="図 1"/>
+              <p:cNvPicPr>
+                <a:picLocks noChangeAspect="1" noChangeArrowheads="1"/>
+              </p:cNvPicPr>
+              <p:nvPr/>
+            </p:nvPicPr>
+            <p:blipFill rotWithShape="1">
+              <a:blip r:embed="rId20">
+                <a:extLst>
+                  <a:ext uri="{28A0092B-C50C-407E-A947-70E740481C1C}">
+                    <a14:useLocalDpi xmlns:a14="http://schemas.microsoft.com/office/drawing/2010/main" val="0"/>
+                  </a:ext>
+                </a:extLst>
+              </a:blip>
+              <a:srcRect l="2123" t="1826" r="1956" b="2254"/>
+              <a:stretch/>
+            </p:blipFill>
+            <p:spPr bwMode="auto">
+              <a:xfrm>
+                <a:off x="3114651" y="26012776"/>
+                <a:ext cx="2160000" cy="2160000"/>
+              </a:xfrm>
+              <a:prstGeom prst="rect">
+                <a:avLst/>
+              </a:prstGeom>
+              <a:noFill/>
+              <a:ln>
+                <a:noFill/>
+              </a:ln>
+              <a:extLst>
+                <a:ext uri="{909E8E84-426E-40DD-AFC4-6F175D3DCCD1}">
+                  <a14:hiddenFill xmlns:a14="http://schemas.microsoft.com/office/drawing/2010/main">
+                    <a:solidFill>
+                      <a:srgbClr val="FFFFFF"/>
+                    </a:solidFill>
+                  </a14:hiddenFill>
+                </a:ext>
+                <a:ext uri="{91240B29-F687-4F45-9708-019B960494DF}">
+                  <a14:hiddenLine xmlns:a14="http://schemas.microsoft.com/office/drawing/2010/main" w="9525">
+                    <a:solidFill>
+                      <a:srgbClr val="000000"/>
+                    </a:solidFill>
+                    <a:miter lim="800000"/>
+                    <a:headEnd/>
+                    <a:tailEnd/>
+                  </a14:hiddenLine>
+                </a:ext>
+              </a:extLst>
+            </p:spPr>
+          </p:pic>
+          <p:pic>
+            <p:nvPicPr>
+              <p:cNvPr id="10" name="図 9"/>
+              <p:cNvPicPr>
+                <a:picLocks noChangeAspect="1"/>
+              </p:cNvPicPr>
+              <p:nvPr/>
+            </p:nvPicPr>
+            <p:blipFill rotWithShape="1">
+              <a:blip r:embed="rId21"/>
+              <a:srcRect l="1948" t="1942" r="2699" b="2892"/>
+              <a:stretch/>
+            </p:blipFill>
+            <p:spPr>
+              <a:xfrm>
+                <a:off x="9570971" y="26012775"/>
+                <a:ext cx="2160000" cy="2160000"/>
+              </a:xfrm>
+              <a:prstGeom prst="rect">
+                <a:avLst/>
+              </a:prstGeom>
+            </p:spPr>
+          </p:pic>
+          <p:pic>
+            <p:nvPicPr>
+              <p:cNvPr id="1027" name="図 1"/>
+              <p:cNvPicPr>
+                <a:picLocks noChangeAspect="1" noChangeArrowheads="1"/>
+              </p:cNvPicPr>
+              <p:nvPr/>
+            </p:nvPicPr>
+            <p:blipFill rotWithShape="1">
+              <a:blip r:embed="rId22">
+                <a:extLst>
+                  <a:ext uri="{28A0092B-C50C-407E-A947-70E740481C1C}">
+                    <a14:useLocalDpi xmlns:a14="http://schemas.microsoft.com/office/drawing/2010/main" val="0"/>
+                  </a:ext>
+                </a:extLst>
+              </a:blip>
+              <a:srcRect l="2119" t="1939" r="2126" b="3060"/>
+              <a:stretch/>
+            </p:blipFill>
+            <p:spPr bwMode="auto">
+              <a:xfrm>
+                <a:off x="12703353" y="26012775"/>
+                <a:ext cx="2160001" cy="2160000"/>
+              </a:xfrm>
+              <a:prstGeom prst="rect">
+                <a:avLst/>
+              </a:prstGeom>
+              <a:noFill/>
+              <a:ln>
+                <a:noFill/>
+              </a:ln>
+              <a:extLst>
+                <a:ext uri="{909E8E84-426E-40DD-AFC4-6F175D3DCCD1}">
+                  <a14:hiddenFill xmlns:a14="http://schemas.microsoft.com/office/drawing/2010/main">
+                    <a:solidFill>
+                      <a:srgbClr val="FFFFFF"/>
+                    </a:solidFill>
+                  </a14:hiddenFill>
+                </a:ext>
+                <a:ext uri="{91240B29-F687-4F45-9708-019B960494DF}">
+                  <a14:hiddenLine xmlns:a14="http://schemas.microsoft.com/office/drawing/2010/main" w="9525">
+                    <a:solidFill>
+                      <a:srgbClr val="000000"/>
+                    </a:solidFill>
+                    <a:miter lim="800000"/>
+                    <a:headEnd/>
+                    <a:tailEnd/>
+                  </a14:hiddenLine>
+                </a:ext>
+              </a:extLst>
+            </p:spPr>
+          </p:pic>
+          <p:pic>
+            <p:nvPicPr>
+              <p:cNvPr id="17" name="図 16"/>
+              <p:cNvPicPr>
+                <a:picLocks noChangeAspect="1"/>
+              </p:cNvPicPr>
+              <p:nvPr/>
+            </p:nvPicPr>
+            <p:blipFill rotWithShape="1">
+              <a:blip r:embed="rId23"/>
+              <a:srcRect l="2205" t="1826" r="2441" b="2254"/>
+              <a:stretch/>
+            </p:blipFill>
+            <p:spPr>
+              <a:xfrm>
+                <a:off x="6342811" y="26012775"/>
+                <a:ext cx="2160000" cy="2160000"/>
+              </a:xfrm>
+              <a:prstGeom prst="rect">
+                <a:avLst/>
+              </a:prstGeom>
+            </p:spPr>
+          </p:pic>
+          <p:sp>
+            <p:nvSpPr>
+              <p:cNvPr id="91" name="下矢印 90"/>
+              <p:cNvSpPr/>
+              <p:nvPr/>
+            </p:nvSpPr>
+            <p:spPr>
+              <a:xfrm rot="16200000">
+                <a:off x="5389228" y="26842946"/>
+                <a:ext cx="891932" cy="499659"/>
+              </a:xfrm>
+              <a:prstGeom prst="downArrow">
+                <a:avLst/>
+              </a:prstGeom>
+              <a:ln>
+                <a:noFill/>
+              </a:ln>
+            </p:spPr>
+            <p:style>
+              <a:lnRef idx="2">
+                <a:schemeClr val="accent4">
+                  <a:shade val="50000"/>
+                </a:schemeClr>
+              </a:lnRef>
+              <a:fillRef idx="1">
+                <a:schemeClr val="accent4"/>
+              </a:fillRef>
+              <a:effectRef idx="0">
+                <a:schemeClr val="accent4"/>
+              </a:effectRef>
+              <a:fontRef idx="minor">
+                <a:schemeClr val="lt1"/>
+              </a:fontRef>
+            </p:style>
+            <p:txBody>
+              <a:bodyPr rtlCol="0" anchor="ctr"/>
+              <a:lstStyle/>
+              <a:p>
+                <a:pPr algn="ctr"/>
+                <a:endParaRPr kumimoji="1" lang="ja-JP" altLang="en-US"/>
+              </a:p>
+            </p:txBody>
+          </p:sp>
+        </p:grpSp>
+        <p:sp>
+          <p:nvSpPr>
+            <p:cNvPr id="107" name="下矢印 106"/>
+            <p:cNvSpPr/>
+            <p:nvPr/>
+          </p:nvSpPr>
+          <p:spPr>
+            <a:xfrm rot="16200000">
+              <a:off x="7063633" y="25696822"/>
+              <a:ext cx="891932" cy="499659"/>
+            </a:xfrm>
+            <a:prstGeom prst="downArrow">
+              <a:avLst/>
+            </a:prstGeom>
+            <a:ln>
+              <a:noFill/>
+            </a:ln>
+          </p:spPr>
+          <p:style>
+            <a:lnRef idx="2">
+              <a:schemeClr val="accent4">
+                <a:shade val="50000"/>
+              </a:schemeClr>
+            </a:lnRef>
+            <a:fillRef idx="1">
+              <a:schemeClr val="accent4"/>
+            </a:fillRef>
+            <a:effectRef idx="0">
+              <a:schemeClr val="accent4"/>
+            </a:effectRef>
+            <a:fontRef idx="minor">
+              <a:schemeClr val="lt1"/>
+            </a:fontRef>
+          </p:style>
+          <p:txBody>
+            <a:bodyPr rtlCol="0" anchor="ctr"/>
+            <a:lstStyle/>
+            <a:p>
+              <a:pPr algn="ctr"/>
+              <a:endParaRPr kumimoji="1" lang="ja-JP" altLang="en-US"/>
+            </a:p>
+          </p:txBody>
+        </p:sp>
+        <p:sp>
+          <p:nvSpPr>
+            <p:cNvPr id="108" name="下矢印 107"/>
+            <p:cNvSpPr/>
+            <p:nvPr/>
+          </p:nvSpPr>
+          <p:spPr>
+            <a:xfrm rot="16200000">
+              <a:off x="10254551" y="25705041"/>
+              <a:ext cx="891932" cy="499659"/>
+            </a:xfrm>
+            <a:prstGeom prst="downArrow">
+              <a:avLst/>
+            </a:prstGeom>
+            <a:ln>
+              <a:noFill/>
+            </a:ln>
+          </p:spPr>
+          <p:style>
+            <a:lnRef idx="2">
+              <a:schemeClr val="accent4">
+                <a:shade val="50000"/>
+              </a:schemeClr>
+            </a:lnRef>
+            <a:fillRef idx="1">
+              <a:schemeClr val="accent4"/>
+            </a:fillRef>
+            <a:effectRef idx="0">
+              <a:schemeClr val="accent4"/>
+            </a:effectRef>
+            <a:fontRef idx="minor">
+              <a:schemeClr val="lt1"/>
+            </a:fontRef>
+          </p:style>
+          <p:txBody>
+            <a:bodyPr rtlCol="0" anchor="ctr"/>
+            <a:lstStyle/>
+            <a:p>
+              <a:pPr algn="ctr"/>
+              <a:endParaRPr kumimoji="1" lang="ja-JP" altLang="en-US"/>
+            </a:p>
+          </p:txBody>
+        </p:sp>
+      </p:grpSp>
+      <p:sp>
+        <p:nvSpPr>
+          <p:cNvPr id="30" name="テキスト ボックス 29"/>
+          <p:cNvSpPr txBox="1"/>
+          <p:nvPr/>
+        </p:nvSpPr>
+        <p:spPr>
+          <a:xfrm>
+            <a:off x="1579853" y="24707936"/>
+            <a:ext cx="9549947" cy="646331"/>
+          </a:xfrm>
+          <a:prstGeom prst="rect">
+            <a:avLst/>
+          </a:prstGeom>
+          <a:noFill/>
+        </p:spPr>
+        <p:txBody>
+          <a:bodyPr wrap="square" rtlCol="0">
+            <a:spAutoFit/>
+          </a:bodyPr>
+          <a:lstStyle/>
+          <a:p>
+            <a:r>
+              <a:rPr lang="en-US" altLang="ja-JP" sz="3600" b="1" dirty="0">
+                <a:latin typeface="Times New Roman" panose="02020603050405020304" pitchFamily="18" charset="0"/>
+                <a:ea typeface="ＭＳ 明朝" panose="02020609040205080304" pitchFamily="17" charset="-128"/>
+                <a:cs typeface="Times New Roman" panose="02020603050405020304" pitchFamily="18" charset="0"/>
+              </a:rPr>
+              <a:t>Step 1</a:t>
+            </a:r>
+            <a:r>
+              <a:rPr lang="en-US" altLang="ja-JP" sz="3600" dirty="0">
+                <a:latin typeface="Times New Roman" panose="02020603050405020304" pitchFamily="18" charset="0"/>
+                <a:ea typeface="ＭＳ 明朝" panose="02020609040205080304" pitchFamily="17" charset="-128"/>
+                <a:cs typeface="Times New Roman" panose="02020603050405020304" pitchFamily="18" charset="0"/>
+              </a:rPr>
+              <a:t>. </a:t>
+            </a:r>
+            <a:r>
+              <a:rPr lang="ja-JP" altLang="en-US" sz="3600" dirty="0">
+                <a:latin typeface="Times New Roman" panose="02020603050405020304" pitchFamily="18" charset="0"/>
+                <a:ea typeface="ＭＳ 明朝" panose="02020609040205080304" pitchFamily="17" charset="-128"/>
+                <a:cs typeface="Times New Roman" panose="02020603050405020304" pitchFamily="18" charset="0"/>
+              </a:rPr>
+              <a:t>ある</a:t>
+            </a:r>
+            <a:r>
+              <a:rPr lang="en-US" altLang="ja-JP" sz="3600" dirty="0">
+                <a:latin typeface="Times New Roman" panose="02020603050405020304" pitchFamily="18" charset="0"/>
+                <a:ea typeface="ＭＳ 明朝" panose="02020609040205080304" pitchFamily="17" charset="-128"/>
+                <a:cs typeface="Times New Roman" panose="02020603050405020304" pitchFamily="18" charset="0"/>
+              </a:rPr>
+              <a:t>Pursuer</a:t>
+            </a:r>
+            <a:r>
+              <a:rPr lang="ja-JP" altLang="en-US" sz="3600" dirty="0">
+                <a:latin typeface="Times New Roman" panose="02020603050405020304" pitchFamily="18" charset="0"/>
+                <a:ea typeface="ＭＳ 明朝" panose="02020609040205080304" pitchFamily="17" charset="-128"/>
+                <a:cs typeface="Times New Roman" panose="02020603050405020304" pitchFamily="18" charset="0"/>
+              </a:rPr>
+              <a:t>に四つ方向移動可能</a:t>
+            </a:r>
+            <a:r>
+              <a:rPr lang="en-US" altLang="ja-JP" sz="3600" dirty="0">
+                <a:latin typeface="Times New Roman" panose="02020603050405020304" pitchFamily="18" charset="0"/>
+                <a:ea typeface="ＭＳ 明朝" panose="02020609040205080304" pitchFamily="17" charset="-128"/>
+                <a:cs typeface="Times New Roman" panose="02020603050405020304" pitchFamily="18" charset="0"/>
+              </a:rPr>
+              <a:t> </a:t>
+            </a:r>
+            <a:endParaRPr lang="ja-JP" altLang="en-US" sz="3600" dirty="0">
+              <a:latin typeface="Times New Roman" panose="02020603050405020304" pitchFamily="18" charset="0"/>
+              <a:ea typeface="ＭＳ 明朝" panose="02020609040205080304" pitchFamily="17" charset="-128"/>
+              <a:cs typeface="Times New Roman" panose="02020603050405020304" pitchFamily="18" charset="0"/>
+            </a:endParaRPr>
+          </a:p>
+        </p:txBody>
+      </p:sp>
+      <p:sp>
+        <p:nvSpPr>
+          <p:cNvPr id="109" name="テキスト ボックス 108"/>
+          <p:cNvSpPr txBox="1"/>
+          <p:nvPr/>
+        </p:nvSpPr>
+        <p:spPr>
+          <a:xfrm>
+            <a:off x="1579852" y="25982531"/>
+            <a:ext cx="9549947" cy="646331"/>
+          </a:xfrm>
+          <a:prstGeom prst="rect">
+            <a:avLst/>
+          </a:prstGeom>
+          <a:noFill/>
+        </p:spPr>
+        <p:txBody>
+          <a:bodyPr wrap="square" rtlCol="0">
+            <a:spAutoFit/>
+          </a:bodyPr>
+          <a:lstStyle/>
+          <a:p>
+            <a:r>
+              <a:rPr lang="en-US" altLang="ja-JP" sz="3600" b="1" dirty="0">
+                <a:latin typeface="Times New Roman" panose="02020603050405020304" pitchFamily="18" charset="0"/>
+                <a:ea typeface="ＭＳ 明朝" panose="02020609040205080304" pitchFamily="17" charset="-128"/>
+                <a:cs typeface="Times New Roman" panose="02020603050405020304" pitchFamily="18" charset="0"/>
+              </a:rPr>
+              <a:t>Step </a:t>
+            </a:r>
+            <a:r>
+              <a:rPr lang="en-US" altLang="ja-JP" sz="3600" b="1" dirty="0" smtClean="0">
+                <a:latin typeface="Times New Roman" panose="02020603050405020304" pitchFamily="18" charset="0"/>
+                <a:ea typeface="ＭＳ 明朝" panose="02020609040205080304" pitchFamily="17" charset="-128"/>
+                <a:cs typeface="Times New Roman" panose="02020603050405020304" pitchFamily="18" charset="0"/>
+              </a:rPr>
+              <a:t>2</a:t>
+            </a:r>
+            <a:r>
+              <a:rPr lang="en-US" altLang="ja-JP" sz="3600" dirty="0" smtClean="0">
+                <a:latin typeface="Times New Roman" panose="02020603050405020304" pitchFamily="18" charset="0"/>
+                <a:ea typeface="ＭＳ 明朝" panose="02020609040205080304" pitchFamily="17" charset="-128"/>
+                <a:cs typeface="Times New Roman" panose="02020603050405020304" pitchFamily="18" charset="0"/>
+              </a:rPr>
+              <a:t>. </a:t>
+            </a:r>
+            <a:r>
+              <a:rPr lang="ja-JP" altLang="en-US" sz="3600" dirty="0" smtClean="0">
+                <a:latin typeface="Times New Roman" panose="02020603050405020304" pitchFamily="18" charset="0"/>
+                <a:ea typeface="ＭＳ 明朝" panose="02020609040205080304" pitchFamily="17" charset="-128"/>
+                <a:cs typeface="Times New Roman" panose="02020603050405020304" pitchFamily="18" charset="0"/>
+              </a:rPr>
+              <a:t>各方向の</a:t>
+            </a:r>
+            <a:r>
+              <a:rPr lang="en-US" altLang="ja-JP" sz="3600" dirty="0" smtClean="0">
+                <a:latin typeface="Times New Roman" panose="02020603050405020304" pitchFamily="18" charset="0"/>
+                <a:ea typeface="ＭＳ 明朝" panose="02020609040205080304" pitchFamily="17" charset="-128"/>
+                <a:cs typeface="Times New Roman" panose="02020603050405020304" pitchFamily="18" charset="0"/>
+              </a:rPr>
+              <a:t>Pursuer-cover-set(PCS)</a:t>
+            </a:r>
+            <a:r>
+              <a:rPr lang="ja-JP" altLang="en-US" sz="3600" dirty="0" smtClean="0">
+                <a:latin typeface="Times New Roman" panose="02020603050405020304" pitchFamily="18" charset="0"/>
+                <a:ea typeface="ＭＳ 明朝" panose="02020609040205080304" pitchFamily="17" charset="-128"/>
+                <a:cs typeface="Times New Roman" panose="02020603050405020304" pitchFamily="18" charset="0"/>
+              </a:rPr>
+              <a:t>を計算</a:t>
+            </a:r>
+            <a:endParaRPr lang="ja-JP" altLang="en-US" sz="3600" dirty="0">
+              <a:latin typeface="Times New Roman" panose="02020603050405020304" pitchFamily="18" charset="0"/>
+              <a:ea typeface="ＭＳ 明朝" panose="02020609040205080304" pitchFamily="17" charset="-128"/>
+              <a:cs typeface="Times New Roman" panose="02020603050405020304" pitchFamily="18" charset="0"/>
+            </a:endParaRPr>
+          </a:p>
+        </p:txBody>
+      </p:sp>
+      <p:sp>
+        <p:nvSpPr>
+          <p:cNvPr id="110" name="テキスト ボックス 109"/>
+          <p:cNvSpPr txBox="1"/>
+          <p:nvPr/>
+        </p:nvSpPr>
+        <p:spPr>
+          <a:xfrm>
+            <a:off x="1579852" y="29953332"/>
+            <a:ext cx="10030563" cy="646331"/>
+          </a:xfrm>
+          <a:prstGeom prst="rect">
+            <a:avLst/>
+          </a:prstGeom>
+          <a:noFill/>
+        </p:spPr>
+        <p:txBody>
+          <a:bodyPr wrap="square" rtlCol="0">
+            <a:spAutoFit/>
+          </a:bodyPr>
+          <a:lstStyle/>
+          <a:p>
+            <a:r>
+              <a:rPr lang="en-US" altLang="ja-JP" sz="3600" b="1" dirty="0">
+                <a:latin typeface="Times New Roman" panose="02020603050405020304" pitchFamily="18" charset="0"/>
+                <a:ea typeface="ＭＳ 明朝" panose="02020609040205080304" pitchFamily="17" charset="-128"/>
+                <a:cs typeface="Times New Roman" panose="02020603050405020304" pitchFamily="18" charset="0"/>
+              </a:rPr>
+              <a:t>Step </a:t>
+            </a:r>
+            <a:r>
+              <a:rPr lang="en-US" altLang="ja-JP" sz="3600" b="1" dirty="0" smtClean="0">
+                <a:latin typeface="Times New Roman" panose="02020603050405020304" pitchFamily="18" charset="0"/>
+                <a:ea typeface="ＭＳ 明朝" panose="02020609040205080304" pitchFamily="17" charset="-128"/>
+                <a:cs typeface="Times New Roman" panose="02020603050405020304" pitchFamily="18" charset="0"/>
+              </a:rPr>
+              <a:t>3</a:t>
+            </a:r>
+            <a:r>
+              <a:rPr lang="en-US" altLang="ja-JP" sz="3600" dirty="0" smtClean="0">
+                <a:latin typeface="Times New Roman" panose="02020603050405020304" pitchFamily="18" charset="0"/>
+                <a:ea typeface="ＭＳ 明朝" panose="02020609040205080304" pitchFamily="17" charset="-128"/>
+                <a:cs typeface="Times New Roman" panose="02020603050405020304" pitchFamily="18" charset="0"/>
+              </a:rPr>
+              <a:t>. </a:t>
+            </a:r>
+            <a:r>
+              <a:rPr lang="ja-JP" altLang="en-US" sz="3600" dirty="0" smtClean="0">
+                <a:latin typeface="Times New Roman" panose="02020603050405020304" pitchFamily="18" charset="0"/>
+                <a:ea typeface="ＭＳ 明朝" panose="02020609040205080304" pitchFamily="17" charset="-128"/>
+                <a:cs typeface="Times New Roman" panose="02020603050405020304" pitchFamily="18" charset="0"/>
+              </a:rPr>
+              <a:t>最大の</a:t>
+            </a:r>
+            <a:r>
+              <a:rPr lang="en-US" altLang="ja-JP" sz="3600" dirty="0" smtClean="0">
+                <a:latin typeface="Times New Roman" panose="02020603050405020304" pitchFamily="18" charset="0"/>
+                <a:ea typeface="ＭＳ 明朝" panose="02020609040205080304" pitchFamily="17" charset="-128"/>
+                <a:cs typeface="Times New Roman" panose="02020603050405020304" pitchFamily="18" charset="0"/>
+              </a:rPr>
+              <a:t>PCS</a:t>
+            </a:r>
+            <a:r>
+              <a:rPr lang="ja-JP" altLang="en-US" sz="3600" dirty="0" smtClean="0">
+                <a:latin typeface="Times New Roman" panose="02020603050405020304" pitchFamily="18" charset="0"/>
+                <a:ea typeface="ＭＳ 明朝" panose="02020609040205080304" pitchFamily="17" charset="-128"/>
+                <a:cs typeface="Times New Roman" panose="02020603050405020304" pitchFamily="18" charset="0"/>
+              </a:rPr>
+              <a:t>を持つ方向に移動</a:t>
+            </a:r>
+            <a:endParaRPr lang="ja-JP" altLang="en-US" sz="3600" dirty="0">
+              <a:latin typeface="Times New Roman" panose="02020603050405020304" pitchFamily="18" charset="0"/>
+              <a:ea typeface="ＭＳ 明朝" panose="02020609040205080304" pitchFamily="17" charset="-128"/>
+              <a:cs typeface="Times New Roman" panose="02020603050405020304" pitchFamily="18" charset="0"/>
+            </a:endParaRPr>
+          </a:p>
+        </p:txBody>
+      </p:sp>
+      <p:grpSp>
+        <p:nvGrpSpPr>
+          <p:cNvPr id="35" name="グループ化 34"/>
+          <p:cNvGrpSpPr/>
+          <p:nvPr/>
+        </p:nvGrpSpPr>
+        <p:grpSpPr>
+          <a:xfrm>
+            <a:off x="11290525" y="24782222"/>
+            <a:ext cx="2160000" cy="2160000"/>
+            <a:chOff x="11290525" y="24782222"/>
+            <a:chExt cx="2160000" cy="2160000"/>
+          </a:xfrm>
+        </p:grpSpPr>
+        <p:pic>
+          <p:nvPicPr>
+            <p:cNvPr id="31" name="図 30"/>
+            <p:cNvPicPr>
+              <a:picLocks noChangeAspect="1"/>
+            </p:cNvPicPr>
+            <p:nvPr/>
+          </p:nvPicPr>
+          <p:blipFill rotWithShape="1">
+            <a:blip r:embed="rId24"/>
+            <a:srcRect l="100" r="100"/>
+            <a:stretch/>
+          </p:blipFill>
+          <p:spPr>
+            <a:xfrm>
+              <a:off x="11290525" y="24782222"/>
+              <a:ext cx="2160000" cy="2160000"/>
+            </a:xfrm>
+            <a:prstGeom prst="rect">
+              <a:avLst/>
+            </a:prstGeom>
+          </p:spPr>
+        </p:pic>
+        <p:sp>
+          <p:nvSpPr>
+            <p:cNvPr id="33" name="右矢印 32"/>
+            <p:cNvSpPr/>
+            <p:nvPr/>
+          </p:nvSpPr>
+          <p:spPr>
+            <a:xfrm>
+              <a:off x="12184694" y="25042460"/>
+              <a:ext cx="218989" cy="117577"/>
+            </a:xfrm>
+            <a:prstGeom prst="rightArrow">
+              <a:avLst/>
+            </a:prstGeom>
+          </p:spPr>
+          <p:style>
+            <a:lnRef idx="2">
+              <a:schemeClr val="accent1">
+                <a:shade val="50000"/>
+              </a:schemeClr>
+            </a:lnRef>
+            <a:fillRef idx="1">
+              <a:schemeClr val="accent1"/>
+            </a:fillRef>
+            <a:effectRef idx="0">
+              <a:schemeClr val="accent1"/>
+            </a:effectRef>
+            <a:fontRef idx="minor">
+              <a:schemeClr val="lt1"/>
+            </a:fontRef>
+          </p:style>
+          <p:txBody>
+            <a:bodyPr rtlCol="0" anchor="ctr"/>
+            <a:lstStyle/>
+            <a:p>
+              <a:pPr algn="ctr"/>
+              <a:endParaRPr kumimoji="1" lang="ja-JP" altLang="en-US"/>
+            </a:p>
+          </p:txBody>
+        </p:sp>
+        <p:sp>
+          <p:nvSpPr>
+            <p:cNvPr id="111" name="右矢印 110"/>
+            <p:cNvSpPr/>
+            <p:nvPr/>
+          </p:nvSpPr>
+          <p:spPr>
+            <a:xfrm rot="10800000">
+              <a:off x="11699112" y="25031100"/>
+              <a:ext cx="213028" cy="140299"/>
+            </a:xfrm>
+            <a:prstGeom prst="rightArrow">
+              <a:avLst/>
+            </a:prstGeom>
+          </p:spPr>
+          <p:style>
+            <a:lnRef idx="2">
+              <a:schemeClr val="accent1">
+                <a:shade val="50000"/>
+              </a:schemeClr>
+            </a:lnRef>
+            <a:fillRef idx="1">
+              <a:schemeClr val="accent1"/>
+            </a:fillRef>
+            <a:effectRef idx="0">
+              <a:schemeClr val="accent1"/>
+            </a:effectRef>
+            <a:fontRef idx="minor">
+              <a:schemeClr val="lt1"/>
+            </a:fontRef>
+          </p:style>
+          <p:txBody>
+            <a:bodyPr rtlCol="0" anchor="ctr"/>
+            <a:lstStyle/>
+            <a:p>
+              <a:pPr algn="ctr"/>
+              <a:endParaRPr kumimoji="1" lang="ja-JP" altLang="en-US"/>
+            </a:p>
+          </p:txBody>
+        </p:sp>
+        <p:sp>
+          <p:nvSpPr>
+            <p:cNvPr id="112" name="右矢印 111"/>
+            <p:cNvSpPr/>
+            <p:nvPr/>
+          </p:nvSpPr>
+          <p:spPr>
+            <a:xfrm rot="5400000">
+              <a:off x="11943097" y="25281189"/>
+              <a:ext cx="185117" cy="117577"/>
+            </a:xfrm>
+            <a:prstGeom prst="rightArrow">
+              <a:avLst/>
+            </a:prstGeom>
+          </p:spPr>
+          <p:style>
+            <a:lnRef idx="2">
+              <a:schemeClr val="accent1">
+                <a:shade val="50000"/>
+              </a:schemeClr>
+            </a:lnRef>
+            <a:fillRef idx="1">
+              <a:schemeClr val="accent1"/>
+            </a:fillRef>
+            <a:effectRef idx="0">
+              <a:schemeClr val="accent1"/>
+            </a:effectRef>
+            <a:fontRef idx="minor">
+              <a:schemeClr val="lt1"/>
+            </a:fontRef>
+          </p:style>
+          <p:txBody>
+            <a:bodyPr rtlCol="0" anchor="ctr"/>
+            <a:lstStyle/>
+            <a:p>
+              <a:pPr algn="ctr"/>
+              <a:endParaRPr kumimoji="1" lang="ja-JP" altLang="en-US"/>
+            </a:p>
+          </p:txBody>
+        </p:sp>
+        <p:sp>
+          <p:nvSpPr>
+            <p:cNvPr id="113" name="右矢印 112"/>
+            <p:cNvSpPr/>
+            <p:nvPr/>
+          </p:nvSpPr>
+          <p:spPr>
+            <a:xfrm rot="16200000">
+              <a:off x="11943892" y="24815197"/>
+              <a:ext cx="183528" cy="117577"/>
+            </a:xfrm>
+            <a:prstGeom prst="rightArrow">
+              <a:avLst/>
+            </a:prstGeom>
+          </p:spPr>
+          <p:style>
+            <a:lnRef idx="2">
+              <a:schemeClr val="accent1">
+                <a:shade val="50000"/>
+              </a:schemeClr>
+            </a:lnRef>
+            <a:fillRef idx="1">
+              <a:schemeClr val="accent1"/>
+            </a:fillRef>
+            <a:effectRef idx="0">
+              <a:schemeClr val="accent1"/>
+            </a:effectRef>
+            <a:fontRef idx="minor">
+              <a:schemeClr val="lt1"/>
+            </a:fontRef>
+          </p:style>
+          <p:txBody>
+            <a:bodyPr rtlCol="0" anchor="ctr"/>
+            <a:lstStyle/>
+            <a:p>
+              <a:pPr algn="ctr"/>
+              <a:endParaRPr kumimoji="1" lang="ja-JP" altLang="en-US"/>
+            </a:p>
+          </p:txBody>
+        </p:sp>
+      </p:grpSp>
+      <p:pic>
+        <p:nvPicPr>
+          <p:cNvPr id="115" name="図 114"/>
+          <p:cNvPicPr>
+            <a:picLocks noChangeAspect="1"/>
+          </p:cNvPicPr>
+          <p:nvPr/>
+        </p:nvPicPr>
+        <p:blipFill rotWithShape="1">
+          <a:blip r:embed="rId13"/>
+          <a:srcRect l="112" r="112"/>
+          <a:stretch/>
+        </p:blipFill>
+        <p:spPr>
+          <a:xfrm>
+            <a:off x="1708318" y="32439537"/>
+            <a:ext cx="2160000" cy="2160000"/>
+          </a:xfrm>
+          <a:prstGeom prst="rect">
+            <a:avLst/>
+          </a:prstGeom>
+        </p:spPr>
+      </p:pic>
+      <p:grpSp>
+        <p:nvGrpSpPr>
+          <p:cNvPr id="41" name="グループ化 40"/>
+          <p:cNvGrpSpPr/>
+          <p:nvPr/>
+        </p:nvGrpSpPr>
+        <p:grpSpPr>
+          <a:xfrm>
+            <a:off x="4160223" y="32997551"/>
+            <a:ext cx="3726591" cy="1221748"/>
+            <a:chOff x="4160223" y="32997551"/>
+            <a:chExt cx="3726591" cy="1221748"/>
+          </a:xfrm>
+        </p:grpSpPr>
+        <p:sp>
+          <p:nvSpPr>
+            <p:cNvPr id="120" name="角丸四角形 119"/>
+            <p:cNvSpPr/>
+            <p:nvPr/>
+          </p:nvSpPr>
+          <p:spPr>
+            <a:xfrm>
+              <a:off x="4160223" y="32997551"/>
+              <a:ext cx="3679038" cy="1221748"/>
+            </a:xfrm>
+            <a:prstGeom prst="roundRect">
+              <a:avLst>
+                <a:gd name="adj" fmla="val 0"/>
+              </a:avLst>
+            </a:prstGeom>
+            <a:solidFill>
+              <a:srgbClr val="F8F3E0"/>
+            </a:solidFill>
+            <a:ln w="76200">
+              <a:noFill/>
+            </a:ln>
+          </p:spPr>
+          <p:style>
+            <a:lnRef idx="2">
+              <a:schemeClr val="accent1">
+                <a:shade val="50000"/>
+              </a:schemeClr>
+            </a:lnRef>
+            <a:fillRef idx="1">
+              <a:schemeClr val="accent1"/>
+            </a:fillRef>
+            <a:effectRef idx="0">
+              <a:schemeClr val="accent1"/>
+            </a:effectRef>
+            <a:fontRef idx="minor">
+              <a:schemeClr val="lt1"/>
+            </a:fontRef>
+          </p:style>
+          <p:txBody>
+            <a:bodyPr rtlCol="0" anchor="ctr"/>
+            <a:lstStyle/>
+            <a:p>
+              <a:pPr algn="ctr"/>
+              <a:endParaRPr kumimoji="1" lang="ja-JP" altLang="en-US"/>
+            </a:p>
+          </p:txBody>
+        </p:sp>
+        <p:sp>
+          <p:nvSpPr>
+            <p:cNvPr id="36" name="テキスト ボックス 35"/>
+            <p:cNvSpPr txBox="1"/>
+            <p:nvPr/>
+          </p:nvSpPr>
+          <p:spPr>
+            <a:xfrm>
+              <a:off x="4322135" y="33155137"/>
+              <a:ext cx="3564679" cy="954107"/>
+            </a:xfrm>
+            <a:prstGeom prst="rect">
+              <a:avLst/>
+            </a:prstGeom>
+            <a:noFill/>
+          </p:spPr>
+          <p:txBody>
+            <a:bodyPr wrap="square" rtlCol="0">
+              <a:spAutoFit/>
+            </a:bodyPr>
+            <a:lstStyle/>
+            <a:p>
+              <a:r>
+                <a:rPr lang="en-US" altLang="ja-JP" sz="2800" dirty="0" smtClean="0">
+                  <a:latin typeface="Times New Roman" panose="02020603050405020304" pitchFamily="18" charset="0"/>
+                  <a:ea typeface="ＭＳ 明朝" panose="02020609040205080304" pitchFamily="17" charset="-128"/>
+                  <a:cs typeface="Times New Roman" panose="02020603050405020304" pitchFamily="18" charset="0"/>
+                </a:rPr>
+                <a:t>P2</a:t>
+              </a:r>
+              <a:r>
+                <a:rPr lang="ja-JP" altLang="en-US" sz="2800" dirty="0">
+                  <a:latin typeface="Times New Roman" panose="02020603050405020304" pitchFamily="18" charset="0"/>
+                  <a:ea typeface="ＭＳ 明朝" panose="02020609040205080304" pitchFamily="17" charset="-128"/>
+                  <a:cs typeface="Times New Roman" panose="02020603050405020304" pitchFamily="18" charset="0"/>
+                </a:rPr>
+                <a:t>に</a:t>
+              </a:r>
+              <a:r>
+                <a:rPr lang="ja-JP" altLang="en-US" sz="2800" dirty="0" smtClean="0">
+                  <a:latin typeface="Times New Roman" panose="02020603050405020304" pitchFamily="18" charset="0"/>
+                  <a:ea typeface="ＭＳ 明朝" panose="02020609040205080304" pitchFamily="17" charset="-128"/>
+                  <a:cs typeface="Times New Roman" panose="02020603050405020304" pitchFamily="18" charset="0"/>
+                </a:rPr>
+                <a:t>対する四つ</a:t>
+              </a:r>
+              <a:r>
+                <a:rPr lang="ja-JP" altLang="en-US" sz="2800" dirty="0">
+                  <a:latin typeface="Times New Roman" panose="02020603050405020304" pitchFamily="18" charset="0"/>
+                  <a:ea typeface="ＭＳ 明朝" panose="02020609040205080304" pitchFamily="17" charset="-128"/>
+                  <a:cs typeface="Times New Roman" panose="02020603050405020304" pitchFamily="18" charset="0"/>
+                </a:rPr>
+                <a:t>方向</a:t>
+              </a:r>
+              <a:r>
+                <a:rPr lang="ja-JP" altLang="en-US" sz="2800" dirty="0" smtClean="0">
+                  <a:latin typeface="Times New Roman" panose="02020603050405020304" pitchFamily="18" charset="0"/>
+                  <a:ea typeface="ＭＳ 明朝" panose="02020609040205080304" pitchFamily="17" charset="-128"/>
+                  <a:cs typeface="Times New Roman" panose="02020603050405020304" pitchFamily="18" charset="0"/>
+                </a:rPr>
+                <a:t>の</a:t>
+              </a:r>
+              <a:r>
+                <a:rPr lang="en-US" altLang="ja-JP" sz="2800" b="1" dirty="0" smtClean="0">
+                  <a:latin typeface="Times New Roman" panose="02020603050405020304" pitchFamily="18" charset="0"/>
+                  <a:ea typeface="ＭＳ 明朝" panose="02020609040205080304" pitchFamily="17" charset="-128"/>
+                  <a:cs typeface="Times New Roman" panose="02020603050405020304" pitchFamily="18" charset="0"/>
+                </a:rPr>
+                <a:t>PCS </a:t>
+              </a:r>
+              <a:r>
+                <a:rPr lang="ja-JP" altLang="en-US" sz="2800" b="1" dirty="0">
+                  <a:latin typeface="Times New Roman" panose="02020603050405020304" pitchFamily="18" charset="0"/>
+                  <a:ea typeface="ＭＳ 明朝" panose="02020609040205080304" pitchFamily="17" charset="-128"/>
+                  <a:cs typeface="Times New Roman" panose="02020603050405020304" pitchFamily="18" charset="0"/>
+                </a:rPr>
+                <a:t>が</a:t>
+              </a:r>
+              <a:r>
+                <a:rPr lang="ja-JP" altLang="en-US" sz="2800" b="1" dirty="0" smtClean="0">
+                  <a:latin typeface="Times New Roman" panose="02020603050405020304" pitchFamily="18" charset="0"/>
+                  <a:ea typeface="ＭＳ 明朝" panose="02020609040205080304" pitchFamily="17" charset="-128"/>
+                  <a:cs typeface="Times New Roman" panose="02020603050405020304" pitchFamily="18" charset="0"/>
+                </a:rPr>
+                <a:t>等しい</a:t>
+              </a:r>
+              <a:endParaRPr lang="ja-JP" altLang="en-US" sz="2800" b="1" dirty="0">
+                <a:latin typeface="Times New Roman" panose="02020603050405020304" pitchFamily="18" charset="0"/>
+                <a:ea typeface="ＭＳ 明朝" panose="02020609040205080304" pitchFamily="17" charset="-128"/>
+                <a:cs typeface="Times New Roman" panose="02020603050405020304" pitchFamily="18" charset="0"/>
+              </a:endParaRPr>
+            </a:p>
+          </p:txBody>
+        </p:sp>
+      </p:grpSp>
+      <p:grpSp>
+        <p:nvGrpSpPr>
+          <p:cNvPr id="40" name="グループ化 39"/>
+          <p:cNvGrpSpPr/>
+          <p:nvPr/>
+        </p:nvGrpSpPr>
+        <p:grpSpPr>
+          <a:xfrm>
+            <a:off x="1620059" y="30951944"/>
+            <a:ext cx="6321141" cy="1135311"/>
+            <a:chOff x="1625436" y="30002386"/>
+            <a:chExt cx="6321141" cy="1135311"/>
+          </a:xfrm>
+        </p:grpSpPr>
+        <p:sp>
+          <p:nvSpPr>
+            <p:cNvPr id="119" name="角丸四角形 118"/>
+            <p:cNvSpPr/>
+            <p:nvPr/>
+          </p:nvSpPr>
+          <p:spPr>
+            <a:xfrm>
+              <a:off x="1625436" y="30002386"/>
+              <a:ext cx="6321141" cy="1135311"/>
+            </a:xfrm>
+            <a:prstGeom prst="roundRect">
+              <a:avLst>
+                <a:gd name="adj" fmla="val 236"/>
+              </a:avLst>
+            </a:prstGeom>
+            <a:solidFill>
+              <a:srgbClr val="F8F3E0"/>
+            </a:solidFill>
+            <a:ln w="76200">
+              <a:noFill/>
+            </a:ln>
+          </p:spPr>
+          <p:style>
+            <a:lnRef idx="2">
+              <a:schemeClr val="accent1">
+                <a:shade val="50000"/>
+              </a:schemeClr>
+            </a:lnRef>
+            <a:fillRef idx="1">
+              <a:schemeClr val="accent1"/>
+            </a:fillRef>
+            <a:effectRef idx="0">
+              <a:schemeClr val="accent1"/>
+            </a:effectRef>
+            <a:fontRef idx="minor">
+              <a:schemeClr val="lt1"/>
+            </a:fontRef>
+          </p:style>
+          <p:txBody>
+            <a:bodyPr rtlCol="0" anchor="ctr"/>
+            <a:lstStyle/>
+            <a:p>
+              <a:pPr algn="ctr"/>
+              <a:endParaRPr kumimoji="1" lang="ja-JP" altLang="en-US"/>
+            </a:p>
+          </p:txBody>
+        </p:sp>
+        <mc:AlternateContent xmlns:mc="http://schemas.openxmlformats.org/markup-compatibility/2006">
+          <mc:Choice xmlns:a14="http://schemas.microsoft.com/office/drawing/2010/main" Requires="a14">
+            <p:sp>
+              <p:nvSpPr>
+                <p:cNvPr id="118" name="テキスト ボックス 117"/>
+                <p:cNvSpPr txBox="1"/>
+                <p:nvPr/>
+              </p:nvSpPr>
+              <p:spPr>
+                <a:xfrm>
+                  <a:off x="1916216" y="30116975"/>
+                  <a:ext cx="6030361" cy="954107"/>
+                </a:xfrm>
+                <a:prstGeom prst="rect">
+                  <a:avLst/>
+                </a:prstGeom>
+                <a:noFill/>
+              </p:spPr>
+              <p:txBody>
+                <a:bodyPr wrap="square" rtlCol="0">
+                  <a:spAutoFit/>
+                </a:bodyPr>
+                <a:lstStyle/>
+                <a:p>
+                  <a:r>
+                    <a:rPr lang="ja-JP" altLang="en-US" sz="2800" b="1" dirty="0" smtClean="0">
+                      <a:latin typeface="Times New Roman" panose="02020603050405020304" pitchFamily="18" charset="0"/>
+                      <a:ea typeface="ＭＳ 明朝" panose="02020609040205080304" pitchFamily="17" charset="-128"/>
+                      <a:cs typeface="Times New Roman" panose="02020603050405020304" pitchFamily="18" charset="0"/>
+                    </a:rPr>
+                    <a:t>時間計算量</a:t>
+                  </a:r>
+                  <a14:m>
+                    <m:oMath xmlns:m="http://schemas.openxmlformats.org/officeDocument/2006/math">
+                      <m:r>
+                        <a:rPr lang="ja-JP" altLang="en-US" sz="2800" b="1" i="1" dirty="0" smtClean="0">
+                          <a:latin typeface="Cambria Math" panose="02040503050406030204" pitchFamily="18" charset="0"/>
+                          <a:ea typeface="ＭＳ 明朝" panose="02020609040205080304" pitchFamily="17" charset="-128"/>
+                          <a:cs typeface="Times New Roman" panose="02020603050405020304" pitchFamily="18" charset="0"/>
+                        </a:rPr>
+                        <m:t> </m:t>
+                      </m:r>
+                      <m:r>
+                        <a:rPr lang="en-US" altLang="ja-JP" sz="2800" i="1" dirty="0" smtClean="0">
+                          <a:latin typeface="Cambria Math" panose="02040503050406030204" pitchFamily="18" charset="0"/>
+                          <a:ea typeface="ＭＳ 明朝" panose="02020609040205080304" pitchFamily="17" charset="-128"/>
+                          <a:cs typeface="Times New Roman" panose="02020603050405020304" pitchFamily="18" charset="0"/>
+                        </a:rPr>
+                        <m:t>𝑂</m:t>
+                      </m:r>
+                      <m:r>
+                        <a:rPr lang="en-US" altLang="ja-JP" sz="2800" i="1" dirty="0" smtClean="0">
+                          <a:latin typeface="Cambria Math" panose="02040503050406030204" pitchFamily="18" charset="0"/>
+                          <a:ea typeface="ＭＳ 明朝" panose="02020609040205080304" pitchFamily="17" charset="-128"/>
+                          <a:cs typeface="Times New Roman" panose="02020603050405020304" pitchFamily="18" charset="0"/>
+                        </a:rPr>
+                        <m:t>(</m:t>
+                      </m:r>
+                      <m:r>
+                        <a:rPr lang="en-US" altLang="ja-JP" sz="2800" i="1" dirty="0" smtClean="0">
+                          <a:latin typeface="Cambria Math" panose="02040503050406030204" pitchFamily="18" charset="0"/>
+                          <a:ea typeface="ＭＳ 明朝" panose="02020609040205080304" pitchFamily="17" charset="-128"/>
+                          <a:cs typeface="Times New Roman" panose="02020603050405020304" pitchFamily="18" charset="0"/>
+                        </a:rPr>
+                        <m:t>𝑁</m:t>
+                      </m:r>
+                      <m:r>
+                        <a:rPr lang="en-US" altLang="ja-JP" sz="2800" i="1" dirty="0" smtClean="0">
+                          <a:latin typeface="Cambria Math" panose="02040503050406030204" pitchFamily="18" charset="0"/>
+                          <a:ea typeface="ＭＳ 明朝" panose="02020609040205080304" pitchFamily="17" charset="-128"/>
+                          <a:cs typeface="Times New Roman" panose="02020603050405020304" pitchFamily="18" charset="0"/>
+                        </a:rPr>
+                        <m:t>)</m:t>
+                      </m:r>
+                    </m:oMath>
+                  </a14:m>
+                  <a:r>
+                    <a:rPr lang="ja-JP" altLang="en-US" sz="2800" dirty="0" smtClean="0">
+                      <a:latin typeface="Times New Roman" panose="02020603050405020304" pitchFamily="18" charset="0"/>
+                      <a:ea typeface="ＭＳ 明朝" panose="02020609040205080304" pitchFamily="17" charset="-128"/>
+                      <a:cs typeface="Times New Roman" panose="02020603050405020304" pitchFamily="18" charset="0"/>
+                    </a:rPr>
+                    <a:t>　</a:t>
+                  </a:r>
+                  <a:r>
+                    <a:rPr lang="en-US" altLang="ja-JP" sz="2800" dirty="0" smtClean="0">
+                      <a:latin typeface="Times New Roman" panose="02020603050405020304" pitchFamily="18" charset="0"/>
+                      <a:ea typeface="ＭＳ 明朝" panose="02020609040205080304" pitchFamily="17" charset="-128"/>
+                      <a:cs typeface="Times New Roman" panose="02020603050405020304" pitchFamily="18" charset="0"/>
+                    </a:rPr>
+                    <a:t> </a:t>
+                  </a:r>
+                </a:p>
+                <a:p>
+                  <a14:m>
+                    <m:oMath xmlns:m="http://schemas.openxmlformats.org/officeDocument/2006/math">
+                      <m:r>
+                        <a:rPr lang="en-US" altLang="ja-JP" sz="2800" i="1" dirty="0" smtClean="0">
+                          <a:latin typeface="Cambria Math" panose="02040503050406030204" pitchFamily="18" charset="0"/>
+                          <a:ea typeface="ＭＳ 明朝" panose="02020609040205080304" pitchFamily="17" charset="-128"/>
+                          <a:cs typeface="Times New Roman" panose="02020603050405020304" pitchFamily="18" charset="0"/>
+                        </a:rPr>
+                        <m:t>𝑁</m:t>
+                      </m:r>
+                    </m:oMath>
+                  </a14:m>
+                  <a:r>
+                    <a:rPr lang="ja-JP" altLang="en-US" sz="2800" dirty="0" smtClean="0">
+                      <a:latin typeface="Times New Roman" panose="02020603050405020304" pitchFamily="18" charset="0"/>
+                      <a:ea typeface="ＭＳ 明朝" panose="02020609040205080304" pitchFamily="17" charset="-128"/>
+                      <a:cs typeface="Times New Roman" panose="02020603050405020304" pitchFamily="18" charset="0"/>
+                    </a:rPr>
+                    <a:t>は地図</a:t>
+                  </a:r>
+                  <a:r>
+                    <a:rPr lang="ja-JP" altLang="en-US" sz="2800" dirty="0">
+                      <a:latin typeface="Times New Roman" panose="02020603050405020304" pitchFamily="18" charset="0"/>
+                      <a:ea typeface="ＭＳ 明朝" panose="02020609040205080304" pitchFamily="17" charset="-128"/>
+                      <a:cs typeface="Times New Roman" panose="02020603050405020304" pitchFamily="18" charset="0"/>
+                    </a:rPr>
+                    <a:t>上</a:t>
+                  </a:r>
+                  <a:r>
+                    <a:rPr lang="ja-JP" altLang="en-US" sz="2800" dirty="0" smtClean="0">
+                      <a:latin typeface="Times New Roman" panose="02020603050405020304" pitchFamily="18" charset="0"/>
+                      <a:ea typeface="ＭＳ 明朝" panose="02020609040205080304" pitchFamily="17" charset="-128"/>
+                      <a:cs typeface="Times New Roman" panose="02020603050405020304" pitchFamily="18" charset="0"/>
+                    </a:rPr>
+                    <a:t>の移動可能タイル数</a:t>
+                  </a:r>
+                  <a:endParaRPr lang="ja-JP" altLang="en-US" sz="2800" dirty="0">
+                    <a:latin typeface="Times New Roman" panose="02020603050405020304" pitchFamily="18" charset="0"/>
+                    <a:ea typeface="ＭＳ 明朝" panose="02020609040205080304" pitchFamily="17" charset="-128"/>
+                    <a:cs typeface="Times New Roman" panose="02020603050405020304" pitchFamily="18" charset="0"/>
+                  </a:endParaRPr>
+                </a:p>
+              </p:txBody>
+            </p:sp>
+          </mc:Choice>
+          <mc:Fallback>
+            <p:sp>
+              <p:nvSpPr>
+                <p:cNvPr id="118" name="テキスト ボックス 117"/>
+                <p:cNvSpPr txBox="1">
+                  <a:spLocks noRot="1" noChangeAspect="1" noMove="1" noResize="1" noEditPoints="1" noAdjustHandles="1" noChangeArrowheads="1" noChangeShapeType="1" noTextEdit="1"/>
+                </p:cNvSpPr>
+                <p:nvPr/>
+              </p:nvSpPr>
+              <p:spPr>
+                <a:xfrm>
+                  <a:off x="1916216" y="30116975"/>
+                  <a:ext cx="6030361" cy="954107"/>
+                </a:xfrm>
+                <a:prstGeom prst="rect">
+                  <a:avLst/>
+                </a:prstGeom>
+                <a:blipFill rotWithShape="0">
+                  <a:blip r:embed="rId25"/>
+                  <a:stretch>
+                    <a:fillRect l="-2020" t="-8280" b="-14650"/>
+                  </a:stretch>
+                </a:blipFill>
+              </p:spPr>
+              <p:txBody>
+                <a:bodyPr/>
+                <a:lstStyle/>
+                <a:p>
+                  <a:r>
+                    <a:rPr lang="ja-JP" altLang="en-US">
+                      <a:noFill/>
+                    </a:rPr>
+                    <a:t> </a:t>
+                  </a:r>
+                </a:p>
+              </p:txBody>
+            </p:sp>
+          </mc:Fallback>
+        </mc:AlternateContent>
+      </p:grpSp>
+      <p:grpSp>
+        <p:nvGrpSpPr>
+          <p:cNvPr id="49" name="グループ化 48"/>
+          <p:cNvGrpSpPr/>
+          <p:nvPr/>
+        </p:nvGrpSpPr>
+        <p:grpSpPr>
+          <a:xfrm>
+            <a:off x="1530475" y="39217248"/>
+            <a:ext cx="7367865" cy="655293"/>
+            <a:chOff x="1386459" y="39319314"/>
+            <a:chExt cx="7367865" cy="655293"/>
+          </a:xfrm>
+        </p:grpSpPr>
+        <p:sp>
+          <p:nvSpPr>
+            <p:cNvPr id="121" name="角丸四角形 120"/>
+            <p:cNvSpPr/>
+            <p:nvPr/>
+          </p:nvSpPr>
+          <p:spPr>
+            <a:xfrm>
+              <a:off x="1386459" y="39319314"/>
+              <a:ext cx="7367865" cy="655293"/>
+            </a:xfrm>
+            <a:prstGeom prst="roundRect">
+              <a:avLst>
+                <a:gd name="adj" fmla="val 0"/>
+              </a:avLst>
+            </a:prstGeom>
+            <a:solidFill>
+              <a:srgbClr val="F8F3E0"/>
+            </a:solidFill>
+            <a:ln w="76200">
+              <a:noFill/>
+            </a:ln>
+          </p:spPr>
+          <p:style>
+            <a:lnRef idx="2">
+              <a:schemeClr val="accent1">
+                <a:shade val="50000"/>
+              </a:schemeClr>
+            </a:lnRef>
+            <a:fillRef idx="1">
+              <a:schemeClr val="accent1"/>
+            </a:fillRef>
+            <a:effectRef idx="0">
+              <a:schemeClr val="accent1"/>
+            </a:effectRef>
+            <a:fontRef idx="minor">
+              <a:schemeClr val="lt1"/>
+            </a:fontRef>
+          </p:style>
+          <p:txBody>
+            <a:bodyPr rtlCol="0" anchor="ctr"/>
+            <a:lstStyle/>
+            <a:p>
+              <a:pPr algn="ctr"/>
+              <a:endParaRPr kumimoji="1" lang="ja-JP" altLang="en-US"/>
+            </a:p>
+          </p:txBody>
+        </p:sp>
+        <p:sp>
+          <p:nvSpPr>
+            <p:cNvPr id="48" name="テキスト ボックス 47"/>
+            <p:cNvSpPr txBox="1"/>
+            <p:nvPr/>
+          </p:nvSpPr>
+          <p:spPr>
+            <a:xfrm>
+              <a:off x="1401280" y="39376695"/>
+              <a:ext cx="7278777" cy="523220"/>
+            </a:xfrm>
+            <a:prstGeom prst="rect">
+              <a:avLst/>
+            </a:prstGeom>
+            <a:noFill/>
+          </p:spPr>
+          <p:txBody>
+            <a:bodyPr wrap="square" rtlCol="0">
+              <a:spAutoFit/>
+            </a:bodyPr>
+            <a:lstStyle/>
+            <a:p>
+              <a:pPr algn="ctr"/>
+              <a:r>
+                <a:rPr lang="en-US" altLang="ja-JP" sz="2800" dirty="0">
+                  <a:latin typeface="Times New Roman" panose="02020603050405020304" pitchFamily="18" charset="0"/>
+                  <a:ea typeface="ＭＳ 明朝" panose="02020609040205080304" pitchFamily="17" charset="-128"/>
+                  <a:cs typeface="Times New Roman" panose="02020603050405020304" pitchFamily="18" charset="0"/>
+                </a:rPr>
+                <a:t>Target-cover-set</a:t>
+              </a:r>
+              <a:r>
+                <a:rPr lang="ja-JP" altLang="en-US" sz="2800" dirty="0">
+                  <a:latin typeface="Times New Roman" panose="02020603050405020304" pitchFamily="18" charset="0"/>
+                  <a:ea typeface="ＭＳ 明朝" panose="02020609040205080304" pitchFamily="17" charset="-128"/>
+                  <a:cs typeface="Times New Roman" panose="02020603050405020304" pitchFamily="18" charset="0"/>
+                </a:rPr>
+                <a:t>を</a:t>
+              </a:r>
+              <a:r>
+                <a:rPr lang="ja-JP" altLang="en-US" sz="2800" dirty="0" smtClean="0">
+                  <a:latin typeface="Times New Roman" panose="02020603050405020304" pitchFamily="18" charset="0"/>
+                  <a:ea typeface="ＭＳ 明朝" panose="02020609040205080304" pitchFamily="17" charset="-128"/>
+                  <a:cs typeface="Times New Roman" panose="02020603050405020304" pitchFamily="18" charset="0"/>
+                </a:rPr>
+                <a:t>最小化に</a:t>
+              </a:r>
+              <a:r>
+                <a:rPr lang="ja-JP" altLang="en-US" sz="2800" dirty="0">
+                  <a:latin typeface="Times New Roman" panose="02020603050405020304" pitchFamily="18" charset="0"/>
+                  <a:ea typeface="ＭＳ 明朝" panose="02020609040205080304" pitchFamily="17" charset="-128"/>
+                  <a:cs typeface="Times New Roman" panose="02020603050405020304" pitchFamily="18" charset="0"/>
+                </a:rPr>
+                <a:t>よる計算量の削減</a:t>
+              </a:r>
+              <a:endParaRPr lang="ja-JP" altLang="en-US" sz="2800" dirty="0">
+                <a:latin typeface="Times New Roman" panose="02020603050405020304" pitchFamily="18" charset="0"/>
+                <a:ea typeface="ＭＳ 明朝" panose="02020609040205080304" pitchFamily="17" charset="-128"/>
+                <a:cs typeface="Times New Roman" panose="02020603050405020304" pitchFamily="18" charset="0"/>
+              </a:endParaRPr>
+            </a:p>
+          </p:txBody>
+        </p:sp>
+      </p:grpSp>
+      <p:grpSp>
+        <p:nvGrpSpPr>
+          <p:cNvPr id="127" name="グループ化 126"/>
+          <p:cNvGrpSpPr/>
+          <p:nvPr/>
+        </p:nvGrpSpPr>
+        <p:grpSpPr>
+          <a:xfrm>
+            <a:off x="9316476" y="39218028"/>
+            <a:ext cx="4789157" cy="655293"/>
+            <a:chOff x="1350580" y="39319314"/>
+            <a:chExt cx="7775237" cy="655293"/>
+          </a:xfrm>
+        </p:grpSpPr>
+        <p:sp>
+          <p:nvSpPr>
+            <p:cNvPr id="128" name="角丸四角形 127"/>
+            <p:cNvSpPr/>
+            <p:nvPr/>
+          </p:nvSpPr>
+          <p:spPr>
+            <a:xfrm>
+              <a:off x="1386461" y="39319314"/>
+              <a:ext cx="7739356" cy="655293"/>
+            </a:xfrm>
+            <a:prstGeom prst="roundRect">
+              <a:avLst>
+                <a:gd name="adj" fmla="val 0"/>
+              </a:avLst>
+            </a:prstGeom>
+            <a:solidFill>
+              <a:srgbClr val="F8F3E0"/>
+            </a:solidFill>
+            <a:ln w="76200">
+              <a:noFill/>
+            </a:ln>
+          </p:spPr>
+          <p:style>
+            <a:lnRef idx="2">
+              <a:schemeClr val="accent1">
+                <a:shade val="50000"/>
+              </a:schemeClr>
+            </a:lnRef>
+            <a:fillRef idx="1">
+              <a:schemeClr val="accent1"/>
+            </a:fillRef>
+            <a:effectRef idx="0">
+              <a:schemeClr val="accent1"/>
+            </a:effectRef>
+            <a:fontRef idx="minor">
+              <a:schemeClr val="lt1"/>
+            </a:fontRef>
+          </p:style>
+          <p:txBody>
+            <a:bodyPr rtlCol="0" anchor="ctr"/>
+            <a:lstStyle/>
+            <a:p>
+              <a:pPr algn="ctr"/>
+              <a:endParaRPr kumimoji="1" lang="ja-JP" altLang="en-US"/>
+            </a:p>
+          </p:txBody>
+        </p:sp>
+        <p:sp>
+          <p:nvSpPr>
+            <p:cNvPr id="129" name="テキスト ボックス 128"/>
+            <p:cNvSpPr txBox="1"/>
+            <p:nvPr/>
+          </p:nvSpPr>
+          <p:spPr>
+            <a:xfrm>
+              <a:off x="1350580" y="39375915"/>
+              <a:ext cx="7650268" cy="523220"/>
+            </a:xfrm>
+            <a:prstGeom prst="rect">
+              <a:avLst/>
+            </a:prstGeom>
+            <a:noFill/>
+          </p:spPr>
+          <p:txBody>
+            <a:bodyPr wrap="square" rtlCol="0">
+              <a:spAutoFit/>
+            </a:bodyPr>
+            <a:lstStyle/>
+            <a:p>
+              <a:r>
+                <a:rPr lang="ja-JP" altLang="en-US" sz="2800" dirty="0" smtClean="0">
+                  <a:latin typeface="Times New Roman" panose="02020603050405020304" pitchFamily="18" charset="0"/>
+                  <a:ea typeface="ＭＳ 明朝" panose="02020609040205080304" pitchFamily="17" charset="-128"/>
+                  <a:cs typeface="Times New Roman" panose="02020603050405020304" pitchFamily="18" charset="0"/>
+                </a:rPr>
+                <a:t>該当</a:t>
+              </a:r>
+              <a:r>
+                <a:rPr lang="en-US" altLang="ja-JP" sz="2800" dirty="0" smtClean="0">
+                  <a:latin typeface="Times New Roman" panose="02020603050405020304" pitchFamily="18" charset="0"/>
+                  <a:ea typeface="ＭＳ 明朝" panose="02020609040205080304" pitchFamily="17" charset="-128"/>
+                  <a:cs typeface="Times New Roman" panose="02020603050405020304" pitchFamily="18" charset="0"/>
+                </a:rPr>
+                <a:t>Pursuer</a:t>
+              </a:r>
+              <a:r>
+                <a:rPr lang="ja-JP" altLang="en-US" sz="2800" dirty="0" smtClean="0">
+                  <a:latin typeface="Times New Roman" panose="02020603050405020304" pitchFamily="18" charset="0"/>
+                  <a:ea typeface="ＭＳ 明朝" panose="02020609040205080304" pitchFamily="17" charset="-128"/>
+                  <a:cs typeface="Times New Roman" panose="02020603050405020304" pitchFamily="18" charset="0"/>
+                </a:rPr>
+                <a:t>に</a:t>
+              </a:r>
+              <a:r>
+                <a:rPr lang="en-US" altLang="ja-JP" sz="2800" dirty="0" smtClean="0">
+                  <a:latin typeface="Times New Roman" panose="02020603050405020304" pitchFamily="18" charset="0"/>
+                  <a:ea typeface="ＭＳ 明朝" panose="02020609040205080304" pitchFamily="17" charset="-128"/>
+                  <a:cs typeface="Times New Roman" panose="02020603050405020304" pitchFamily="18" charset="0"/>
+                </a:rPr>
+                <a:t>A star algorithm</a:t>
+              </a:r>
+              <a:endParaRPr lang="ja-JP" altLang="en-US" sz="2800" dirty="0">
+                <a:latin typeface="Times New Roman" panose="02020603050405020304" pitchFamily="18" charset="0"/>
+                <a:ea typeface="ＭＳ 明朝" panose="02020609040205080304" pitchFamily="17" charset="-128"/>
+                <a:cs typeface="Times New Roman" panose="02020603050405020304" pitchFamily="18" charset="0"/>
+              </a:endParaRPr>
+            </a:p>
+          </p:txBody>
+        </p:sp>
+      </p:grpSp>
     </p:spTree>
   </p:cSld>
   <p:clrMapOvr>
